--- a/manu & slides/717simulation.pptx
+++ b/manu & slides/717simulation.pptx
@@ -5,7 +5,7 @@
     <p:sldMasterId id="2147483648" r:id="rId1"/>
   </p:sldMasterIdLst>
   <p:notesMasterIdLst>
-    <p:notesMasterId r:id="rId13"/>
+    <p:notesMasterId r:id="rId20"/>
   </p:notesMasterIdLst>
   <p:sldIdLst>
     <p:sldId id="260" r:id="rId2"/>
@@ -13,12 +13,19 @@
     <p:sldId id="261" r:id="rId4"/>
     <p:sldId id="262" r:id="rId5"/>
     <p:sldId id="263" r:id="rId6"/>
-    <p:sldId id="264" r:id="rId7"/>
-    <p:sldId id="265" r:id="rId8"/>
-    <p:sldId id="266" r:id="rId9"/>
-    <p:sldId id="267" r:id="rId10"/>
-    <p:sldId id="268" r:id="rId11"/>
-    <p:sldId id="259" r:id="rId12"/>
+    <p:sldId id="265" r:id="rId7"/>
+    <p:sldId id="275" r:id="rId8"/>
+    <p:sldId id="267" r:id="rId9"/>
+    <p:sldId id="268" r:id="rId10"/>
+    <p:sldId id="269" r:id="rId11"/>
+    <p:sldId id="271" r:id="rId12"/>
+    <p:sldId id="276" r:id="rId13"/>
+    <p:sldId id="273" r:id="rId14"/>
+    <p:sldId id="274" r:id="rId15"/>
+    <p:sldId id="270" r:id="rId16"/>
+    <p:sldId id="277" r:id="rId17"/>
+    <p:sldId id="272" r:id="rId18"/>
+    <p:sldId id="259" r:id="rId19"/>
   </p:sldIdLst>
   <p:sldSz cx="9144000" cy="5143500" type="screen16x9"/>
   <p:notesSz cx="6805613" cy="9939338"/>
@@ -223,7 +230,7 @@
             <a:fld id="{2A382978-60B3-41E0-9AD0-2E9E6E8B7873}" type="datetimeFigureOut">
               <a:rPr kumimoji="1" lang="ja-JP" altLang="en-US" smtClean="0"/>
               <a:pPr/>
-              <a:t>2018/7/5</a:t>
+              <a:t>2018/7/17</a:t>
             </a:fld>
             <a:endParaRPr kumimoji="1" lang="ja-JP" altLang="en-US"/>
           </a:p>
@@ -1374,7 +1381,7 @@
             <a:fld id="{0BD03392-274E-4A19-9716-EA1CE8085D71}" type="datetime1">
               <a:rPr kumimoji="1" lang="ja-JP" altLang="en-US" smtClean="0"/>
               <a:pPr/>
-              <a:t>2018/7/5</a:t>
+              <a:t>2018/7/17</a:t>
             </a:fld>
             <a:endParaRPr kumimoji="1" lang="ja-JP" altLang="en-US" dirty="0"/>
           </a:p>
@@ -1695,7 +1702,7 @@
             <a:fld id="{D658E221-2E7A-48BA-8424-2A55A4736B68}" type="datetime1">
               <a:rPr kumimoji="1" lang="ja-JP" altLang="en-US" smtClean="0"/>
               <a:pPr/>
-              <a:t>2018/7/5</a:t>
+              <a:t>2018/7/17</a:t>
             </a:fld>
             <a:endParaRPr kumimoji="1" lang="ja-JP" altLang="en-US"/>
           </a:p>
@@ -1811,7 +1818,7 @@
             <a:fld id="{C245638F-14AB-400C-9AF1-5CEBE1B672A1}" type="datetime1">
               <a:rPr kumimoji="1" lang="ja-JP" altLang="en-US" smtClean="0"/>
               <a:pPr/>
-              <a:t>2018/7/5</a:t>
+              <a:t>2018/7/17</a:t>
             </a:fld>
             <a:endParaRPr kumimoji="1" lang="ja-JP" altLang="en-US"/>
           </a:p>
@@ -2399,7 +2406,7 @@
             <a:fld id="{02A88367-5BB3-4793-B263-C2830A0855E0}" type="datetime1">
               <a:rPr kumimoji="1" lang="ja-JP" altLang="en-US" smtClean="0"/>
               <a:pPr/>
-              <a:t>2018/7/5</a:t>
+              <a:t>2018/7/17</a:t>
             </a:fld>
             <a:endParaRPr kumimoji="1" lang="ja-JP" altLang="en-US" dirty="0"/>
           </a:p>
@@ -3445,7 +3452,7 @@
             <a:fld id="{961A4739-C8B6-4F30-A69C-01268F05198C}" type="datetime1">
               <a:rPr kumimoji="1" lang="ja-JP" altLang="en-US" smtClean="0"/>
               <a:pPr/>
-              <a:t>2018/7/5</a:t>
+              <a:t>2018/7/17</a:t>
             </a:fld>
             <a:endParaRPr kumimoji="1" lang="ja-JP" altLang="en-US" dirty="0"/>
           </a:p>
@@ -4693,7 +4700,7 @@
             <a:fld id="{A55444AB-87B1-4B99-A470-0F837A8A1880}" type="datetime1">
               <a:rPr kumimoji="1" lang="ja-JP" altLang="en-US" smtClean="0"/>
               <a:pPr/>
-              <a:t>2018/7/5</a:t>
+              <a:t>2018/7/17</a:t>
             </a:fld>
             <a:endParaRPr kumimoji="1" lang="ja-JP" altLang="en-US" dirty="0"/>
           </a:p>
@@ -5362,7 +5369,7 @@
             <a:fld id="{C2A19EB9-4440-4736-9A49-939819AB9C89}" type="datetime1">
               <a:rPr kumimoji="1" lang="ja-JP" altLang="en-US" smtClean="0"/>
               <a:pPr/>
-              <a:t>2018/7/5</a:t>
+              <a:t>2018/7/17</a:t>
             </a:fld>
             <a:endParaRPr kumimoji="1" lang="ja-JP" altLang="en-US" dirty="0"/>
           </a:p>
@@ -5693,7 +5700,7 @@
             <a:fld id="{207CE768-5AA7-4F09-BE2B-CECF21207030}" type="datetime1">
               <a:rPr kumimoji="1" lang="ja-JP" altLang="en-US" smtClean="0"/>
               <a:pPr/>
-              <a:t>2018/7/5</a:t>
+              <a:t>2018/7/17</a:t>
             </a:fld>
             <a:endParaRPr kumimoji="1" lang="ja-JP" altLang="en-US" dirty="0"/>
           </a:p>
@@ -5962,7 +5969,7 @@
             <a:fld id="{973F8ED2-2E1E-42CA-8611-E2CA1599FB5D}" type="datetime1">
               <a:rPr kumimoji="1" lang="ja-JP" altLang="en-US" smtClean="0"/>
               <a:pPr/>
-              <a:t>2018/7/5</a:t>
+              <a:t>2018/7/17</a:t>
             </a:fld>
             <a:endParaRPr kumimoji="1" lang="ja-JP" altLang="en-US" dirty="0"/>
           </a:p>
@@ -6439,7 +6446,7 @@
             <a:fld id="{A5182719-F20C-4B32-BD5B-859B9127D393}" type="datetime1">
               <a:rPr lang="ja-JP" altLang="en-US" smtClean="0"/>
               <a:pPr/>
-              <a:t>2018/7/5</a:t>
+              <a:t>2018/7/17</a:t>
             </a:fld>
             <a:endParaRPr lang="ja-JP" altLang="en-US" dirty="0"/>
           </a:p>
@@ -7128,19 +7135,79 @@
           <a:chExt cx="0" cy="0"/>
         </a:xfrm>
       </p:grpSpPr>
+      <p:sp>
+        <p:nvSpPr>
+          <p:cNvPr id="2" name="Title 1">
+            <a:extLst>
+              <a:ext uri="{FF2B5EF4-FFF2-40B4-BE49-F238E27FC236}">
+                <a16:creationId xmlns:a16="http://schemas.microsoft.com/office/drawing/2014/main" id="{06D5DA9A-9EC9-4ECA-9122-83F63B48B762}"/>
+              </a:ext>
+            </a:extLst>
+          </p:cNvPr>
+          <p:cNvSpPr>
+            <a:spLocks noGrp="1"/>
+          </p:cNvSpPr>
+          <p:nvPr>
+            <p:ph type="title"/>
+          </p:nvPr>
+        </p:nvSpPr>
+        <p:spPr/>
+        <p:txBody>
+          <a:bodyPr/>
+          <a:lstStyle/>
+          <a:p>
+            <a:r>
+              <a:rPr lang="en-US" dirty="0"/>
+              <a:t>MSE</a:t>
+            </a:r>
+          </a:p>
+        </p:txBody>
+      </p:sp>
+      <p:sp>
+        <p:nvSpPr>
+          <p:cNvPr id="3" name="Text Placeholder 2">
+            <a:extLst>
+              <a:ext uri="{FF2B5EF4-FFF2-40B4-BE49-F238E27FC236}">
+                <a16:creationId xmlns:a16="http://schemas.microsoft.com/office/drawing/2014/main" id="{783A6151-D98E-4ADD-B8D8-7A80912487F3}"/>
+              </a:ext>
+            </a:extLst>
+          </p:cNvPr>
+          <p:cNvSpPr>
+            <a:spLocks noGrp="1"/>
+          </p:cNvSpPr>
+          <p:nvPr>
+            <p:ph type="body" idx="1"/>
+          </p:nvPr>
+        </p:nvSpPr>
+        <p:spPr/>
+        <p:txBody>
+          <a:bodyPr>
+            <a:normAutofit lnSpcReduction="10000"/>
+          </a:bodyPr>
+          <a:lstStyle/>
+          <a:p>
+            <a:r>
+              <a:rPr lang="en-US" dirty="0"/>
+              <a:t>Genes</a:t>
+            </a:r>
+          </a:p>
+        </p:txBody>
+      </p:sp>
       <p:pic>
         <p:nvPicPr>
-          <p:cNvPr id="6" name="Picture 5">
+          <p:cNvPr id="10" name="Content Placeholder 9">
             <a:extLst>
               <a:ext uri="{FF2B5EF4-FFF2-40B4-BE49-F238E27FC236}">
-                <a16:creationId xmlns:a16="http://schemas.microsoft.com/office/drawing/2014/main" id="{73B55AD9-6E8E-4FD1-A75E-B42F0E5661C1}"/>
+                <a16:creationId xmlns:a16="http://schemas.microsoft.com/office/drawing/2014/main" id="{4B7BF36C-7B62-4FA8-9C11-7354C9954A56}"/>
               </a:ext>
             </a:extLst>
           </p:cNvPr>
           <p:cNvPicPr>
-            <a:picLocks noChangeAspect="1"/>
+            <a:picLocks noGrp="1" noChangeAspect="1"/>
           </p:cNvPicPr>
-          <p:nvPr/>
+          <p:nvPr>
+            <p:ph sz="half" idx="2"/>
+          </p:nvPr>
         </p:nvPicPr>
         <p:blipFill>
           <a:blip r:embed="rId2">
@@ -7156,20 +7223,17 @@
         </p:blipFill>
         <p:spPr>
           <a:xfrm>
-            <a:off x="-32518" y="937698"/>
-            <a:ext cx="9217528" cy="4608764"/>
+            <a:off x="404813" y="1732077"/>
+            <a:ext cx="4092575" cy="2306408"/>
           </a:xfrm>
-          <a:prstGeom prst="rect">
-            <a:avLst/>
-          </a:prstGeom>
         </p:spPr>
       </p:pic>
       <p:sp>
         <p:nvSpPr>
-          <p:cNvPr id="2" name="Footer Placeholder 1">
+          <p:cNvPr id="5" name="Text Placeholder 4">
             <a:extLst>
               <a:ext uri="{FF2B5EF4-FFF2-40B4-BE49-F238E27FC236}">
-                <a16:creationId xmlns:a16="http://schemas.microsoft.com/office/drawing/2014/main" id="{0A9C902C-5978-44BE-BFC7-7D17D4E6ADD9}"/>
+                <a16:creationId xmlns:a16="http://schemas.microsoft.com/office/drawing/2014/main" id="{F25B34C4-4E30-4652-8309-EBCAB1918F85}"/>
               </a:ext>
             </a:extLst>
           </p:cNvPr>
@@ -7177,85 +7241,39 @@
             <a:spLocks noGrp="1"/>
           </p:cNvSpPr>
           <p:nvPr>
-            <p:ph type="ftr" sz="quarter" idx="11"/>
+            <p:ph type="body" sz="quarter" idx="3"/>
           </p:nvPr>
         </p:nvSpPr>
         <p:spPr/>
         <p:txBody>
-          <a:bodyPr/>
+          <a:bodyPr>
+            <a:normAutofit lnSpcReduction="10000"/>
+          </a:bodyPr>
           <a:lstStyle/>
           <a:p>
             <a:r>
-              <a:rPr lang="ja-JP" altLang="en-US"/>
-              <a:t>｜</a:t>
-            </a:r>
-            <a:r>
-              <a:rPr lang="en-US" altLang="ja-JP"/>
-              <a:t>0000</a:t>
-            </a:r>
-            <a:r>
-              <a:rPr lang="ja-JP" altLang="en-US"/>
-              <a:t>　</a:t>
-            </a:r>
-            <a:r>
-              <a:rPr lang="en-US" altLang="ja-JP"/>
-              <a:t>|</a:t>
-            </a:r>
-            <a:r>
-              <a:rPr lang="ja-JP" altLang="en-US"/>
-              <a:t>　　</a:t>
-            </a:r>
-            <a:r>
-              <a:rPr lang="en-US" altLang="ja-JP"/>
-              <a:t>DDMMYY</a:t>
-            </a:r>
-            <a:endParaRPr lang="ja-JP" altLang="en-US" dirty="0"/>
-          </a:p>
-        </p:txBody>
-      </p:sp>
-      <p:sp>
-        <p:nvSpPr>
-          <p:cNvPr id="3" name="Slide Number Placeholder 2">
-            <a:extLst>
-              <a:ext uri="{FF2B5EF4-FFF2-40B4-BE49-F238E27FC236}">
-                <a16:creationId xmlns:a16="http://schemas.microsoft.com/office/drawing/2014/main" id="{E5AA8BE8-BC1E-4C9A-B477-00B418B225DF}"/>
-              </a:ext>
-            </a:extLst>
-          </p:cNvPr>
-          <p:cNvSpPr>
-            <a:spLocks noGrp="1"/>
-          </p:cNvSpPr>
-          <p:nvPr>
-            <p:ph type="sldNum" sz="quarter" idx="12"/>
-          </p:nvPr>
-        </p:nvSpPr>
-        <p:spPr/>
-        <p:txBody>
-          <a:bodyPr/>
-          <a:lstStyle/>
-          <a:p>
-            <a:fld id="{E9B57936-92EF-4126-AE48-1D9D36D15E98}" type="slidenum">
-              <a:rPr kumimoji="1" lang="ja-JP" altLang="en-US" smtClean="0"/>
-              <a:pPr/>
-              <a:t>9</a:t>
-            </a:fld>
-            <a:endParaRPr kumimoji="1" lang="ja-JP" altLang="en-US"/>
+              <a:rPr lang="en-US" dirty="0" err="1"/>
+              <a:t>Genes+baseline</a:t>
+            </a:r>
+            <a:endParaRPr lang="en-US" dirty="0"/>
           </a:p>
         </p:txBody>
       </p:sp>
       <p:pic>
         <p:nvPicPr>
-          <p:cNvPr id="4" name="Picture 3">
+          <p:cNvPr id="12" name="Content Placeholder 11">
             <a:extLst>
               <a:ext uri="{FF2B5EF4-FFF2-40B4-BE49-F238E27FC236}">
-                <a16:creationId xmlns:a16="http://schemas.microsoft.com/office/drawing/2014/main" id="{F1D73D80-832B-41FC-8776-9625D7FE5605}"/>
+                <a16:creationId xmlns:a16="http://schemas.microsoft.com/office/drawing/2014/main" id="{1FB2E42C-2603-4767-9702-959DBB139F9F}"/>
               </a:ext>
             </a:extLst>
           </p:cNvPr>
           <p:cNvPicPr>
-            <a:picLocks noChangeAspect="1"/>
+            <a:picLocks noGrp="1" noChangeAspect="1"/>
           </p:cNvPicPr>
-          <p:nvPr/>
+          <p:nvPr>
+            <p:ph sz="quarter" idx="4"/>
+          </p:nvPr>
         </p:nvPicPr>
         <p:blipFill>
           <a:blip r:embed="rId3">
@@ -7271,30 +7289,901 @@
         </p:blipFill>
         <p:spPr>
           <a:xfrm>
-            <a:off x="247167" y="-92546"/>
-            <a:ext cx="3192078" cy="1596039"/>
+            <a:off x="4645025" y="1746392"/>
+            <a:ext cx="4041775" cy="2277779"/>
           </a:xfrm>
-          <a:prstGeom prst="rect">
-            <a:avLst/>
-          </a:prstGeom>
         </p:spPr>
       </p:pic>
+      <p:sp>
+        <p:nvSpPr>
+          <p:cNvPr id="7" name="Footer Placeholder 6">
+            <a:extLst>
+              <a:ext uri="{FF2B5EF4-FFF2-40B4-BE49-F238E27FC236}">
+                <a16:creationId xmlns:a16="http://schemas.microsoft.com/office/drawing/2014/main" id="{0A46F92B-BA66-4A4F-A8F1-8F6A06CE1F87}"/>
+              </a:ext>
+            </a:extLst>
+          </p:cNvPr>
+          <p:cNvSpPr>
+            <a:spLocks noGrp="1"/>
+          </p:cNvSpPr>
+          <p:nvPr>
+            <p:ph type="ftr" sz="quarter" idx="11"/>
+          </p:nvPr>
+        </p:nvSpPr>
+        <p:spPr/>
+        <p:txBody>
+          <a:bodyPr/>
+          <a:lstStyle/>
+          <a:p>
+            <a:r>
+              <a:rPr lang="ja-JP" altLang="en-US"/>
+              <a:t>｜</a:t>
+            </a:r>
+            <a:r>
+              <a:rPr lang="en-US" altLang="ja-JP"/>
+              <a:t>0000</a:t>
+            </a:r>
+            <a:r>
+              <a:rPr lang="ja-JP" altLang="en-US"/>
+              <a:t>　</a:t>
+            </a:r>
+            <a:r>
+              <a:rPr lang="en-US" altLang="ja-JP"/>
+              <a:t>|</a:t>
+            </a:r>
+            <a:r>
+              <a:rPr lang="ja-JP" altLang="en-US"/>
+              <a:t>　　</a:t>
+            </a:r>
+            <a:r>
+              <a:rPr lang="en-US" altLang="ja-JP"/>
+              <a:t>DDMMYY</a:t>
+            </a:r>
+            <a:endParaRPr lang="ja-JP" altLang="en-US" dirty="0"/>
+          </a:p>
+        </p:txBody>
+      </p:sp>
+      <p:sp>
+        <p:nvSpPr>
+          <p:cNvPr id="8" name="Slide Number Placeholder 7">
+            <a:extLst>
+              <a:ext uri="{FF2B5EF4-FFF2-40B4-BE49-F238E27FC236}">
+                <a16:creationId xmlns:a16="http://schemas.microsoft.com/office/drawing/2014/main" id="{16D4CC7B-BFE7-46A0-B159-52F158EC7311}"/>
+              </a:ext>
+            </a:extLst>
+          </p:cNvPr>
+          <p:cNvSpPr>
+            <a:spLocks noGrp="1"/>
+          </p:cNvSpPr>
+          <p:nvPr>
+            <p:ph type="sldNum" sz="quarter" idx="12"/>
+          </p:nvPr>
+        </p:nvSpPr>
+        <p:spPr/>
+        <p:txBody>
+          <a:bodyPr/>
+          <a:lstStyle/>
+          <a:p>
+            <a:fld id="{E9B57936-92EF-4126-AE48-1D9D36D15E98}" type="slidenum">
+              <a:rPr kumimoji="1" lang="ja-JP" altLang="en-US" smtClean="0"/>
+              <a:pPr/>
+              <a:t>9</a:t>
+            </a:fld>
+            <a:endParaRPr kumimoji="1" lang="ja-JP" altLang="en-US" dirty="0"/>
+          </a:p>
+        </p:txBody>
+      </p:sp>
+    </p:spTree>
+    <p:extLst>
+      <p:ext uri="{BB962C8B-B14F-4D97-AF65-F5344CB8AC3E}">
+        <p14:creationId xmlns:p14="http://schemas.microsoft.com/office/powerpoint/2010/main" val="3064189714"/>
+      </p:ext>
+    </p:extLst>
+  </p:cSld>
+  <p:clrMapOvr>
+    <a:masterClrMapping/>
+  </p:clrMapOvr>
+</p:sld>
+</file>
+
+<file path=ppt/slides/slide11.xml><?xml version="1.0" encoding="utf-8"?>
+<p:sld xmlns:a="http://schemas.openxmlformats.org/drawingml/2006/main" xmlns:r="http://schemas.openxmlformats.org/officeDocument/2006/relationships" xmlns:p="http://schemas.openxmlformats.org/presentationml/2006/main">
+  <p:cSld>
+    <p:spTree>
+      <p:nvGrpSpPr>
+        <p:cNvPr id="1" name=""/>
+        <p:cNvGrpSpPr/>
+        <p:nvPr/>
+      </p:nvGrpSpPr>
+      <p:grpSpPr>
+        <a:xfrm>
+          <a:off x="0" y="0"/>
+          <a:ext cx="0" cy="0"/>
+          <a:chOff x="0" y="0"/>
+          <a:chExt cx="0" cy="0"/>
+        </a:xfrm>
+      </p:grpSpPr>
+      <p:sp>
+        <p:nvSpPr>
+          <p:cNvPr id="2" name="Title 1">
+            <a:extLst>
+              <a:ext uri="{FF2B5EF4-FFF2-40B4-BE49-F238E27FC236}">
+                <a16:creationId xmlns:a16="http://schemas.microsoft.com/office/drawing/2014/main" id="{06D5DA9A-9EC9-4ECA-9122-83F63B48B762}"/>
+              </a:ext>
+            </a:extLst>
+          </p:cNvPr>
+          <p:cNvSpPr>
+            <a:spLocks noGrp="1"/>
+          </p:cNvSpPr>
+          <p:nvPr>
+            <p:ph type="title"/>
+          </p:nvPr>
+        </p:nvSpPr>
+        <p:spPr/>
+        <p:txBody>
+          <a:bodyPr/>
+          <a:lstStyle/>
+          <a:p>
+            <a:r>
+              <a:rPr lang="en-US" dirty="0"/>
+              <a:t>Strong/Weak Signal</a:t>
+            </a:r>
+          </a:p>
+        </p:txBody>
+      </p:sp>
+      <p:sp>
+        <p:nvSpPr>
+          <p:cNvPr id="3" name="Text Placeholder 2">
+            <a:extLst>
+              <a:ext uri="{FF2B5EF4-FFF2-40B4-BE49-F238E27FC236}">
+                <a16:creationId xmlns:a16="http://schemas.microsoft.com/office/drawing/2014/main" id="{783A6151-D98E-4ADD-B8D8-7A80912487F3}"/>
+              </a:ext>
+            </a:extLst>
+          </p:cNvPr>
+          <p:cNvSpPr>
+            <a:spLocks noGrp="1"/>
+          </p:cNvSpPr>
+          <p:nvPr>
+            <p:ph type="body" idx="1"/>
+          </p:nvPr>
+        </p:nvSpPr>
+        <p:spPr/>
+        <p:txBody>
+          <a:bodyPr>
+            <a:normAutofit lnSpcReduction="10000"/>
+          </a:bodyPr>
+          <a:lstStyle/>
+          <a:p>
+            <a:r>
+              <a:rPr lang="en-US" dirty="0"/>
+              <a:t>Main Effects Correct Rate</a:t>
+            </a:r>
+          </a:p>
+        </p:txBody>
+      </p:sp>
+      <p:graphicFrame>
+        <p:nvGraphicFramePr>
+          <p:cNvPr id="9" name="Content Placeholder 8">
+            <a:extLst>
+              <a:ext uri="{FF2B5EF4-FFF2-40B4-BE49-F238E27FC236}">
+                <a16:creationId xmlns:a16="http://schemas.microsoft.com/office/drawing/2014/main" id="{24566B66-33AC-4913-8235-44437D9B1959}"/>
+              </a:ext>
+            </a:extLst>
+          </p:cNvPr>
+          <p:cNvGraphicFramePr>
+            <a:graphicFrameLocks noGrp="1"/>
+          </p:cNvGraphicFramePr>
+          <p:nvPr>
+            <p:ph sz="half" idx="2"/>
+            <p:extLst>
+              <p:ext uri="{D42A27DB-BD31-4B8C-83A1-F6EECF244321}">
+                <p14:modId xmlns:p14="http://schemas.microsoft.com/office/powerpoint/2010/main" val="2867415376"/>
+              </p:ext>
+            </p:extLst>
+          </p:nvPr>
+        </p:nvGraphicFramePr>
+        <p:xfrm>
+          <a:off x="179513" y="1403350"/>
+          <a:ext cx="4317875" cy="741680"/>
+        </p:xfrm>
+        <a:graphic>
+          <a:graphicData uri="http://schemas.openxmlformats.org/drawingml/2006/table">
+            <a:tbl>
+              <a:tblPr firstRow="1" bandRow="1">
+                <a:tableStyleId>{5C22544A-7EE6-4342-B048-85BDC9FD1C3A}</a:tableStyleId>
+              </a:tblPr>
+              <a:tblGrid>
+                <a:gridCol w="863575">
+                  <a:extLst>
+                    <a:ext uri="{9D8B030D-6E8A-4147-A177-3AD203B41FA5}">
+                      <a16:colId xmlns:a16="http://schemas.microsoft.com/office/drawing/2014/main" val="1183227820"/>
+                    </a:ext>
+                  </a:extLst>
+                </a:gridCol>
+                <a:gridCol w="863575">
+                  <a:extLst>
+                    <a:ext uri="{9D8B030D-6E8A-4147-A177-3AD203B41FA5}">
+                      <a16:colId xmlns:a16="http://schemas.microsoft.com/office/drawing/2014/main" val="2339914069"/>
+                    </a:ext>
+                  </a:extLst>
+                </a:gridCol>
+                <a:gridCol w="863575">
+                  <a:extLst>
+                    <a:ext uri="{9D8B030D-6E8A-4147-A177-3AD203B41FA5}">
+                      <a16:colId xmlns:a16="http://schemas.microsoft.com/office/drawing/2014/main" val="3524143497"/>
+                    </a:ext>
+                  </a:extLst>
+                </a:gridCol>
+                <a:gridCol w="863575">
+                  <a:extLst>
+                    <a:ext uri="{9D8B030D-6E8A-4147-A177-3AD203B41FA5}">
+                      <a16:colId xmlns:a16="http://schemas.microsoft.com/office/drawing/2014/main" val="1468789111"/>
+                    </a:ext>
+                  </a:extLst>
+                </a:gridCol>
+                <a:gridCol w="863575">
+                  <a:extLst>
+                    <a:ext uri="{9D8B030D-6E8A-4147-A177-3AD203B41FA5}">
+                      <a16:colId xmlns:a16="http://schemas.microsoft.com/office/drawing/2014/main" val="3259249874"/>
+                    </a:ext>
+                  </a:extLst>
+                </a:gridCol>
+              </a:tblGrid>
+              <a:tr h="370840">
+                <a:tc>
+                  <a:txBody>
+                    <a:bodyPr/>
+                    <a:lstStyle/>
+                    <a:p>
+                      <a:endParaRPr lang="en-US" dirty="0"/>
+                    </a:p>
+                  </a:txBody>
+                  <a:tcPr/>
+                </a:tc>
+                <a:tc>
+                  <a:txBody>
+                    <a:bodyPr/>
+                    <a:lstStyle/>
+                    <a:p>
+                      <a:r>
+                        <a:rPr lang="en-US" dirty="0"/>
+                        <a:t>1</a:t>
+                      </a:r>
+                    </a:p>
+                  </a:txBody>
+                  <a:tcPr/>
+                </a:tc>
+                <a:tc>
+                  <a:txBody>
+                    <a:bodyPr/>
+                    <a:lstStyle/>
+                    <a:p>
+                      <a:r>
+                        <a:rPr lang="en-US" dirty="0"/>
+                        <a:t>2</a:t>
+                      </a:r>
+                    </a:p>
+                  </a:txBody>
+                  <a:tcPr/>
+                </a:tc>
+                <a:tc>
+                  <a:txBody>
+                    <a:bodyPr/>
+                    <a:lstStyle/>
+                    <a:p>
+                      <a:r>
+                        <a:rPr lang="en-US" dirty="0"/>
+                        <a:t>3</a:t>
+                      </a:r>
+                    </a:p>
+                  </a:txBody>
+                  <a:tcPr/>
+                </a:tc>
+                <a:tc>
+                  <a:txBody>
+                    <a:bodyPr/>
+                    <a:lstStyle/>
+                    <a:p>
+                      <a:r>
+                        <a:rPr lang="en-US" dirty="0"/>
+                        <a:t>4</a:t>
+                      </a:r>
+                    </a:p>
+                  </a:txBody>
+                  <a:tcPr/>
+                </a:tc>
+                <a:extLst>
+                  <a:ext uri="{0D108BD9-81ED-4DB2-BD59-A6C34878D82A}">
+                    <a16:rowId xmlns:a16="http://schemas.microsoft.com/office/drawing/2014/main" val="2211568318"/>
+                  </a:ext>
+                </a:extLst>
+              </a:tr>
+              <a:tr h="370840">
+                <a:tc>
+                  <a:txBody>
+                    <a:bodyPr/>
+                    <a:lstStyle/>
+                    <a:p>
+                      <a:r>
+                        <a:rPr lang="en-US" dirty="0"/>
+                        <a:t>mean</a:t>
+                      </a:r>
+                    </a:p>
+                  </a:txBody>
+                  <a:tcPr/>
+                </a:tc>
+                <a:tc>
+                  <a:txBody>
+                    <a:bodyPr/>
+                    <a:lstStyle/>
+                    <a:p>
+                      <a:r>
+                        <a:rPr lang="en-US" dirty="0">
+                          <a:effectLst/>
+                        </a:rPr>
+                        <a:t>0.402</a:t>
+                      </a:r>
+                      <a:endParaRPr lang="en-US" dirty="0"/>
+                    </a:p>
+                  </a:txBody>
+                  <a:tcPr/>
+                </a:tc>
+                <a:tc>
+                  <a:txBody>
+                    <a:bodyPr/>
+                    <a:lstStyle/>
+                    <a:p>
+                      <a:r>
+                        <a:rPr lang="en-US" dirty="0">
+                          <a:effectLst/>
+                        </a:rPr>
+                        <a:t>0.675</a:t>
+                      </a:r>
+                      <a:endParaRPr lang="en-US" dirty="0"/>
+                    </a:p>
+                  </a:txBody>
+                  <a:tcPr/>
+                </a:tc>
+                <a:tc>
+                  <a:txBody>
+                    <a:bodyPr/>
+                    <a:lstStyle/>
+                    <a:p>
+                      <a:r>
+                        <a:rPr lang="en-US" dirty="0">
+                          <a:effectLst/>
+                        </a:rPr>
+                        <a:t>0.862</a:t>
+                      </a:r>
+                      <a:endParaRPr lang="en-US" dirty="0"/>
+                    </a:p>
+                  </a:txBody>
+                  <a:tcPr/>
+                </a:tc>
+                <a:tc>
+                  <a:txBody>
+                    <a:bodyPr/>
+                    <a:lstStyle/>
+                    <a:p>
+                      <a:r>
+                        <a:rPr lang="en-US" dirty="0">
+                          <a:effectLst/>
+                        </a:rPr>
+                        <a:t>0.966</a:t>
+                      </a:r>
+                      <a:endParaRPr lang="en-US" dirty="0"/>
+                    </a:p>
+                  </a:txBody>
+                  <a:tcPr/>
+                </a:tc>
+                <a:extLst>
+                  <a:ext uri="{0D108BD9-81ED-4DB2-BD59-A6C34878D82A}">
+                    <a16:rowId xmlns:a16="http://schemas.microsoft.com/office/drawing/2014/main" val="2979660210"/>
+                  </a:ext>
+                </a:extLst>
+              </a:tr>
+            </a:tbl>
+          </a:graphicData>
+        </a:graphic>
+      </p:graphicFrame>
+      <p:sp>
+        <p:nvSpPr>
+          <p:cNvPr id="5" name="Text Placeholder 4">
+            <a:extLst>
+              <a:ext uri="{FF2B5EF4-FFF2-40B4-BE49-F238E27FC236}">
+                <a16:creationId xmlns:a16="http://schemas.microsoft.com/office/drawing/2014/main" id="{F25B34C4-4E30-4652-8309-EBCAB1918F85}"/>
+              </a:ext>
+            </a:extLst>
+          </p:cNvPr>
+          <p:cNvSpPr>
+            <a:spLocks noGrp="1"/>
+          </p:cNvSpPr>
+          <p:nvPr>
+            <p:ph type="body" sz="quarter" idx="3"/>
+          </p:nvPr>
+        </p:nvSpPr>
+        <p:spPr/>
+        <p:txBody>
+          <a:bodyPr>
+            <a:normAutofit lnSpcReduction="10000"/>
+          </a:bodyPr>
+          <a:lstStyle/>
+          <a:p>
+            <a:r>
+              <a:rPr lang="en-US" dirty="0"/>
+              <a:t>Interaction Effects Correct Rate</a:t>
+            </a:r>
+          </a:p>
+        </p:txBody>
+      </p:sp>
+      <p:graphicFrame>
+        <p:nvGraphicFramePr>
+          <p:cNvPr id="10" name="Content Placeholder 9">
+            <a:extLst>
+              <a:ext uri="{FF2B5EF4-FFF2-40B4-BE49-F238E27FC236}">
+                <a16:creationId xmlns:a16="http://schemas.microsoft.com/office/drawing/2014/main" id="{8BEDEB1C-1D76-48D6-83F2-CD9E55E5CA8C}"/>
+              </a:ext>
+            </a:extLst>
+          </p:cNvPr>
+          <p:cNvGraphicFramePr>
+            <a:graphicFrameLocks noGrp="1"/>
+          </p:cNvGraphicFramePr>
+          <p:nvPr>
+            <p:ph sz="quarter" idx="4"/>
+            <p:extLst>
+              <p:ext uri="{D42A27DB-BD31-4B8C-83A1-F6EECF244321}">
+                <p14:modId xmlns:p14="http://schemas.microsoft.com/office/powerpoint/2010/main" val="332892917"/>
+              </p:ext>
+            </p:extLst>
+          </p:nvPr>
+        </p:nvGraphicFramePr>
+        <p:xfrm>
+          <a:off x="4645025" y="1403350"/>
+          <a:ext cx="4041775" cy="741680"/>
+        </p:xfrm>
+        <a:graphic>
+          <a:graphicData uri="http://schemas.openxmlformats.org/drawingml/2006/table">
+            <a:tbl>
+              <a:tblPr firstRow="1" bandRow="1">
+                <a:tableStyleId>{5C22544A-7EE6-4342-B048-85BDC9FD1C3A}</a:tableStyleId>
+              </a:tblPr>
+              <a:tblGrid>
+                <a:gridCol w="808355">
+                  <a:extLst>
+                    <a:ext uri="{9D8B030D-6E8A-4147-A177-3AD203B41FA5}">
+                      <a16:colId xmlns:a16="http://schemas.microsoft.com/office/drawing/2014/main" val="3418444687"/>
+                    </a:ext>
+                  </a:extLst>
+                </a:gridCol>
+                <a:gridCol w="808355">
+                  <a:extLst>
+                    <a:ext uri="{9D8B030D-6E8A-4147-A177-3AD203B41FA5}">
+                      <a16:colId xmlns:a16="http://schemas.microsoft.com/office/drawing/2014/main" val="1482317519"/>
+                    </a:ext>
+                  </a:extLst>
+                </a:gridCol>
+                <a:gridCol w="808355">
+                  <a:extLst>
+                    <a:ext uri="{9D8B030D-6E8A-4147-A177-3AD203B41FA5}">
+                      <a16:colId xmlns:a16="http://schemas.microsoft.com/office/drawing/2014/main" val="2635170354"/>
+                    </a:ext>
+                  </a:extLst>
+                </a:gridCol>
+                <a:gridCol w="808355">
+                  <a:extLst>
+                    <a:ext uri="{9D8B030D-6E8A-4147-A177-3AD203B41FA5}">
+                      <a16:colId xmlns:a16="http://schemas.microsoft.com/office/drawing/2014/main" val="4196413062"/>
+                    </a:ext>
+                  </a:extLst>
+                </a:gridCol>
+                <a:gridCol w="808355">
+                  <a:extLst>
+                    <a:ext uri="{9D8B030D-6E8A-4147-A177-3AD203B41FA5}">
+                      <a16:colId xmlns:a16="http://schemas.microsoft.com/office/drawing/2014/main" val="1594189032"/>
+                    </a:ext>
+                  </a:extLst>
+                </a:gridCol>
+              </a:tblGrid>
+              <a:tr h="370840">
+                <a:tc>
+                  <a:txBody>
+                    <a:bodyPr/>
+                    <a:lstStyle/>
+                    <a:p>
+                      <a:endParaRPr lang="en-US" dirty="0"/>
+                    </a:p>
+                  </a:txBody>
+                  <a:tcPr/>
+                </a:tc>
+                <a:tc>
+                  <a:txBody>
+                    <a:bodyPr/>
+                    <a:lstStyle/>
+                    <a:p>
+                      <a:r>
+                        <a:rPr lang="en-US" dirty="0"/>
+                        <a:t>1</a:t>
+                      </a:r>
+                    </a:p>
+                  </a:txBody>
+                  <a:tcPr/>
+                </a:tc>
+                <a:tc>
+                  <a:txBody>
+                    <a:bodyPr/>
+                    <a:lstStyle/>
+                    <a:p>
+                      <a:r>
+                        <a:rPr lang="en-US" dirty="0"/>
+                        <a:t>2</a:t>
+                      </a:r>
+                    </a:p>
+                  </a:txBody>
+                  <a:tcPr/>
+                </a:tc>
+                <a:tc>
+                  <a:txBody>
+                    <a:bodyPr/>
+                    <a:lstStyle/>
+                    <a:p>
+                      <a:r>
+                        <a:rPr lang="en-US" dirty="0"/>
+                        <a:t>3</a:t>
+                      </a:r>
+                    </a:p>
+                  </a:txBody>
+                  <a:tcPr/>
+                </a:tc>
+                <a:tc>
+                  <a:txBody>
+                    <a:bodyPr/>
+                    <a:lstStyle/>
+                    <a:p>
+                      <a:r>
+                        <a:rPr lang="en-US" dirty="0"/>
+                        <a:t>4</a:t>
+                      </a:r>
+                    </a:p>
+                  </a:txBody>
+                  <a:tcPr/>
+                </a:tc>
+                <a:extLst>
+                  <a:ext uri="{0D108BD9-81ED-4DB2-BD59-A6C34878D82A}">
+                    <a16:rowId xmlns:a16="http://schemas.microsoft.com/office/drawing/2014/main" val="1984294394"/>
+                  </a:ext>
+                </a:extLst>
+              </a:tr>
+              <a:tr h="370840">
+                <a:tc>
+                  <a:txBody>
+                    <a:bodyPr/>
+                    <a:lstStyle/>
+                    <a:p>
+                      <a:r>
+                        <a:rPr lang="en-US" dirty="0"/>
+                        <a:t>mean</a:t>
+                      </a:r>
+                    </a:p>
+                  </a:txBody>
+                  <a:tcPr/>
+                </a:tc>
+                <a:tc>
+                  <a:txBody>
+                    <a:bodyPr/>
+                    <a:lstStyle/>
+                    <a:p>
+                      <a:r>
+                        <a:rPr lang="en-US" dirty="0">
+                          <a:effectLst/>
+                        </a:rPr>
+                        <a:t>0.349</a:t>
+                      </a:r>
+                      <a:endParaRPr lang="en-US" dirty="0"/>
+                    </a:p>
+                  </a:txBody>
+                  <a:tcPr/>
+                </a:tc>
+                <a:tc>
+                  <a:txBody>
+                    <a:bodyPr/>
+                    <a:lstStyle/>
+                    <a:p>
+                      <a:r>
+                        <a:rPr lang="en-US" dirty="0">
+                          <a:effectLst/>
+                        </a:rPr>
+                        <a:t>0.576</a:t>
+                      </a:r>
+                      <a:endParaRPr lang="en-US" dirty="0"/>
+                    </a:p>
+                  </a:txBody>
+                  <a:tcPr/>
+                </a:tc>
+                <a:tc>
+                  <a:txBody>
+                    <a:bodyPr/>
+                    <a:lstStyle/>
+                    <a:p>
+                      <a:r>
+                        <a:rPr lang="en-US" dirty="0">
+                          <a:effectLst/>
+                        </a:rPr>
+                        <a:t>0.825</a:t>
+                      </a:r>
+                      <a:endParaRPr lang="en-US" dirty="0"/>
+                    </a:p>
+                  </a:txBody>
+                  <a:tcPr/>
+                </a:tc>
+                <a:tc>
+                  <a:txBody>
+                    <a:bodyPr/>
+                    <a:lstStyle/>
+                    <a:p>
+                      <a:r>
+                        <a:rPr lang="en-US" dirty="0">
+                          <a:effectLst/>
+                        </a:rPr>
+                        <a:t>0.951</a:t>
+                      </a:r>
+                      <a:endParaRPr lang="en-US" dirty="0"/>
+                    </a:p>
+                  </a:txBody>
+                  <a:tcPr/>
+                </a:tc>
+                <a:extLst>
+                  <a:ext uri="{0D108BD9-81ED-4DB2-BD59-A6C34878D82A}">
+                    <a16:rowId xmlns:a16="http://schemas.microsoft.com/office/drawing/2014/main" val="33640178"/>
+                  </a:ext>
+                </a:extLst>
+              </a:tr>
+            </a:tbl>
+          </a:graphicData>
+        </a:graphic>
+      </p:graphicFrame>
+      <p:sp>
+        <p:nvSpPr>
+          <p:cNvPr id="7" name="Footer Placeholder 6">
+            <a:extLst>
+              <a:ext uri="{FF2B5EF4-FFF2-40B4-BE49-F238E27FC236}">
+                <a16:creationId xmlns:a16="http://schemas.microsoft.com/office/drawing/2014/main" id="{0A46F92B-BA66-4A4F-A8F1-8F6A06CE1F87}"/>
+              </a:ext>
+            </a:extLst>
+          </p:cNvPr>
+          <p:cNvSpPr>
+            <a:spLocks noGrp="1"/>
+          </p:cNvSpPr>
+          <p:nvPr>
+            <p:ph type="ftr" sz="quarter" idx="11"/>
+          </p:nvPr>
+        </p:nvSpPr>
+        <p:spPr/>
+        <p:txBody>
+          <a:bodyPr/>
+          <a:lstStyle/>
+          <a:p>
+            <a:r>
+              <a:rPr lang="ja-JP" altLang="en-US"/>
+              <a:t>｜</a:t>
+            </a:r>
+            <a:r>
+              <a:rPr lang="en-US" altLang="ja-JP"/>
+              <a:t>0000</a:t>
+            </a:r>
+            <a:r>
+              <a:rPr lang="ja-JP" altLang="en-US"/>
+              <a:t>　</a:t>
+            </a:r>
+            <a:r>
+              <a:rPr lang="en-US" altLang="ja-JP"/>
+              <a:t>|</a:t>
+            </a:r>
+            <a:r>
+              <a:rPr lang="ja-JP" altLang="en-US"/>
+              <a:t>　　</a:t>
+            </a:r>
+            <a:r>
+              <a:rPr lang="en-US" altLang="ja-JP"/>
+              <a:t>DDMMYY</a:t>
+            </a:r>
+            <a:endParaRPr lang="ja-JP" altLang="en-US" dirty="0"/>
+          </a:p>
+        </p:txBody>
+      </p:sp>
+      <p:sp>
+        <p:nvSpPr>
+          <p:cNvPr id="8" name="Slide Number Placeholder 7">
+            <a:extLst>
+              <a:ext uri="{FF2B5EF4-FFF2-40B4-BE49-F238E27FC236}">
+                <a16:creationId xmlns:a16="http://schemas.microsoft.com/office/drawing/2014/main" id="{16D4CC7B-BFE7-46A0-B159-52F158EC7311}"/>
+              </a:ext>
+            </a:extLst>
+          </p:cNvPr>
+          <p:cNvSpPr>
+            <a:spLocks noGrp="1"/>
+          </p:cNvSpPr>
+          <p:nvPr>
+            <p:ph type="sldNum" sz="quarter" idx="12"/>
+          </p:nvPr>
+        </p:nvSpPr>
+        <p:spPr/>
+        <p:txBody>
+          <a:bodyPr/>
+          <a:lstStyle/>
+          <a:p>
+            <a:fld id="{E9B57936-92EF-4126-AE48-1D9D36D15E98}" type="slidenum">
+              <a:rPr kumimoji="1" lang="ja-JP" altLang="en-US" smtClean="0"/>
+              <a:pPr/>
+              <a:t>10</a:t>
+            </a:fld>
+            <a:endParaRPr kumimoji="1" lang="ja-JP" altLang="en-US" dirty="0"/>
+          </a:p>
+        </p:txBody>
+      </p:sp>
+    </p:spTree>
+    <p:extLst>
+      <p:ext uri="{BB962C8B-B14F-4D97-AF65-F5344CB8AC3E}">
+        <p14:creationId xmlns:p14="http://schemas.microsoft.com/office/powerpoint/2010/main" val="3462720451"/>
+      </p:ext>
+    </p:extLst>
+  </p:cSld>
+  <p:clrMapOvr>
+    <a:masterClrMapping/>
+  </p:clrMapOvr>
+</p:sld>
+</file>
+
+<file path=ppt/slides/slide12.xml><?xml version="1.0" encoding="utf-8"?>
+<p:sld xmlns:a="http://schemas.openxmlformats.org/drawingml/2006/main" xmlns:r="http://schemas.openxmlformats.org/officeDocument/2006/relationships" xmlns:p="http://schemas.openxmlformats.org/presentationml/2006/main">
+  <p:cSld>
+    <p:spTree>
+      <p:nvGrpSpPr>
+        <p:cNvPr id="1" name=""/>
+        <p:cNvGrpSpPr/>
+        <p:nvPr/>
+      </p:nvGrpSpPr>
+      <p:grpSpPr>
+        <a:xfrm>
+          <a:off x="0" y="0"/>
+          <a:ext cx="0" cy="0"/>
+          <a:chOff x="0" y="0"/>
+          <a:chExt cx="0" cy="0"/>
+        </a:xfrm>
+      </p:grpSpPr>
+      <p:sp>
+        <p:nvSpPr>
+          <p:cNvPr id="2" name="Text Placeholder 1">
+            <a:extLst>
+              <a:ext uri="{FF2B5EF4-FFF2-40B4-BE49-F238E27FC236}">
+                <a16:creationId xmlns:a16="http://schemas.microsoft.com/office/drawing/2014/main" id="{EB859995-F7B2-4582-81FF-B7F7DD3FABED}"/>
+              </a:ext>
+            </a:extLst>
+          </p:cNvPr>
+          <p:cNvSpPr>
+            <a:spLocks noGrp="1"/>
+          </p:cNvSpPr>
+          <p:nvPr>
+            <p:ph type="body" sz="quarter" idx="10"/>
+          </p:nvPr>
+        </p:nvSpPr>
+        <p:spPr/>
+        <p:txBody>
+          <a:bodyPr/>
+          <a:lstStyle/>
+          <a:p>
+            <a:r>
+              <a:rPr lang="en-US" dirty="0"/>
+              <a:t>100 genes</a:t>
+            </a:r>
+          </a:p>
+        </p:txBody>
+      </p:sp>
+    </p:spTree>
+    <p:extLst>
+      <p:ext uri="{BB962C8B-B14F-4D97-AF65-F5344CB8AC3E}">
+        <p14:creationId xmlns:p14="http://schemas.microsoft.com/office/powerpoint/2010/main" val="1747183869"/>
+      </p:ext>
+    </p:extLst>
+  </p:cSld>
+  <p:clrMapOvr>
+    <a:masterClrMapping/>
+  </p:clrMapOvr>
+</p:sld>
+</file>
+
+<file path=ppt/slides/slide13.xml><?xml version="1.0" encoding="utf-8"?>
+<p:sld xmlns:a="http://schemas.openxmlformats.org/drawingml/2006/main" xmlns:r="http://schemas.openxmlformats.org/officeDocument/2006/relationships" xmlns:p="http://schemas.openxmlformats.org/presentationml/2006/main">
+  <p:cSld>
+    <p:spTree>
+      <p:nvGrpSpPr>
+        <p:cNvPr id="1" name=""/>
+        <p:cNvGrpSpPr/>
+        <p:nvPr/>
+      </p:nvGrpSpPr>
+      <p:grpSpPr>
+        <a:xfrm>
+          <a:off x="0" y="0"/>
+          <a:ext cx="0" cy="0"/>
+          <a:chOff x="0" y="0"/>
+          <a:chExt cx="0" cy="0"/>
+        </a:xfrm>
+      </p:grpSpPr>
+      <p:sp>
+        <p:nvSpPr>
+          <p:cNvPr id="2" name="Title 1">
+            <a:extLst>
+              <a:ext uri="{FF2B5EF4-FFF2-40B4-BE49-F238E27FC236}">
+                <a16:creationId xmlns:a16="http://schemas.microsoft.com/office/drawing/2014/main" id="{06D5DA9A-9EC9-4ECA-9122-83F63B48B762}"/>
+              </a:ext>
+            </a:extLst>
+          </p:cNvPr>
+          <p:cNvSpPr>
+            <a:spLocks noGrp="1"/>
+          </p:cNvSpPr>
+          <p:nvPr>
+            <p:ph type="title"/>
+          </p:nvPr>
+        </p:nvSpPr>
+        <p:spPr/>
+        <p:txBody>
+          <a:bodyPr/>
+          <a:lstStyle/>
+          <a:p>
+            <a:r>
+              <a:rPr lang="en-US" dirty="0"/>
+              <a:t>FDR</a:t>
+            </a:r>
+          </a:p>
+        </p:txBody>
+      </p:sp>
+      <p:sp>
+        <p:nvSpPr>
+          <p:cNvPr id="3" name="Text Placeholder 2">
+            <a:extLst>
+              <a:ext uri="{FF2B5EF4-FFF2-40B4-BE49-F238E27FC236}">
+                <a16:creationId xmlns:a16="http://schemas.microsoft.com/office/drawing/2014/main" id="{783A6151-D98E-4ADD-B8D8-7A80912487F3}"/>
+              </a:ext>
+            </a:extLst>
+          </p:cNvPr>
+          <p:cNvSpPr>
+            <a:spLocks noGrp="1"/>
+          </p:cNvSpPr>
+          <p:nvPr>
+            <p:ph type="body" idx="1"/>
+          </p:nvPr>
+        </p:nvSpPr>
+        <p:spPr/>
+        <p:txBody>
+          <a:bodyPr>
+            <a:normAutofit lnSpcReduction="10000"/>
+          </a:bodyPr>
+          <a:lstStyle/>
+          <a:p>
+            <a:r>
+              <a:rPr lang="en-US" dirty="0"/>
+              <a:t>Main</a:t>
+            </a:r>
+          </a:p>
+        </p:txBody>
+      </p:sp>
       <p:pic>
         <p:nvPicPr>
-          <p:cNvPr id="5" name="Picture 4">
+          <p:cNvPr id="10" name="Content Placeholder 9">
             <a:extLst>
               <a:ext uri="{FF2B5EF4-FFF2-40B4-BE49-F238E27FC236}">
-                <a16:creationId xmlns:a16="http://schemas.microsoft.com/office/drawing/2014/main" id="{D0DB53D5-CBF5-4038-B6D4-130ABC6E8903}"/>
+                <a16:creationId xmlns:a16="http://schemas.microsoft.com/office/drawing/2014/main" id="{D3A45ABD-4299-4F37-A7F2-C9D36B8B6192}"/>
               </a:ext>
             </a:extLst>
           </p:cNvPr>
           <p:cNvPicPr>
-            <a:picLocks noChangeAspect="1"/>
+            <a:picLocks noGrp="1" noChangeAspect="1"/>
           </p:cNvPicPr>
-          <p:nvPr/>
+          <p:nvPr>
+            <p:ph sz="half" idx="2"/>
+          </p:nvPr>
         </p:nvPicPr>
         <p:blipFill>
-          <a:blip r:embed="rId4">
+          <a:blip r:embed="rId2">
             <a:extLst>
               <a:ext uri="{28A0092B-C50C-407E-A947-70E740481C1C}">
                 <a14:useLocalDpi xmlns:a14="http://schemas.microsoft.com/office/drawing/2010/main" val="0"/>
@@ -7307,18 +8196,159 @@
         </p:blipFill>
         <p:spPr>
           <a:xfrm>
-            <a:off x="3851920" y="123478"/>
-            <a:ext cx="3945201" cy="1315067"/>
+            <a:off x="404813" y="1559116"/>
+            <a:ext cx="4092575" cy="2652330"/>
           </a:xfrm>
-          <a:prstGeom prst="rect">
-            <a:avLst/>
-          </a:prstGeom>
         </p:spPr>
       </p:pic>
+      <p:sp>
+        <p:nvSpPr>
+          <p:cNvPr id="5" name="Text Placeholder 4">
+            <a:extLst>
+              <a:ext uri="{FF2B5EF4-FFF2-40B4-BE49-F238E27FC236}">
+                <a16:creationId xmlns:a16="http://schemas.microsoft.com/office/drawing/2014/main" id="{F25B34C4-4E30-4652-8309-EBCAB1918F85}"/>
+              </a:ext>
+            </a:extLst>
+          </p:cNvPr>
+          <p:cNvSpPr>
+            <a:spLocks noGrp="1"/>
+          </p:cNvSpPr>
+          <p:nvPr>
+            <p:ph type="body" sz="quarter" idx="3"/>
+          </p:nvPr>
+        </p:nvSpPr>
+        <p:spPr/>
+        <p:txBody>
+          <a:bodyPr>
+            <a:normAutofit lnSpcReduction="10000"/>
+          </a:bodyPr>
+          <a:lstStyle/>
+          <a:p>
+            <a:r>
+              <a:rPr lang="en-US" dirty="0"/>
+              <a:t>Interaction</a:t>
+            </a:r>
+          </a:p>
+        </p:txBody>
+      </p:sp>
+      <p:pic>
+        <p:nvPicPr>
+          <p:cNvPr id="12" name="Content Placeholder 11">
+            <a:extLst>
+              <a:ext uri="{FF2B5EF4-FFF2-40B4-BE49-F238E27FC236}">
+                <a16:creationId xmlns:a16="http://schemas.microsoft.com/office/drawing/2014/main" id="{CC64676E-89C0-4AD5-8CA5-78B03D2CEFE1}"/>
+              </a:ext>
+            </a:extLst>
+          </p:cNvPr>
+          <p:cNvPicPr>
+            <a:picLocks noGrp="1" noChangeAspect="1"/>
+          </p:cNvPicPr>
+          <p:nvPr>
+            <p:ph sz="quarter" idx="4"/>
+          </p:nvPr>
+        </p:nvPicPr>
+        <p:blipFill>
+          <a:blip r:embed="rId3">
+            <a:extLst>
+              <a:ext uri="{28A0092B-C50C-407E-A947-70E740481C1C}">
+                <a14:useLocalDpi xmlns:a14="http://schemas.microsoft.com/office/drawing/2010/main" val="0"/>
+              </a:ext>
+            </a:extLst>
+          </a:blip>
+          <a:stretch>
+            <a:fillRect/>
+          </a:stretch>
+        </p:blipFill>
+        <p:spPr>
+          <a:xfrm>
+            <a:off x="4645025" y="1575577"/>
+            <a:ext cx="4041775" cy="2619408"/>
+          </a:xfrm>
+        </p:spPr>
+      </p:pic>
+      <p:sp>
+        <p:nvSpPr>
+          <p:cNvPr id="7" name="Footer Placeholder 6">
+            <a:extLst>
+              <a:ext uri="{FF2B5EF4-FFF2-40B4-BE49-F238E27FC236}">
+                <a16:creationId xmlns:a16="http://schemas.microsoft.com/office/drawing/2014/main" id="{0A46F92B-BA66-4A4F-A8F1-8F6A06CE1F87}"/>
+              </a:ext>
+            </a:extLst>
+          </p:cNvPr>
+          <p:cNvSpPr>
+            <a:spLocks noGrp="1"/>
+          </p:cNvSpPr>
+          <p:nvPr>
+            <p:ph type="ftr" sz="quarter" idx="11"/>
+          </p:nvPr>
+        </p:nvSpPr>
+        <p:spPr/>
+        <p:txBody>
+          <a:bodyPr/>
+          <a:lstStyle/>
+          <a:p>
+            <a:r>
+              <a:rPr lang="ja-JP" altLang="en-US"/>
+              <a:t>｜</a:t>
+            </a:r>
+            <a:r>
+              <a:rPr lang="en-US" altLang="ja-JP"/>
+              <a:t>0000</a:t>
+            </a:r>
+            <a:r>
+              <a:rPr lang="ja-JP" altLang="en-US"/>
+              <a:t>　</a:t>
+            </a:r>
+            <a:r>
+              <a:rPr lang="en-US" altLang="ja-JP"/>
+              <a:t>|</a:t>
+            </a:r>
+            <a:r>
+              <a:rPr lang="ja-JP" altLang="en-US"/>
+              <a:t>　　</a:t>
+            </a:r>
+            <a:r>
+              <a:rPr lang="en-US" altLang="ja-JP"/>
+              <a:t>DDMMYY</a:t>
+            </a:r>
+            <a:endParaRPr lang="ja-JP" altLang="en-US" dirty="0"/>
+          </a:p>
+        </p:txBody>
+      </p:sp>
+      <p:sp>
+        <p:nvSpPr>
+          <p:cNvPr id="8" name="Slide Number Placeholder 7">
+            <a:extLst>
+              <a:ext uri="{FF2B5EF4-FFF2-40B4-BE49-F238E27FC236}">
+                <a16:creationId xmlns:a16="http://schemas.microsoft.com/office/drawing/2014/main" id="{16D4CC7B-BFE7-46A0-B159-52F158EC7311}"/>
+              </a:ext>
+            </a:extLst>
+          </p:cNvPr>
+          <p:cNvSpPr>
+            <a:spLocks noGrp="1"/>
+          </p:cNvSpPr>
+          <p:nvPr>
+            <p:ph type="sldNum" sz="quarter" idx="12"/>
+          </p:nvPr>
+        </p:nvSpPr>
+        <p:spPr/>
+        <p:txBody>
+          <a:bodyPr/>
+          <a:lstStyle/>
+          <a:p>
+            <a:fld id="{E9B57936-92EF-4126-AE48-1D9D36D15E98}" type="slidenum">
+              <a:rPr kumimoji="1" lang="ja-JP" altLang="en-US" smtClean="0"/>
+              <a:pPr/>
+              <a:t>12</a:t>
+            </a:fld>
+            <a:endParaRPr kumimoji="1" lang="ja-JP" altLang="en-US" dirty="0"/>
+          </a:p>
+        </p:txBody>
+      </p:sp>
     </p:spTree>
     <p:extLst>
       <p:ext uri="{BB962C8B-B14F-4D97-AF65-F5344CB8AC3E}">
-        <p14:creationId xmlns:p14="http://schemas.microsoft.com/office/powerpoint/2010/main" val="792036472"/>
+        <p14:creationId xmlns:p14="http://schemas.microsoft.com/office/powerpoint/2010/main" val="1462854165"/>
       </p:ext>
     </p:extLst>
   </p:cSld>
@@ -7328,7 +8358,1916 @@
 </p:sld>
 </file>
 
-<file path=ppt/slides/slide11.xml><?xml version="1.0" encoding="utf-8"?>
+<file path=ppt/slides/slide14.xml><?xml version="1.0" encoding="utf-8"?>
+<p:sld xmlns:a="http://schemas.openxmlformats.org/drawingml/2006/main" xmlns:r="http://schemas.openxmlformats.org/officeDocument/2006/relationships" xmlns:p="http://schemas.openxmlformats.org/presentationml/2006/main">
+  <p:cSld>
+    <p:spTree>
+      <p:nvGrpSpPr>
+        <p:cNvPr id="1" name=""/>
+        <p:cNvGrpSpPr/>
+        <p:nvPr/>
+      </p:nvGrpSpPr>
+      <p:grpSpPr>
+        <a:xfrm>
+          <a:off x="0" y="0"/>
+          <a:ext cx="0" cy="0"/>
+          <a:chOff x="0" y="0"/>
+          <a:chExt cx="0" cy="0"/>
+        </a:xfrm>
+      </p:grpSpPr>
+      <p:sp>
+        <p:nvSpPr>
+          <p:cNvPr id="2" name="Title 1">
+            <a:extLst>
+              <a:ext uri="{FF2B5EF4-FFF2-40B4-BE49-F238E27FC236}">
+                <a16:creationId xmlns:a16="http://schemas.microsoft.com/office/drawing/2014/main" id="{06D5DA9A-9EC9-4ECA-9122-83F63B48B762}"/>
+              </a:ext>
+            </a:extLst>
+          </p:cNvPr>
+          <p:cNvSpPr>
+            <a:spLocks noGrp="1"/>
+          </p:cNvSpPr>
+          <p:nvPr>
+            <p:ph type="title"/>
+          </p:nvPr>
+        </p:nvSpPr>
+        <p:spPr/>
+        <p:txBody>
+          <a:bodyPr/>
+          <a:lstStyle/>
+          <a:p>
+            <a:r>
+              <a:rPr lang="en-US" dirty="0"/>
+              <a:t>FNR</a:t>
+            </a:r>
+          </a:p>
+        </p:txBody>
+      </p:sp>
+      <p:sp>
+        <p:nvSpPr>
+          <p:cNvPr id="3" name="Text Placeholder 2">
+            <a:extLst>
+              <a:ext uri="{FF2B5EF4-FFF2-40B4-BE49-F238E27FC236}">
+                <a16:creationId xmlns:a16="http://schemas.microsoft.com/office/drawing/2014/main" id="{783A6151-D98E-4ADD-B8D8-7A80912487F3}"/>
+              </a:ext>
+            </a:extLst>
+          </p:cNvPr>
+          <p:cNvSpPr>
+            <a:spLocks noGrp="1"/>
+          </p:cNvSpPr>
+          <p:nvPr>
+            <p:ph type="body" idx="1"/>
+          </p:nvPr>
+        </p:nvSpPr>
+        <p:spPr/>
+        <p:txBody>
+          <a:bodyPr>
+            <a:normAutofit lnSpcReduction="10000"/>
+          </a:bodyPr>
+          <a:lstStyle/>
+          <a:p>
+            <a:r>
+              <a:rPr lang="en-US" dirty="0"/>
+              <a:t>Main</a:t>
+            </a:r>
+          </a:p>
+        </p:txBody>
+      </p:sp>
+      <p:pic>
+        <p:nvPicPr>
+          <p:cNvPr id="10" name="Content Placeholder 9">
+            <a:extLst>
+              <a:ext uri="{FF2B5EF4-FFF2-40B4-BE49-F238E27FC236}">
+                <a16:creationId xmlns:a16="http://schemas.microsoft.com/office/drawing/2014/main" id="{AC5CE7F1-5E0F-4C53-B379-5F887A59AEEA}"/>
+              </a:ext>
+            </a:extLst>
+          </p:cNvPr>
+          <p:cNvPicPr>
+            <a:picLocks noGrp="1" noChangeAspect="1"/>
+          </p:cNvPicPr>
+          <p:nvPr>
+            <p:ph sz="half" idx="2"/>
+          </p:nvPr>
+        </p:nvPicPr>
+        <p:blipFill>
+          <a:blip r:embed="rId2">
+            <a:extLst>
+              <a:ext uri="{28A0092B-C50C-407E-A947-70E740481C1C}">
+                <a14:useLocalDpi xmlns:a14="http://schemas.microsoft.com/office/drawing/2010/main" val="0"/>
+              </a:ext>
+            </a:extLst>
+          </a:blip>
+          <a:stretch>
+            <a:fillRect/>
+          </a:stretch>
+        </p:blipFill>
+        <p:spPr>
+          <a:xfrm>
+            <a:off x="404813" y="1559116"/>
+            <a:ext cx="4092575" cy="2652330"/>
+          </a:xfrm>
+        </p:spPr>
+      </p:pic>
+      <p:sp>
+        <p:nvSpPr>
+          <p:cNvPr id="5" name="Text Placeholder 4">
+            <a:extLst>
+              <a:ext uri="{FF2B5EF4-FFF2-40B4-BE49-F238E27FC236}">
+                <a16:creationId xmlns:a16="http://schemas.microsoft.com/office/drawing/2014/main" id="{F25B34C4-4E30-4652-8309-EBCAB1918F85}"/>
+              </a:ext>
+            </a:extLst>
+          </p:cNvPr>
+          <p:cNvSpPr>
+            <a:spLocks noGrp="1"/>
+          </p:cNvSpPr>
+          <p:nvPr>
+            <p:ph type="body" sz="quarter" idx="3"/>
+          </p:nvPr>
+        </p:nvSpPr>
+        <p:spPr/>
+        <p:txBody>
+          <a:bodyPr>
+            <a:normAutofit lnSpcReduction="10000"/>
+          </a:bodyPr>
+          <a:lstStyle/>
+          <a:p>
+            <a:r>
+              <a:rPr lang="en-US" dirty="0"/>
+              <a:t>Interaction</a:t>
+            </a:r>
+          </a:p>
+        </p:txBody>
+      </p:sp>
+      <p:pic>
+        <p:nvPicPr>
+          <p:cNvPr id="12" name="Content Placeholder 11">
+            <a:extLst>
+              <a:ext uri="{FF2B5EF4-FFF2-40B4-BE49-F238E27FC236}">
+                <a16:creationId xmlns:a16="http://schemas.microsoft.com/office/drawing/2014/main" id="{A3821917-1969-4203-A7A1-1F6B7AEE6221}"/>
+              </a:ext>
+            </a:extLst>
+          </p:cNvPr>
+          <p:cNvPicPr>
+            <a:picLocks noGrp="1" noChangeAspect="1"/>
+          </p:cNvPicPr>
+          <p:nvPr>
+            <p:ph sz="quarter" idx="4"/>
+          </p:nvPr>
+        </p:nvPicPr>
+        <p:blipFill>
+          <a:blip r:embed="rId3">
+            <a:extLst>
+              <a:ext uri="{28A0092B-C50C-407E-A947-70E740481C1C}">
+                <a14:useLocalDpi xmlns:a14="http://schemas.microsoft.com/office/drawing/2010/main" val="0"/>
+              </a:ext>
+            </a:extLst>
+          </a:blip>
+          <a:stretch>
+            <a:fillRect/>
+          </a:stretch>
+        </p:blipFill>
+        <p:spPr>
+          <a:xfrm>
+            <a:off x="4645025" y="1575577"/>
+            <a:ext cx="4041775" cy="2619408"/>
+          </a:xfrm>
+        </p:spPr>
+      </p:pic>
+      <p:sp>
+        <p:nvSpPr>
+          <p:cNvPr id="7" name="Footer Placeholder 6">
+            <a:extLst>
+              <a:ext uri="{FF2B5EF4-FFF2-40B4-BE49-F238E27FC236}">
+                <a16:creationId xmlns:a16="http://schemas.microsoft.com/office/drawing/2014/main" id="{0A46F92B-BA66-4A4F-A8F1-8F6A06CE1F87}"/>
+              </a:ext>
+            </a:extLst>
+          </p:cNvPr>
+          <p:cNvSpPr>
+            <a:spLocks noGrp="1"/>
+          </p:cNvSpPr>
+          <p:nvPr>
+            <p:ph type="ftr" sz="quarter" idx="11"/>
+          </p:nvPr>
+        </p:nvSpPr>
+        <p:spPr/>
+        <p:txBody>
+          <a:bodyPr/>
+          <a:lstStyle/>
+          <a:p>
+            <a:r>
+              <a:rPr lang="ja-JP" altLang="en-US"/>
+              <a:t>｜</a:t>
+            </a:r>
+            <a:r>
+              <a:rPr lang="en-US" altLang="ja-JP"/>
+              <a:t>0000</a:t>
+            </a:r>
+            <a:r>
+              <a:rPr lang="ja-JP" altLang="en-US"/>
+              <a:t>　</a:t>
+            </a:r>
+            <a:r>
+              <a:rPr lang="en-US" altLang="ja-JP"/>
+              <a:t>|</a:t>
+            </a:r>
+            <a:r>
+              <a:rPr lang="ja-JP" altLang="en-US"/>
+              <a:t>　　</a:t>
+            </a:r>
+            <a:r>
+              <a:rPr lang="en-US" altLang="ja-JP"/>
+              <a:t>DDMMYY</a:t>
+            </a:r>
+            <a:endParaRPr lang="ja-JP" altLang="en-US" dirty="0"/>
+          </a:p>
+        </p:txBody>
+      </p:sp>
+      <p:sp>
+        <p:nvSpPr>
+          <p:cNvPr id="8" name="Slide Number Placeholder 7">
+            <a:extLst>
+              <a:ext uri="{FF2B5EF4-FFF2-40B4-BE49-F238E27FC236}">
+                <a16:creationId xmlns:a16="http://schemas.microsoft.com/office/drawing/2014/main" id="{16D4CC7B-BFE7-46A0-B159-52F158EC7311}"/>
+              </a:ext>
+            </a:extLst>
+          </p:cNvPr>
+          <p:cNvSpPr>
+            <a:spLocks noGrp="1"/>
+          </p:cNvSpPr>
+          <p:nvPr>
+            <p:ph type="sldNum" sz="quarter" idx="12"/>
+          </p:nvPr>
+        </p:nvSpPr>
+        <p:spPr/>
+        <p:txBody>
+          <a:bodyPr/>
+          <a:lstStyle/>
+          <a:p>
+            <a:fld id="{E9B57936-92EF-4126-AE48-1D9D36D15E98}" type="slidenum">
+              <a:rPr kumimoji="1" lang="ja-JP" altLang="en-US" smtClean="0"/>
+              <a:pPr/>
+              <a:t>13</a:t>
+            </a:fld>
+            <a:endParaRPr kumimoji="1" lang="ja-JP" altLang="en-US" dirty="0"/>
+          </a:p>
+        </p:txBody>
+      </p:sp>
+    </p:spTree>
+    <p:extLst>
+      <p:ext uri="{BB962C8B-B14F-4D97-AF65-F5344CB8AC3E}">
+        <p14:creationId xmlns:p14="http://schemas.microsoft.com/office/powerpoint/2010/main" val="3818089561"/>
+      </p:ext>
+    </p:extLst>
+  </p:cSld>
+  <p:clrMapOvr>
+    <a:masterClrMapping/>
+  </p:clrMapOvr>
+</p:sld>
+</file>
+
+<file path=ppt/slides/slide15.xml><?xml version="1.0" encoding="utf-8"?>
+<p:sld xmlns:a="http://schemas.openxmlformats.org/drawingml/2006/main" xmlns:r="http://schemas.openxmlformats.org/officeDocument/2006/relationships" xmlns:p="http://schemas.openxmlformats.org/presentationml/2006/main">
+  <p:cSld>
+    <p:spTree>
+      <p:nvGrpSpPr>
+        <p:cNvPr id="1" name=""/>
+        <p:cNvGrpSpPr/>
+        <p:nvPr/>
+      </p:nvGrpSpPr>
+      <p:grpSpPr>
+        <a:xfrm>
+          <a:off x="0" y="0"/>
+          <a:ext cx="0" cy="0"/>
+          <a:chOff x="0" y="0"/>
+          <a:chExt cx="0" cy="0"/>
+        </a:xfrm>
+      </p:grpSpPr>
+      <p:sp>
+        <p:nvSpPr>
+          <p:cNvPr id="2" name="Title 1">
+            <a:extLst>
+              <a:ext uri="{FF2B5EF4-FFF2-40B4-BE49-F238E27FC236}">
+                <a16:creationId xmlns:a16="http://schemas.microsoft.com/office/drawing/2014/main" id="{06D5DA9A-9EC9-4ECA-9122-83F63B48B762}"/>
+              </a:ext>
+            </a:extLst>
+          </p:cNvPr>
+          <p:cNvSpPr>
+            <a:spLocks noGrp="1"/>
+          </p:cNvSpPr>
+          <p:nvPr>
+            <p:ph type="title"/>
+          </p:nvPr>
+        </p:nvSpPr>
+        <p:spPr/>
+        <p:txBody>
+          <a:bodyPr/>
+          <a:lstStyle/>
+          <a:p>
+            <a:r>
+              <a:rPr lang="en-US" dirty="0"/>
+              <a:t>MSE</a:t>
+            </a:r>
+          </a:p>
+        </p:txBody>
+      </p:sp>
+      <p:sp>
+        <p:nvSpPr>
+          <p:cNvPr id="3" name="Text Placeholder 2">
+            <a:extLst>
+              <a:ext uri="{FF2B5EF4-FFF2-40B4-BE49-F238E27FC236}">
+                <a16:creationId xmlns:a16="http://schemas.microsoft.com/office/drawing/2014/main" id="{783A6151-D98E-4ADD-B8D8-7A80912487F3}"/>
+              </a:ext>
+            </a:extLst>
+          </p:cNvPr>
+          <p:cNvSpPr>
+            <a:spLocks noGrp="1"/>
+          </p:cNvSpPr>
+          <p:nvPr>
+            <p:ph type="body" idx="1"/>
+          </p:nvPr>
+        </p:nvSpPr>
+        <p:spPr/>
+        <p:txBody>
+          <a:bodyPr>
+            <a:normAutofit lnSpcReduction="10000"/>
+          </a:bodyPr>
+          <a:lstStyle/>
+          <a:p>
+            <a:r>
+              <a:rPr lang="en-US" dirty="0"/>
+              <a:t>Genes</a:t>
+            </a:r>
+          </a:p>
+        </p:txBody>
+      </p:sp>
+      <p:pic>
+        <p:nvPicPr>
+          <p:cNvPr id="10" name="Content Placeholder 9">
+            <a:extLst>
+              <a:ext uri="{FF2B5EF4-FFF2-40B4-BE49-F238E27FC236}">
+                <a16:creationId xmlns:a16="http://schemas.microsoft.com/office/drawing/2014/main" id="{F67516E7-EE7A-45DA-9DAE-FCF9D528BE74}"/>
+              </a:ext>
+            </a:extLst>
+          </p:cNvPr>
+          <p:cNvPicPr>
+            <a:picLocks noGrp="1" noChangeAspect="1"/>
+          </p:cNvPicPr>
+          <p:nvPr>
+            <p:ph sz="half" idx="2"/>
+          </p:nvPr>
+        </p:nvPicPr>
+        <p:blipFill>
+          <a:blip r:embed="rId2">
+            <a:extLst>
+              <a:ext uri="{28A0092B-C50C-407E-A947-70E740481C1C}">
+                <a14:useLocalDpi xmlns:a14="http://schemas.microsoft.com/office/drawing/2010/main" val="0"/>
+              </a:ext>
+            </a:extLst>
+          </a:blip>
+          <a:stretch>
+            <a:fillRect/>
+          </a:stretch>
+        </p:blipFill>
+        <p:spPr>
+          <a:xfrm>
+            <a:off x="404813" y="1559116"/>
+            <a:ext cx="4092575" cy="2652330"/>
+          </a:xfrm>
+        </p:spPr>
+      </p:pic>
+      <p:sp>
+        <p:nvSpPr>
+          <p:cNvPr id="5" name="Text Placeholder 4">
+            <a:extLst>
+              <a:ext uri="{FF2B5EF4-FFF2-40B4-BE49-F238E27FC236}">
+                <a16:creationId xmlns:a16="http://schemas.microsoft.com/office/drawing/2014/main" id="{F25B34C4-4E30-4652-8309-EBCAB1918F85}"/>
+              </a:ext>
+            </a:extLst>
+          </p:cNvPr>
+          <p:cNvSpPr>
+            <a:spLocks noGrp="1"/>
+          </p:cNvSpPr>
+          <p:nvPr>
+            <p:ph type="body" sz="quarter" idx="3"/>
+          </p:nvPr>
+        </p:nvSpPr>
+        <p:spPr/>
+        <p:txBody>
+          <a:bodyPr>
+            <a:normAutofit lnSpcReduction="10000"/>
+          </a:bodyPr>
+          <a:lstStyle/>
+          <a:p>
+            <a:r>
+              <a:rPr lang="en-US" dirty="0" err="1"/>
+              <a:t>Genes+baseline</a:t>
+            </a:r>
+            <a:endParaRPr lang="en-US" dirty="0"/>
+          </a:p>
+        </p:txBody>
+      </p:sp>
+      <p:pic>
+        <p:nvPicPr>
+          <p:cNvPr id="12" name="Content Placeholder 11">
+            <a:extLst>
+              <a:ext uri="{FF2B5EF4-FFF2-40B4-BE49-F238E27FC236}">
+                <a16:creationId xmlns:a16="http://schemas.microsoft.com/office/drawing/2014/main" id="{89165352-A90B-43D5-B92C-AEA6D160A79D}"/>
+              </a:ext>
+            </a:extLst>
+          </p:cNvPr>
+          <p:cNvPicPr>
+            <a:picLocks noGrp="1" noChangeAspect="1"/>
+          </p:cNvPicPr>
+          <p:nvPr>
+            <p:ph sz="quarter" idx="4"/>
+          </p:nvPr>
+        </p:nvPicPr>
+        <p:blipFill>
+          <a:blip r:embed="rId3">
+            <a:extLst>
+              <a:ext uri="{28A0092B-C50C-407E-A947-70E740481C1C}">
+                <a14:useLocalDpi xmlns:a14="http://schemas.microsoft.com/office/drawing/2010/main" val="0"/>
+              </a:ext>
+            </a:extLst>
+          </a:blip>
+          <a:stretch>
+            <a:fillRect/>
+          </a:stretch>
+        </p:blipFill>
+        <p:spPr>
+          <a:xfrm>
+            <a:off x="4645025" y="1575577"/>
+            <a:ext cx="4041775" cy="2619408"/>
+          </a:xfrm>
+        </p:spPr>
+      </p:pic>
+      <p:sp>
+        <p:nvSpPr>
+          <p:cNvPr id="7" name="Footer Placeholder 6">
+            <a:extLst>
+              <a:ext uri="{FF2B5EF4-FFF2-40B4-BE49-F238E27FC236}">
+                <a16:creationId xmlns:a16="http://schemas.microsoft.com/office/drawing/2014/main" id="{0A46F92B-BA66-4A4F-A8F1-8F6A06CE1F87}"/>
+              </a:ext>
+            </a:extLst>
+          </p:cNvPr>
+          <p:cNvSpPr>
+            <a:spLocks noGrp="1"/>
+          </p:cNvSpPr>
+          <p:nvPr>
+            <p:ph type="ftr" sz="quarter" idx="11"/>
+          </p:nvPr>
+        </p:nvSpPr>
+        <p:spPr/>
+        <p:txBody>
+          <a:bodyPr/>
+          <a:lstStyle/>
+          <a:p>
+            <a:r>
+              <a:rPr lang="ja-JP" altLang="en-US"/>
+              <a:t>｜</a:t>
+            </a:r>
+            <a:r>
+              <a:rPr lang="en-US" altLang="ja-JP"/>
+              <a:t>0000</a:t>
+            </a:r>
+            <a:r>
+              <a:rPr lang="ja-JP" altLang="en-US"/>
+              <a:t>　</a:t>
+            </a:r>
+            <a:r>
+              <a:rPr lang="en-US" altLang="ja-JP"/>
+              <a:t>|</a:t>
+            </a:r>
+            <a:r>
+              <a:rPr lang="ja-JP" altLang="en-US"/>
+              <a:t>　　</a:t>
+            </a:r>
+            <a:r>
+              <a:rPr lang="en-US" altLang="ja-JP"/>
+              <a:t>DDMMYY</a:t>
+            </a:r>
+            <a:endParaRPr lang="ja-JP" altLang="en-US" dirty="0"/>
+          </a:p>
+        </p:txBody>
+      </p:sp>
+      <p:sp>
+        <p:nvSpPr>
+          <p:cNvPr id="8" name="Slide Number Placeholder 7">
+            <a:extLst>
+              <a:ext uri="{FF2B5EF4-FFF2-40B4-BE49-F238E27FC236}">
+                <a16:creationId xmlns:a16="http://schemas.microsoft.com/office/drawing/2014/main" id="{16D4CC7B-BFE7-46A0-B159-52F158EC7311}"/>
+              </a:ext>
+            </a:extLst>
+          </p:cNvPr>
+          <p:cNvSpPr>
+            <a:spLocks noGrp="1"/>
+          </p:cNvSpPr>
+          <p:nvPr>
+            <p:ph type="sldNum" sz="quarter" idx="12"/>
+          </p:nvPr>
+        </p:nvSpPr>
+        <p:spPr/>
+        <p:txBody>
+          <a:bodyPr/>
+          <a:lstStyle/>
+          <a:p>
+            <a:fld id="{E9B57936-92EF-4126-AE48-1D9D36D15E98}" type="slidenum">
+              <a:rPr kumimoji="1" lang="ja-JP" altLang="en-US" smtClean="0"/>
+              <a:pPr/>
+              <a:t>14</a:t>
+            </a:fld>
+            <a:endParaRPr kumimoji="1" lang="ja-JP" altLang="en-US" dirty="0"/>
+          </a:p>
+        </p:txBody>
+      </p:sp>
+    </p:spTree>
+    <p:extLst>
+      <p:ext uri="{BB962C8B-B14F-4D97-AF65-F5344CB8AC3E}">
+        <p14:creationId xmlns:p14="http://schemas.microsoft.com/office/powerpoint/2010/main" val="2548467260"/>
+      </p:ext>
+    </p:extLst>
+  </p:cSld>
+  <p:clrMapOvr>
+    <a:masterClrMapping/>
+  </p:clrMapOvr>
+</p:sld>
+</file>
+
+<file path=ppt/slides/slide16.xml><?xml version="1.0" encoding="utf-8"?>
+<p:sld xmlns:a="http://schemas.openxmlformats.org/drawingml/2006/main" xmlns:r="http://schemas.openxmlformats.org/officeDocument/2006/relationships" xmlns:p="http://schemas.openxmlformats.org/presentationml/2006/main">
+  <p:cSld>
+    <p:spTree>
+      <p:nvGrpSpPr>
+        <p:cNvPr id="1" name=""/>
+        <p:cNvGrpSpPr/>
+        <p:nvPr/>
+      </p:nvGrpSpPr>
+      <p:grpSpPr>
+        <a:xfrm>
+          <a:off x="0" y="0"/>
+          <a:ext cx="0" cy="0"/>
+          <a:chOff x="0" y="0"/>
+          <a:chExt cx="0" cy="0"/>
+        </a:xfrm>
+      </p:grpSpPr>
+      <p:sp>
+        <p:nvSpPr>
+          <p:cNvPr id="2" name="Title 1">
+            <a:extLst>
+              <a:ext uri="{FF2B5EF4-FFF2-40B4-BE49-F238E27FC236}">
+                <a16:creationId xmlns:a16="http://schemas.microsoft.com/office/drawing/2014/main" id="{06D5DA9A-9EC9-4ECA-9122-83F63B48B762}"/>
+              </a:ext>
+            </a:extLst>
+          </p:cNvPr>
+          <p:cNvSpPr>
+            <a:spLocks noGrp="1"/>
+          </p:cNvSpPr>
+          <p:nvPr>
+            <p:ph type="title"/>
+          </p:nvPr>
+        </p:nvSpPr>
+        <p:spPr/>
+        <p:txBody>
+          <a:bodyPr/>
+          <a:lstStyle/>
+          <a:p>
+            <a:r>
+              <a:rPr lang="en-US" dirty="0"/>
+              <a:t>Strong/Weak Signal</a:t>
+            </a:r>
+          </a:p>
+        </p:txBody>
+      </p:sp>
+      <p:sp>
+        <p:nvSpPr>
+          <p:cNvPr id="3" name="Text Placeholder 2">
+            <a:extLst>
+              <a:ext uri="{FF2B5EF4-FFF2-40B4-BE49-F238E27FC236}">
+                <a16:creationId xmlns:a16="http://schemas.microsoft.com/office/drawing/2014/main" id="{783A6151-D98E-4ADD-B8D8-7A80912487F3}"/>
+              </a:ext>
+            </a:extLst>
+          </p:cNvPr>
+          <p:cNvSpPr>
+            <a:spLocks noGrp="1"/>
+          </p:cNvSpPr>
+          <p:nvPr>
+            <p:ph type="body" idx="1"/>
+          </p:nvPr>
+        </p:nvSpPr>
+        <p:spPr/>
+        <p:txBody>
+          <a:bodyPr>
+            <a:normAutofit lnSpcReduction="10000"/>
+          </a:bodyPr>
+          <a:lstStyle/>
+          <a:p>
+            <a:r>
+              <a:rPr lang="en-US" dirty="0"/>
+              <a:t>Main Effects Correct Rate</a:t>
+            </a:r>
+          </a:p>
+        </p:txBody>
+      </p:sp>
+      <p:graphicFrame>
+        <p:nvGraphicFramePr>
+          <p:cNvPr id="9" name="Content Placeholder 8">
+            <a:extLst>
+              <a:ext uri="{FF2B5EF4-FFF2-40B4-BE49-F238E27FC236}">
+                <a16:creationId xmlns:a16="http://schemas.microsoft.com/office/drawing/2014/main" id="{24566B66-33AC-4913-8235-44437D9B1959}"/>
+              </a:ext>
+            </a:extLst>
+          </p:cNvPr>
+          <p:cNvGraphicFramePr>
+            <a:graphicFrameLocks noGrp="1"/>
+          </p:cNvGraphicFramePr>
+          <p:nvPr>
+            <p:ph sz="half" idx="2"/>
+            <p:extLst>
+              <p:ext uri="{D42A27DB-BD31-4B8C-83A1-F6EECF244321}">
+                <p14:modId xmlns:p14="http://schemas.microsoft.com/office/powerpoint/2010/main" val="1131600721"/>
+              </p:ext>
+            </p:extLst>
+          </p:nvPr>
+        </p:nvGraphicFramePr>
+        <p:xfrm>
+          <a:off x="179513" y="2590265"/>
+          <a:ext cx="4317875" cy="1010920"/>
+        </p:xfrm>
+        <a:graphic>
+          <a:graphicData uri="http://schemas.openxmlformats.org/drawingml/2006/table">
+            <a:tbl>
+              <a:tblPr firstRow="1" bandRow="1">
+                <a:tableStyleId>{5C22544A-7EE6-4342-B048-85BDC9FD1C3A}</a:tableStyleId>
+              </a:tblPr>
+              <a:tblGrid>
+                <a:gridCol w="863575">
+                  <a:extLst>
+                    <a:ext uri="{9D8B030D-6E8A-4147-A177-3AD203B41FA5}">
+                      <a16:colId xmlns:a16="http://schemas.microsoft.com/office/drawing/2014/main" val="1183227820"/>
+                    </a:ext>
+                  </a:extLst>
+                </a:gridCol>
+                <a:gridCol w="863575">
+                  <a:extLst>
+                    <a:ext uri="{9D8B030D-6E8A-4147-A177-3AD203B41FA5}">
+                      <a16:colId xmlns:a16="http://schemas.microsoft.com/office/drawing/2014/main" val="2339914069"/>
+                    </a:ext>
+                  </a:extLst>
+                </a:gridCol>
+                <a:gridCol w="863575">
+                  <a:extLst>
+                    <a:ext uri="{9D8B030D-6E8A-4147-A177-3AD203B41FA5}">
+                      <a16:colId xmlns:a16="http://schemas.microsoft.com/office/drawing/2014/main" val="3524143497"/>
+                    </a:ext>
+                  </a:extLst>
+                </a:gridCol>
+                <a:gridCol w="863575">
+                  <a:extLst>
+                    <a:ext uri="{9D8B030D-6E8A-4147-A177-3AD203B41FA5}">
+                      <a16:colId xmlns:a16="http://schemas.microsoft.com/office/drawing/2014/main" val="1468789111"/>
+                    </a:ext>
+                  </a:extLst>
+                </a:gridCol>
+                <a:gridCol w="863575">
+                  <a:extLst>
+                    <a:ext uri="{9D8B030D-6E8A-4147-A177-3AD203B41FA5}">
+                      <a16:colId xmlns:a16="http://schemas.microsoft.com/office/drawing/2014/main" val="3259249874"/>
+                    </a:ext>
+                  </a:extLst>
+                </a:gridCol>
+              </a:tblGrid>
+              <a:tr h="370840">
+                <a:tc>
+                  <a:txBody>
+                    <a:bodyPr/>
+                    <a:lstStyle/>
+                    <a:p>
+                      <a:r>
+                        <a:rPr lang="en-US" dirty="0"/>
+                        <a:t>100 genes</a:t>
+                      </a:r>
+                    </a:p>
+                  </a:txBody>
+                  <a:tcPr/>
+                </a:tc>
+                <a:tc>
+                  <a:txBody>
+                    <a:bodyPr/>
+                    <a:lstStyle/>
+                    <a:p>
+                      <a:r>
+                        <a:rPr lang="en-US" dirty="0"/>
+                        <a:t>1</a:t>
+                      </a:r>
+                    </a:p>
+                  </a:txBody>
+                  <a:tcPr/>
+                </a:tc>
+                <a:tc>
+                  <a:txBody>
+                    <a:bodyPr/>
+                    <a:lstStyle/>
+                    <a:p>
+                      <a:r>
+                        <a:rPr lang="en-US" dirty="0"/>
+                        <a:t>2</a:t>
+                      </a:r>
+                    </a:p>
+                  </a:txBody>
+                  <a:tcPr/>
+                </a:tc>
+                <a:tc>
+                  <a:txBody>
+                    <a:bodyPr/>
+                    <a:lstStyle/>
+                    <a:p>
+                      <a:r>
+                        <a:rPr lang="en-US" dirty="0"/>
+                        <a:t>3</a:t>
+                      </a:r>
+                    </a:p>
+                  </a:txBody>
+                  <a:tcPr/>
+                </a:tc>
+                <a:tc>
+                  <a:txBody>
+                    <a:bodyPr/>
+                    <a:lstStyle/>
+                    <a:p>
+                      <a:r>
+                        <a:rPr lang="en-US" dirty="0"/>
+                        <a:t>4</a:t>
+                      </a:r>
+                    </a:p>
+                  </a:txBody>
+                  <a:tcPr/>
+                </a:tc>
+                <a:extLst>
+                  <a:ext uri="{0D108BD9-81ED-4DB2-BD59-A6C34878D82A}">
+                    <a16:rowId xmlns:a16="http://schemas.microsoft.com/office/drawing/2014/main" val="2211568318"/>
+                  </a:ext>
+                </a:extLst>
+              </a:tr>
+              <a:tr h="370840">
+                <a:tc>
+                  <a:txBody>
+                    <a:bodyPr/>
+                    <a:lstStyle/>
+                    <a:p>
+                      <a:r>
+                        <a:rPr lang="en-US" dirty="0"/>
+                        <a:t>mean</a:t>
+                      </a:r>
+                    </a:p>
+                  </a:txBody>
+                  <a:tcPr/>
+                </a:tc>
+                <a:tc>
+                  <a:txBody>
+                    <a:bodyPr/>
+                    <a:lstStyle/>
+                    <a:p>
+                      <a:r>
+                        <a:rPr lang="en-US" dirty="0">
+                          <a:effectLst/>
+                        </a:rPr>
+                        <a:t>0.386</a:t>
+                      </a:r>
+                      <a:endParaRPr lang="en-US" dirty="0"/>
+                    </a:p>
+                  </a:txBody>
+                  <a:tcPr/>
+                </a:tc>
+                <a:tc>
+                  <a:txBody>
+                    <a:bodyPr/>
+                    <a:lstStyle/>
+                    <a:p>
+                      <a:r>
+                        <a:rPr lang="en-US" dirty="0">
+                          <a:effectLst/>
+                        </a:rPr>
+                        <a:t>0.740</a:t>
+                      </a:r>
+                      <a:endParaRPr lang="en-US" dirty="0"/>
+                    </a:p>
+                  </a:txBody>
+                  <a:tcPr/>
+                </a:tc>
+                <a:tc>
+                  <a:txBody>
+                    <a:bodyPr/>
+                    <a:lstStyle/>
+                    <a:p>
+                      <a:r>
+                        <a:rPr lang="en-US" dirty="0">
+                          <a:effectLst/>
+                        </a:rPr>
+                        <a:t>0.910</a:t>
+                      </a:r>
+                      <a:endParaRPr lang="en-US" dirty="0"/>
+                    </a:p>
+                  </a:txBody>
+                  <a:tcPr/>
+                </a:tc>
+                <a:tc>
+                  <a:txBody>
+                    <a:bodyPr/>
+                    <a:lstStyle/>
+                    <a:p>
+                      <a:r>
+                        <a:rPr lang="en-US" dirty="0">
+                          <a:effectLst/>
+                        </a:rPr>
+                        <a:t>0.983</a:t>
+                      </a:r>
+                      <a:endParaRPr lang="en-US" dirty="0"/>
+                    </a:p>
+                  </a:txBody>
+                  <a:tcPr/>
+                </a:tc>
+                <a:extLst>
+                  <a:ext uri="{0D108BD9-81ED-4DB2-BD59-A6C34878D82A}">
+                    <a16:rowId xmlns:a16="http://schemas.microsoft.com/office/drawing/2014/main" val="2979660210"/>
+                  </a:ext>
+                </a:extLst>
+              </a:tr>
+            </a:tbl>
+          </a:graphicData>
+        </a:graphic>
+      </p:graphicFrame>
+      <p:sp>
+        <p:nvSpPr>
+          <p:cNvPr id="5" name="Text Placeholder 4">
+            <a:extLst>
+              <a:ext uri="{FF2B5EF4-FFF2-40B4-BE49-F238E27FC236}">
+                <a16:creationId xmlns:a16="http://schemas.microsoft.com/office/drawing/2014/main" id="{F25B34C4-4E30-4652-8309-EBCAB1918F85}"/>
+              </a:ext>
+            </a:extLst>
+          </p:cNvPr>
+          <p:cNvSpPr>
+            <a:spLocks noGrp="1"/>
+          </p:cNvSpPr>
+          <p:nvPr>
+            <p:ph type="body" sz="quarter" idx="3"/>
+          </p:nvPr>
+        </p:nvSpPr>
+        <p:spPr/>
+        <p:txBody>
+          <a:bodyPr>
+            <a:normAutofit lnSpcReduction="10000"/>
+          </a:bodyPr>
+          <a:lstStyle/>
+          <a:p>
+            <a:r>
+              <a:rPr lang="en-US" dirty="0"/>
+              <a:t>Interaction Effects Correct Rate</a:t>
+            </a:r>
+          </a:p>
+        </p:txBody>
+      </p:sp>
+      <p:graphicFrame>
+        <p:nvGraphicFramePr>
+          <p:cNvPr id="10" name="Content Placeholder 9">
+            <a:extLst>
+              <a:ext uri="{FF2B5EF4-FFF2-40B4-BE49-F238E27FC236}">
+                <a16:creationId xmlns:a16="http://schemas.microsoft.com/office/drawing/2014/main" id="{8BEDEB1C-1D76-48D6-83F2-CD9E55E5CA8C}"/>
+              </a:ext>
+            </a:extLst>
+          </p:cNvPr>
+          <p:cNvGraphicFramePr>
+            <a:graphicFrameLocks noGrp="1"/>
+          </p:cNvGraphicFramePr>
+          <p:nvPr>
+            <p:ph sz="quarter" idx="4"/>
+            <p:extLst>
+              <p:ext uri="{D42A27DB-BD31-4B8C-83A1-F6EECF244321}">
+                <p14:modId xmlns:p14="http://schemas.microsoft.com/office/powerpoint/2010/main" val="1421937925"/>
+              </p:ext>
+            </p:extLst>
+          </p:nvPr>
+        </p:nvGraphicFramePr>
+        <p:xfrm>
+          <a:off x="4645025" y="2590265"/>
+          <a:ext cx="4175447" cy="1010920"/>
+        </p:xfrm>
+        <a:graphic>
+          <a:graphicData uri="http://schemas.openxmlformats.org/drawingml/2006/table">
+            <a:tbl>
+              <a:tblPr firstRow="1" bandRow="1">
+                <a:tableStyleId>{5C22544A-7EE6-4342-B048-85BDC9FD1C3A}</a:tableStyleId>
+              </a:tblPr>
+              <a:tblGrid>
+                <a:gridCol w="935087">
+                  <a:extLst>
+                    <a:ext uri="{9D8B030D-6E8A-4147-A177-3AD203B41FA5}">
+                      <a16:colId xmlns:a16="http://schemas.microsoft.com/office/drawing/2014/main" val="3418444687"/>
+                    </a:ext>
+                  </a:extLst>
+                </a:gridCol>
+                <a:gridCol w="792088">
+                  <a:extLst>
+                    <a:ext uri="{9D8B030D-6E8A-4147-A177-3AD203B41FA5}">
+                      <a16:colId xmlns:a16="http://schemas.microsoft.com/office/drawing/2014/main" val="1482317519"/>
+                    </a:ext>
+                  </a:extLst>
+                </a:gridCol>
+                <a:gridCol w="864096">
+                  <a:extLst>
+                    <a:ext uri="{9D8B030D-6E8A-4147-A177-3AD203B41FA5}">
+                      <a16:colId xmlns:a16="http://schemas.microsoft.com/office/drawing/2014/main" val="2635170354"/>
+                    </a:ext>
+                  </a:extLst>
+                </a:gridCol>
+                <a:gridCol w="792088">
+                  <a:extLst>
+                    <a:ext uri="{9D8B030D-6E8A-4147-A177-3AD203B41FA5}">
+                      <a16:colId xmlns:a16="http://schemas.microsoft.com/office/drawing/2014/main" val="4196413062"/>
+                    </a:ext>
+                  </a:extLst>
+                </a:gridCol>
+                <a:gridCol w="792088">
+                  <a:extLst>
+                    <a:ext uri="{9D8B030D-6E8A-4147-A177-3AD203B41FA5}">
+                      <a16:colId xmlns:a16="http://schemas.microsoft.com/office/drawing/2014/main" val="1594189032"/>
+                    </a:ext>
+                  </a:extLst>
+                </a:gridCol>
+              </a:tblGrid>
+              <a:tr h="370840">
+                <a:tc>
+                  <a:txBody>
+                    <a:bodyPr/>
+                    <a:lstStyle/>
+                    <a:p>
+                      <a:r>
+                        <a:rPr lang="en-US" dirty="0"/>
+                        <a:t>100 genes</a:t>
+                      </a:r>
+                    </a:p>
+                  </a:txBody>
+                  <a:tcPr/>
+                </a:tc>
+                <a:tc>
+                  <a:txBody>
+                    <a:bodyPr/>
+                    <a:lstStyle/>
+                    <a:p>
+                      <a:r>
+                        <a:rPr lang="en-US" dirty="0"/>
+                        <a:t>1</a:t>
+                      </a:r>
+                    </a:p>
+                  </a:txBody>
+                  <a:tcPr/>
+                </a:tc>
+                <a:tc>
+                  <a:txBody>
+                    <a:bodyPr/>
+                    <a:lstStyle/>
+                    <a:p>
+                      <a:r>
+                        <a:rPr lang="en-US" dirty="0"/>
+                        <a:t>2</a:t>
+                      </a:r>
+                    </a:p>
+                  </a:txBody>
+                  <a:tcPr/>
+                </a:tc>
+                <a:tc>
+                  <a:txBody>
+                    <a:bodyPr/>
+                    <a:lstStyle/>
+                    <a:p>
+                      <a:r>
+                        <a:rPr lang="en-US" dirty="0"/>
+                        <a:t>3</a:t>
+                      </a:r>
+                    </a:p>
+                  </a:txBody>
+                  <a:tcPr/>
+                </a:tc>
+                <a:tc>
+                  <a:txBody>
+                    <a:bodyPr/>
+                    <a:lstStyle/>
+                    <a:p>
+                      <a:r>
+                        <a:rPr lang="en-US" dirty="0"/>
+                        <a:t>4</a:t>
+                      </a:r>
+                    </a:p>
+                  </a:txBody>
+                  <a:tcPr/>
+                </a:tc>
+                <a:extLst>
+                  <a:ext uri="{0D108BD9-81ED-4DB2-BD59-A6C34878D82A}">
+                    <a16:rowId xmlns:a16="http://schemas.microsoft.com/office/drawing/2014/main" val="1984294394"/>
+                  </a:ext>
+                </a:extLst>
+              </a:tr>
+              <a:tr h="370840">
+                <a:tc>
+                  <a:txBody>
+                    <a:bodyPr/>
+                    <a:lstStyle/>
+                    <a:p>
+                      <a:r>
+                        <a:rPr lang="en-US" dirty="0"/>
+                        <a:t>mean</a:t>
+                      </a:r>
+                    </a:p>
+                  </a:txBody>
+                  <a:tcPr/>
+                </a:tc>
+                <a:tc>
+                  <a:txBody>
+                    <a:bodyPr/>
+                    <a:lstStyle/>
+                    <a:p>
+                      <a:r>
+                        <a:rPr lang="en-US" dirty="0">
+                          <a:effectLst/>
+                        </a:rPr>
+                        <a:t>0.307</a:t>
+                      </a:r>
+                      <a:endParaRPr lang="en-US" dirty="0"/>
+                    </a:p>
+                  </a:txBody>
+                  <a:tcPr/>
+                </a:tc>
+                <a:tc>
+                  <a:txBody>
+                    <a:bodyPr/>
+                    <a:lstStyle/>
+                    <a:p>
+                      <a:r>
+                        <a:rPr lang="en-US" dirty="0">
+                          <a:effectLst/>
+                        </a:rPr>
+                        <a:t>0.633</a:t>
+                      </a:r>
+                      <a:endParaRPr lang="en-US" dirty="0"/>
+                    </a:p>
+                  </a:txBody>
+                  <a:tcPr/>
+                </a:tc>
+                <a:tc>
+                  <a:txBody>
+                    <a:bodyPr/>
+                    <a:lstStyle/>
+                    <a:p>
+                      <a:r>
+                        <a:rPr lang="en-US" dirty="0">
+                          <a:effectLst/>
+                        </a:rPr>
+                        <a:t>0.863</a:t>
+                      </a:r>
+                      <a:endParaRPr lang="en-US" dirty="0"/>
+                    </a:p>
+                  </a:txBody>
+                  <a:tcPr/>
+                </a:tc>
+                <a:tc>
+                  <a:txBody>
+                    <a:bodyPr/>
+                    <a:lstStyle/>
+                    <a:p>
+                      <a:r>
+                        <a:rPr lang="en-US" dirty="0">
+                          <a:effectLst/>
+                        </a:rPr>
+                        <a:t>0.976</a:t>
+                      </a:r>
+                      <a:endParaRPr lang="en-US" dirty="0"/>
+                    </a:p>
+                  </a:txBody>
+                  <a:tcPr/>
+                </a:tc>
+                <a:extLst>
+                  <a:ext uri="{0D108BD9-81ED-4DB2-BD59-A6C34878D82A}">
+                    <a16:rowId xmlns:a16="http://schemas.microsoft.com/office/drawing/2014/main" val="33640178"/>
+                  </a:ext>
+                </a:extLst>
+              </a:tr>
+            </a:tbl>
+          </a:graphicData>
+        </a:graphic>
+      </p:graphicFrame>
+      <p:sp>
+        <p:nvSpPr>
+          <p:cNvPr id="7" name="Footer Placeholder 6">
+            <a:extLst>
+              <a:ext uri="{FF2B5EF4-FFF2-40B4-BE49-F238E27FC236}">
+                <a16:creationId xmlns:a16="http://schemas.microsoft.com/office/drawing/2014/main" id="{0A46F92B-BA66-4A4F-A8F1-8F6A06CE1F87}"/>
+              </a:ext>
+            </a:extLst>
+          </p:cNvPr>
+          <p:cNvSpPr>
+            <a:spLocks noGrp="1"/>
+          </p:cNvSpPr>
+          <p:nvPr>
+            <p:ph type="ftr" sz="quarter" idx="11"/>
+          </p:nvPr>
+        </p:nvSpPr>
+        <p:spPr/>
+        <p:txBody>
+          <a:bodyPr/>
+          <a:lstStyle/>
+          <a:p>
+            <a:r>
+              <a:rPr lang="ja-JP" altLang="en-US"/>
+              <a:t>｜</a:t>
+            </a:r>
+            <a:r>
+              <a:rPr lang="en-US" altLang="ja-JP"/>
+              <a:t>0000</a:t>
+            </a:r>
+            <a:r>
+              <a:rPr lang="ja-JP" altLang="en-US"/>
+              <a:t>　</a:t>
+            </a:r>
+            <a:r>
+              <a:rPr lang="en-US" altLang="ja-JP"/>
+              <a:t>|</a:t>
+            </a:r>
+            <a:r>
+              <a:rPr lang="ja-JP" altLang="en-US"/>
+              <a:t>　　</a:t>
+            </a:r>
+            <a:r>
+              <a:rPr lang="en-US" altLang="ja-JP"/>
+              <a:t>DDMMYY</a:t>
+            </a:r>
+            <a:endParaRPr lang="ja-JP" altLang="en-US" dirty="0"/>
+          </a:p>
+        </p:txBody>
+      </p:sp>
+      <p:sp>
+        <p:nvSpPr>
+          <p:cNvPr id="8" name="Slide Number Placeholder 7">
+            <a:extLst>
+              <a:ext uri="{FF2B5EF4-FFF2-40B4-BE49-F238E27FC236}">
+                <a16:creationId xmlns:a16="http://schemas.microsoft.com/office/drawing/2014/main" id="{16D4CC7B-BFE7-46A0-B159-52F158EC7311}"/>
+              </a:ext>
+            </a:extLst>
+          </p:cNvPr>
+          <p:cNvSpPr>
+            <a:spLocks noGrp="1"/>
+          </p:cNvSpPr>
+          <p:nvPr>
+            <p:ph type="sldNum" sz="quarter" idx="12"/>
+          </p:nvPr>
+        </p:nvSpPr>
+        <p:spPr/>
+        <p:txBody>
+          <a:bodyPr/>
+          <a:lstStyle/>
+          <a:p>
+            <a:fld id="{E9B57936-92EF-4126-AE48-1D9D36D15E98}" type="slidenum">
+              <a:rPr kumimoji="1" lang="ja-JP" altLang="en-US" smtClean="0"/>
+              <a:pPr/>
+              <a:t>15</a:t>
+            </a:fld>
+            <a:endParaRPr kumimoji="1" lang="ja-JP" altLang="en-US" dirty="0"/>
+          </a:p>
+        </p:txBody>
+      </p:sp>
+      <p:graphicFrame>
+        <p:nvGraphicFramePr>
+          <p:cNvPr id="11" name="Content Placeholder 8">
+            <a:extLst>
+              <a:ext uri="{FF2B5EF4-FFF2-40B4-BE49-F238E27FC236}">
+                <a16:creationId xmlns:a16="http://schemas.microsoft.com/office/drawing/2014/main" id="{89379936-210F-4E5B-A3EB-7C9C3DDC878C}"/>
+              </a:ext>
+            </a:extLst>
+          </p:cNvPr>
+          <p:cNvGraphicFramePr>
+            <a:graphicFrameLocks/>
+          </p:cNvGraphicFramePr>
+          <p:nvPr>
+            <p:extLst>
+              <p:ext uri="{D42A27DB-BD31-4B8C-83A1-F6EECF244321}">
+                <p14:modId xmlns:p14="http://schemas.microsoft.com/office/powerpoint/2010/main" val="2499456854"/>
+              </p:ext>
+            </p:extLst>
+          </p:nvPr>
+        </p:nvGraphicFramePr>
+        <p:xfrm>
+          <a:off x="179513" y="1438393"/>
+          <a:ext cx="4317875" cy="1010920"/>
+        </p:xfrm>
+        <a:graphic>
+          <a:graphicData uri="http://schemas.openxmlformats.org/drawingml/2006/table">
+            <a:tbl>
+              <a:tblPr firstRow="1" bandRow="1">
+                <a:tableStyleId>{5C22544A-7EE6-4342-B048-85BDC9FD1C3A}</a:tableStyleId>
+              </a:tblPr>
+              <a:tblGrid>
+                <a:gridCol w="863575">
+                  <a:extLst>
+                    <a:ext uri="{9D8B030D-6E8A-4147-A177-3AD203B41FA5}">
+                      <a16:colId xmlns:a16="http://schemas.microsoft.com/office/drawing/2014/main" val="1183227820"/>
+                    </a:ext>
+                  </a:extLst>
+                </a:gridCol>
+                <a:gridCol w="863575">
+                  <a:extLst>
+                    <a:ext uri="{9D8B030D-6E8A-4147-A177-3AD203B41FA5}">
+                      <a16:colId xmlns:a16="http://schemas.microsoft.com/office/drawing/2014/main" val="2339914069"/>
+                    </a:ext>
+                  </a:extLst>
+                </a:gridCol>
+                <a:gridCol w="863575">
+                  <a:extLst>
+                    <a:ext uri="{9D8B030D-6E8A-4147-A177-3AD203B41FA5}">
+                      <a16:colId xmlns:a16="http://schemas.microsoft.com/office/drawing/2014/main" val="3524143497"/>
+                    </a:ext>
+                  </a:extLst>
+                </a:gridCol>
+                <a:gridCol w="863575">
+                  <a:extLst>
+                    <a:ext uri="{9D8B030D-6E8A-4147-A177-3AD203B41FA5}">
+                      <a16:colId xmlns:a16="http://schemas.microsoft.com/office/drawing/2014/main" val="1468789111"/>
+                    </a:ext>
+                  </a:extLst>
+                </a:gridCol>
+                <a:gridCol w="863575">
+                  <a:extLst>
+                    <a:ext uri="{9D8B030D-6E8A-4147-A177-3AD203B41FA5}">
+                      <a16:colId xmlns:a16="http://schemas.microsoft.com/office/drawing/2014/main" val="3259249874"/>
+                    </a:ext>
+                  </a:extLst>
+                </a:gridCol>
+              </a:tblGrid>
+              <a:tr h="370840">
+                <a:tc>
+                  <a:txBody>
+                    <a:bodyPr/>
+                    <a:lstStyle/>
+                    <a:p>
+                      <a:r>
+                        <a:rPr lang="en-US" dirty="0"/>
+                        <a:t>30 genes</a:t>
+                      </a:r>
+                    </a:p>
+                  </a:txBody>
+                  <a:tcPr/>
+                </a:tc>
+                <a:tc>
+                  <a:txBody>
+                    <a:bodyPr/>
+                    <a:lstStyle/>
+                    <a:p>
+                      <a:r>
+                        <a:rPr lang="en-US" dirty="0"/>
+                        <a:t>1</a:t>
+                      </a:r>
+                    </a:p>
+                  </a:txBody>
+                  <a:tcPr/>
+                </a:tc>
+                <a:tc>
+                  <a:txBody>
+                    <a:bodyPr/>
+                    <a:lstStyle/>
+                    <a:p>
+                      <a:r>
+                        <a:rPr lang="en-US" dirty="0"/>
+                        <a:t>2</a:t>
+                      </a:r>
+                    </a:p>
+                  </a:txBody>
+                  <a:tcPr/>
+                </a:tc>
+                <a:tc>
+                  <a:txBody>
+                    <a:bodyPr/>
+                    <a:lstStyle/>
+                    <a:p>
+                      <a:r>
+                        <a:rPr lang="en-US" dirty="0"/>
+                        <a:t>3</a:t>
+                      </a:r>
+                    </a:p>
+                  </a:txBody>
+                  <a:tcPr/>
+                </a:tc>
+                <a:tc>
+                  <a:txBody>
+                    <a:bodyPr/>
+                    <a:lstStyle/>
+                    <a:p>
+                      <a:r>
+                        <a:rPr lang="en-US" dirty="0"/>
+                        <a:t>4</a:t>
+                      </a:r>
+                    </a:p>
+                  </a:txBody>
+                  <a:tcPr/>
+                </a:tc>
+                <a:extLst>
+                  <a:ext uri="{0D108BD9-81ED-4DB2-BD59-A6C34878D82A}">
+                    <a16:rowId xmlns:a16="http://schemas.microsoft.com/office/drawing/2014/main" val="2211568318"/>
+                  </a:ext>
+                </a:extLst>
+              </a:tr>
+              <a:tr h="370840">
+                <a:tc>
+                  <a:txBody>
+                    <a:bodyPr/>
+                    <a:lstStyle/>
+                    <a:p>
+                      <a:r>
+                        <a:rPr lang="en-US" dirty="0"/>
+                        <a:t>mean</a:t>
+                      </a:r>
+                    </a:p>
+                  </a:txBody>
+                  <a:tcPr/>
+                </a:tc>
+                <a:tc>
+                  <a:txBody>
+                    <a:bodyPr/>
+                    <a:lstStyle/>
+                    <a:p>
+                      <a:r>
+                        <a:rPr lang="en-US" dirty="0">
+                          <a:effectLst/>
+                        </a:rPr>
+                        <a:t>0.402</a:t>
+                      </a:r>
+                      <a:endParaRPr lang="en-US" dirty="0"/>
+                    </a:p>
+                  </a:txBody>
+                  <a:tcPr/>
+                </a:tc>
+                <a:tc>
+                  <a:txBody>
+                    <a:bodyPr/>
+                    <a:lstStyle/>
+                    <a:p>
+                      <a:r>
+                        <a:rPr lang="en-US" dirty="0">
+                          <a:effectLst/>
+                        </a:rPr>
+                        <a:t>0.675</a:t>
+                      </a:r>
+                      <a:endParaRPr lang="en-US" dirty="0"/>
+                    </a:p>
+                  </a:txBody>
+                  <a:tcPr/>
+                </a:tc>
+                <a:tc>
+                  <a:txBody>
+                    <a:bodyPr/>
+                    <a:lstStyle/>
+                    <a:p>
+                      <a:r>
+                        <a:rPr lang="en-US" dirty="0">
+                          <a:effectLst/>
+                        </a:rPr>
+                        <a:t>0.862</a:t>
+                      </a:r>
+                      <a:endParaRPr lang="en-US" dirty="0"/>
+                    </a:p>
+                  </a:txBody>
+                  <a:tcPr/>
+                </a:tc>
+                <a:tc>
+                  <a:txBody>
+                    <a:bodyPr/>
+                    <a:lstStyle/>
+                    <a:p>
+                      <a:r>
+                        <a:rPr lang="en-US" dirty="0">
+                          <a:effectLst/>
+                        </a:rPr>
+                        <a:t>0.966</a:t>
+                      </a:r>
+                      <a:endParaRPr lang="en-US" dirty="0"/>
+                    </a:p>
+                  </a:txBody>
+                  <a:tcPr/>
+                </a:tc>
+                <a:extLst>
+                  <a:ext uri="{0D108BD9-81ED-4DB2-BD59-A6C34878D82A}">
+                    <a16:rowId xmlns:a16="http://schemas.microsoft.com/office/drawing/2014/main" val="2979660210"/>
+                  </a:ext>
+                </a:extLst>
+              </a:tr>
+            </a:tbl>
+          </a:graphicData>
+        </a:graphic>
+      </p:graphicFrame>
+      <p:graphicFrame>
+        <p:nvGraphicFramePr>
+          <p:cNvPr id="12" name="Content Placeholder 9">
+            <a:extLst>
+              <a:ext uri="{FF2B5EF4-FFF2-40B4-BE49-F238E27FC236}">
+                <a16:creationId xmlns:a16="http://schemas.microsoft.com/office/drawing/2014/main" id="{0630DE03-8F0C-452E-B071-78985765C28B}"/>
+              </a:ext>
+            </a:extLst>
+          </p:cNvPr>
+          <p:cNvGraphicFramePr>
+            <a:graphicFrameLocks/>
+          </p:cNvGraphicFramePr>
+          <p:nvPr>
+            <p:extLst>
+              <p:ext uri="{D42A27DB-BD31-4B8C-83A1-F6EECF244321}">
+                <p14:modId xmlns:p14="http://schemas.microsoft.com/office/powerpoint/2010/main" val="50096958"/>
+              </p:ext>
+            </p:extLst>
+          </p:nvPr>
+        </p:nvGraphicFramePr>
+        <p:xfrm>
+          <a:off x="4645024" y="1438393"/>
+          <a:ext cx="4175448" cy="1010920"/>
+        </p:xfrm>
+        <a:graphic>
+          <a:graphicData uri="http://schemas.openxmlformats.org/drawingml/2006/table">
+            <a:tbl>
+              <a:tblPr firstRow="1" bandRow="1">
+                <a:tableStyleId>{5C22544A-7EE6-4342-B048-85BDC9FD1C3A}</a:tableStyleId>
+              </a:tblPr>
+              <a:tblGrid>
+                <a:gridCol w="935087">
+                  <a:extLst>
+                    <a:ext uri="{9D8B030D-6E8A-4147-A177-3AD203B41FA5}">
+                      <a16:colId xmlns:a16="http://schemas.microsoft.com/office/drawing/2014/main" val="3418444687"/>
+                    </a:ext>
+                  </a:extLst>
+                </a:gridCol>
+                <a:gridCol w="792089">
+                  <a:extLst>
+                    <a:ext uri="{9D8B030D-6E8A-4147-A177-3AD203B41FA5}">
+                      <a16:colId xmlns:a16="http://schemas.microsoft.com/office/drawing/2014/main" val="1482317519"/>
+                    </a:ext>
+                  </a:extLst>
+                </a:gridCol>
+                <a:gridCol w="864096">
+                  <a:extLst>
+                    <a:ext uri="{9D8B030D-6E8A-4147-A177-3AD203B41FA5}">
+                      <a16:colId xmlns:a16="http://schemas.microsoft.com/office/drawing/2014/main" val="2635170354"/>
+                    </a:ext>
+                  </a:extLst>
+                </a:gridCol>
+                <a:gridCol w="792088">
+                  <a:extLst>
+                    <a:ext uri="{9D8B030D-6E8A-4147-A177-3AD203B41FA5}">
+                      <a16:colId xmlns:a16="http://schemas.microsoft.com/office/drawing/2014/main" val="4196413062"/>
+                    </a:ext>
+                  </a:extLst>
+                </a:gridCol>
+                <a:gridCol w="792088">
+                  <a:extLst>
+                    <a:ext uri="{9D8B030D-6E8A-4147-A177-3AD203B41FA5}">
+                      <a16:colId xmlns:a16="http://schemas.microsoft.com/office/drawing/2014/main" val="1594189032"/>
+                    </a:ext>
+                  </a:extLst>
+                </a:gridCol>
+              </a:tblGrid>
+              <a:tr h="370840">
+                <a:tc>
+                  <a:txBody>
+                    <a:bodyPr/>
+                    <a:lstStyle/>
+                    <a:p>
+                      <a:r>
+                        <a:rPr lang="en-US" dirty="0"/>
+                        <a:t>30 genes</a:t>
+                      </a:r>
+                    </a:p>
+                  </a:txBody>
+                  <a:tcPr/>
+                </a:tc>
+                <a:tc>
+                  <a:txBody>
+                    <a:bodyPr/>
+                    <a:lstStyle/>
+                    <a:p>
+                      <a:r>
+                        <a:rPr lang="en-US" dirty="0"/>
+                        <a:t>1</a:t>
+                      </a:r>
+                    </a:p>
+                  </a:txBody>
+                  <a:tcPr/>
+                </a:tc>
+                <a:tc>
+                  <a:txBody>
+                    <a:bodyPr/>
+                    <a:lstStyle/>
+                    <a:p>
+                      <a:r>
+                        <a:rPr lang="en-US" dirty="0"/>
+                        <a:t>2</a:t>
+                      </a:r>
+                    </a:p>
+                  </a:txBody>
+                  <a:tcPr/>
+                </a:tc>
+                <a:tc>
+                  <a:txBody>
+                    <a:bodyPr/>
+                    <a:lstStyle/>
+                    <a:p>
+                      <a:r>
+                        <a:rPr lang="en-US" dirty="0"/>
+                        <a:t>3</a:t>
+                      </a:r>
+                    </a:p>
+                  </a:txBody>
+                  <a:tcPr/>
+                </a:tc>
+                <a:tc>
+                  <a:txBody>
+                    <a:bodyPr/>
+                    <a:lstStyle/>
+                    <a:p>
+                      <a:r>
+                        <a:rPr lang="en-US" dirty="0"/>
+                        <a:t>4</a:t>
+                      </a:r>
+                    </a:p>
+                  </a:txBody>
+                  <a:tcPr/>
+                </a:tc>
+                <a:extLst>
+                  <a:ext uri="{0D108BD9-81ED-4DB2-BD59-A6C34878D82A}">
+                    <a16:rowId xmlns:a16="http://schemas.microsoft.com/office/drawing/2014/main" val="1984294394"/>
+                  </a:ext>
+                </a:extLst>
+              </a:tr>
+              <a:tr h="370840">
+                <a:tc>
+                  <a:txBody>
+                    <a:bodyPr/>
+                    <a:lstStyle/>
+                    <a:p>
+                      <a:r>
+                        <a:rPr lang="en-US" dirty="0"/>
+                        <a:t>mean</a:t>
+                      </a:r>
+                    </a:p>
+                  </a:txBody>
+                  <a:tcPr/>
+                </a:tc>
+                <a:tc>
+                  <a:txBody>
+                    <a:bodyPr/>
+                    <a:lstStyle/>
+                    <a:p>
+                      <a:r>
+                        <a:rPr lang="en-US" dirty="0">
+                          <a:effectLst/>
+                        </a:rPr>
+                        <a:t>0.349</a:t>
+                      </a:r>
+                      <a:endParaRPr lang="en-US" dirty="0"/>
+                    </a:p>
+                  </a:txBody>
+                  <a:tcPr/>
+                </a:tc>
+                <a:tc>
+                  <a:txBody>
+                    <a:bodyPr/>
+                    <a:lstStyle/>
+                    <a:p>
+                      <a:r>
+                        <a:rPr lang="en-US" dirty="0">
+                          <a:effectLst/>
+                        </a:rPr>
+                        <a:t>0.576</a:t>
+                      </a:r>
+                      <a:endParaRPr lang="en-US" dirty="0"/>
+                    </a:p>
+                  </a:txBody>
+                  <a:tcPr/>
+                </a:tc>
+                <a:tc>
+                  <a:txBody>
+                    <a:bodyPr/>
+                    <a:lstStyle/>
+                    <a:p>
+                      <a:r>
+                        <a:rPr lang="en-US" dirty="0">
+                          <a:effectLst/>
+                        </a:rPr>
+                        <a:t>0.825</a:t>
+                      </a:r>
+                      <a:endParaRPr lang="en-US" dirty="0"/>
+                    </a:p>
+                  </a:txBody>
+                  <a:tcPr/>
+                </a:tc>
+                <a:tc>
+                  <a:txBody>
+                    <a:bodyPr/>
+                    <a:lstStyle/>
+                    <a:p>
+                      <a:r>
+                        <a:rPr lang="en-US" dirty="0">
+                          <a:effectLst/>
+                        </a:rPr>
+                        <a:t>0.951</a:t>
+                      </a:r>
+                      <a:endParaRPr lang="en-US" dirty="0"/>
+                    </a:p>
+                  </a:txBody>
+                  <a:tcPr/>
+                </a:tc>
+                <a:extLst>
+                  <a:ext uri="{0D108BD9-81ED-4DB2-BD59-A6C34878D82A}">
+                    <a16:rowId xmlns:a16="http://schemas.microsoft.com/office/drawing/2014/main" val="33640178"/>
+                  </a:ext>
+                </a:extLst>
+              </a:tr>
+            </a:tbl>
+          </a:graphicData>
+        </a:graphic>
+      </p:graphicFrame>
+    </p:spTree>
+    <p:extLst>
+      <p:ext uri="{BB962C8B-B14F-4D97-AF65-F5344CB8AC3E}">
+        <p14:creationId xmlns:p14="http://schemas.microsoft.com/office/powerpoint/2010/main" val="531135611"/>
+      </p:ext>
+    </p:extLst>
+  </p:cSld>
+  <p:clrMapOvr>
+    <a:masterClrMapping/>
+  </p:clrMapOvr>
+</p:sld>
+</file>
+
+<file path=ppt/slides/slide17.xml><?xml version="1.0" encoding="utf-8"?>
+<p:sld xmlns:a="http://schemas.openxmlformats.org/drawingml/2006/main" xmlns:r="http://schemas.openxmlformats.org/officeDocument/2006/relationships" xmlns:p="http://schemas.openxmlformats.org/presentationml/2006/main">
+  <p:cSld>
+    <p:spTree>
+      <p:nvGrpSpPr>
+        <p:cNvPr id="1" name=""/>
+        <p:cNvGrpSpPr/>
+        <p:nvPr/>
+      </p:nvGrpSpPr>
+      <p:grpSpPr>
+        <a:xfrm>
+          <a:off x="0" y="0"/>
+          <a:ext cx="0" cy="0"/>
+          <a:chOff x="0" y="0"/>
+          <a:chExt cx="0" cy="0"/>
+        </a:xfrm>
+      </p:grpSpPr>
+      <p:sp>
+        <p:nvSpPr>
+          <p:cNvPr id="2" name="Title 1">
+            <a:extLst>
+              <a:ext uri="{FF2B5EF4-FFF2-40B4-BE49-F238E27FC236}">
+                <a16:creationId xmlns:a16="http://schemas.microsoft.com/office/drawing/2014/main" id="{06D5DA9A-9EC9-4ECA-9122-83F63B48B762}"/>
+              </a:ext>
+            </a:extLst>
+          </p:cNvPr>
+          <p:cNvSpPr>
+            <a:spLocks noGrp="1"/>
+          </p:cNvSpPr>
+          <p:nvPr>
+            <p:ph type="title"/>
+          </p:nvPr>
+        </p:nvSpPr>
+        <p:spPr/>
+        <p:txBody>
+          <a:bodyPr/>
+          <a:lstStyle/>
+          <a:p>
+            <a:r>
+              <a:rPr lang="en-US" dirty="0"/>
+              <a:t>Optimal Lambda</a:t>
+            </a:r>
+          </a:p>
+        </p:txBody>
+      </p:sp>
+      <p:sp>
+        <p:nvSpPr>
+          <p:cNvPr id="3" name="Text Placeholder 2">
+            <a:extLst>
+              <a:ext uri="{FF2B5EF4-FFF2-40B4-BE49-F238E27FC236}">
+                <a16:creationId xmlns:a16="http://schemas.microsoft.com/office/drawing/2014/main" id="{783A6151-D98E-4ADD-B8D8-7A80912487F3}"/>
+              </a:ext>
+            </a:extLst>
+          </p:cNvPr>
+          <p:cNvSpPr>
+            <a:spLocks noGrp="1"/>
+          </p:cNvSpPr>
+          <p:nvPr>
+            <p:ph type="body" idx="1"/>
+          </p:nvPr>
+        </p:nvSpPr>
+        <p:spPr/>
+        <p:txBody>
+          <a:bodyPr>
+            <a:normAutofit lnSpcReduction="10000"/>
+          </a:bodyPr>
+          <a:lstStyle/>
+          <a:p>
+            <a:r>
+              <a:rPr lang="en-US" dirty="0"/>
+              <a:t>30 genes</a:t>
+            </a:r>
+          </a:p>
+        </p:txBody>
+      </p:sp>
+      <p:pic>
+        <p:nvPicPr>
+          <p:cNvPr id="10" name="Content Placeholder 9">
+            <a:extLst>
+              <a:ext uri="{FF2B5EF4-FFF2-40B4-BE49-F238E27FC236}">
+                <a16:creationId xmlns:a16="http://schemas.microsoft.com/office/drawing/2014/main" id="{5DE0676C-9C3A-4E98-9FD4-33B767024C94}"/>
+              </a:ext>
+            </a:extLst>
+          </p:cNvPr>
+          <p:cNvPicPr>
+            <a:picLocks noGrp="1" noChangeAspect="1"/>
+          </p:cNvPicPr>
+          <p:nvPr>
+            <p:ph sz="half" idx="2"/>
+          </p:nvPr>
+        </p:nvPicPr>
+        <p:blipFill>
+          <a:blip r:embed="rId2">
+            <a:extLst>
+              <a:ext uri="{28A0092B-C50C-407E-A947-70E740481C1C}">
+                <a14:useLocalDpi xmlns:a14="http://schemas.microsoft.com/office/drawing/2010/main" val="0"/>
+              </a:ext>
+            </a:extLst>
+          </a:blip>
+          <a:stretch>
+            <a:fillRect/>
+          </a:stretch>
+        </p:blipFill>
+        <p:spPr>
+          <a:xfrm>
+            <a:off x="1303357" y="1403350"/>
+            <a:ext cx="2295487" cy="2963863"/>
+          </a:xfrm>
+        </p:spPr>
+      </p:pic>
+      <p:sp>
+        <p:nvSpPr>
+          <p:cNvPr id="5" name="Text Placeholder 4">
+            <a:extLst>
+              <a:ext uri="{FF2B5EF4-FFF2-40B4-BE49-F238E27FC236}">
+                <a16:creationId xmlns:a16="http://schemas.microsoft.com/office/drawing/2014/main" id="{F25B34C4-4E30-4652-8309-EBCAB1918F85}"/>
+              </a:ext>
+            </a:extLst>
+          </p:cNvPr>
+          <p:cNvSpPr>
+            <a:spLocks noGrp="1"/>
+          </p:cNvSpPr>
+          <p:nvPr>
+            <p:ph type="body" sz="quarter" idx="3"/>
+          </p:nvPr>
+        </p:nvSpPr>
+        <p:spPr/>
+        <p:txBody>
+          <a:bodyPr>
+            <a:normAutofit lnSpcReduction="10000"/>
+          </a:bodyPr>
+          <a:lstStyle/>
+          <a:p>
+            <a:r>
+              <a:rPr lang="en-US" dirty="0"/>
+              <a:t>100 genes</a:t>
+            </a:r>
+          </a:p>
+        </p:txBody>
+      </p:sp>
+      <p:pic>
+        <p:nvPicPr>
+          <p:cNvPr id="12" name="Content Placeholder 11">
+            <a:extLst>
+              <a:ext uri="{FF2B5EF4-FFF2-40B4-BE49-F238E27FC236}">
+                <a16:creationId xmlns:a16="http://schemas.microsoft.com/office/drawing/2014/main" id="{02E50E8D-5916-4A74-A5C9-2B74E00C7B32}"/>
+              </a:ext>
+            </a:extLst>
+          </p:cNvPr>
+          <p:cNvPicPr>
+            <a:picLocks noGrp="1" noChangeAspect="1"/>
+          </p:cNvPicPr>
+          <p:nvPr>
+            <p:ph sz="quarter" idx="4"/>
+          </p:nvPr>
+        </p:nvPicPr>
+        <p:blipFill>
+          <a:blip r:embed="rId3">
+            <a:extLst>
+              <a:ext uri="{28A0092B-C50C-407E-A947-70E740481C1C}">
+                <a14:useLocalDpi xmlns:a14="http://schemas.microsoft.com/office/drawing/2010/main" val="0"/>
+              </a:ext>
+            </a:extLst>
+          </a:blip>
+          <a:stretch>
+            <a:fillRect/>
+          </a:stretch>
+        </p:blipFill>
+        <p:spPr>
+          <a:xfrm>
+            <a:off x="4645025" y="1575577"/>
+            <a:ext cx="4041775" cy="2619408"/>
+          </a:xfrm>
+        </p:spPr>
+      </p:pic>
+      <p:sp>
+        <p:nvSpPr>
+          <p:cNvPr id="7" name="Footer Placeholder 6">
+            <a:extLst>
+              <a:ext uri="{FF2B5EF4-FFF2-40B4-BE49-F238E27FC236}">
+                <a16:creationId xmlns:a16="http://schemas.microsoft.com/office/drawing/2014/main" id="{0A46F92B-BA66-4A4F-A8F1-8F6A06CE1F87}"/>
+              </a:ext>
+            </a:extLst>
+          </p:cNvPr>
+          <p:cNvSpPr>
+            <a:spLocks noGrp="1"/>
+          </p:cNvSpPr>
+          <p:nvPr>
+            <p:ph type="ftr" sz="quarter" idx="11"/>
+          </p:nvPr>
+        </p:nvSpPr>
+        <p:spPr/>
+        <p:txBody>
+          <a:bodyPr/>
+          <a:lstStyle/>
+          <a:p>
+            <a:r>
+              <a:rPr lang="ja-JP" altLang="en-US"/>
+              <a:t>｜</a:t>
+            </a:r>
+            <a:r>
+              <a:rPr lang="en-US" altLang="ja-JP"/>
+              <a:t>0000</a:t>
+            </a:r>
+            <a:r>
+              <a:rPr lang="ja-JP" altLang="en-US"/>
+              <a:t>　</a:t>
+            </a:r>
+            <a:r>
+              <a:rPr lang="en-US" altLang="ja-JP"/>
+              <a:t>|</a:t>
+            </a:r>
+            <a:r>
+              <a:rPr lang="ja-JP" altLang="en-US"/>
+              <a:t>　　</a:t>
+            </a:r>
+            <a:r>
+              <a:rPr lang="en-US" altLang="ja-JP"/>
+              <a:t>DDMMYY</a:t>
+            </a:r>
+            <a:endParaRPr lang="ja-JP" altLang="en-US" dirty="0"/>
+          </a:p>
+        </p:txBody>
+      </p:sp>
+      <p:sp>
+        <p:nvSpPr>
+          <p:cNvPr id="8" name="Slide Number Placeholder 7">
+            <a:extLst>
+              <a:ext uri="{FF2B5EF4-FFF2-40B4-BE49-F238E27FC236}">
+                <a16:creationId xmlns:a16="http://schemas.microsoft.com/office/drawing/2014/main" id="{16D4CC7B-BFE7-46A0-B159-52F158EC7311}"/>
+              </a:ext>
+            </a:extLst>
+          </p:cNvPr>
+          <p:cNvSpPr>
+            <a:spLocks noGrp="1"/>
+          </p:cNvSpPr>
+          <p:nvPr>
+            <p:ph type="sldNum" sz="quarter" idx="12"/>
+          </p:nvPr>
+        </p:nvSpPr>
+        <p:spPr/>
+        <p:txBody>
+          <a:bodyPr/>
+          <a:lstStyle/>
+          <a:p>
+            <a:fld id="{E9B57936-92EF-4126-AE48-1D9D36D15E98}" type="slidenum">
+              <a:rPr kumimoji="1" lang="ja-JP" altLang="en-US" smtClean="0"/>
+              <a:pPr/>
+              <a:t>16</a:t>
+            </a:fld>
+            <a:endParaRPr kumimoji="1" lang="ja-JP" altLang="en-US" dirty="0"/>
+          </a:p>
+        </p:txBody>
+      </p:sp>
+    </p:spTree>
+    <p:extLst>
+      <p:ext uri="{BB962C8B-B14F-4D97-AF65-F5344CB8AC3E}">
+        <p14:creationId xmlns:p14="http://schemas.microsoft.com/office/powerpoint/2010/main" val="156289768"/>
+      </p:ext>
+    </p:extLst>
+  </p:cSld>
+  <p:clrMapOvr>
+    <a:masterClrMapping/>
+  </p:clrMapOvr>
+</p:sld>
+</file>
+
+<file path=ppt/slides/slide18.xml><?xml version="1.0" encoding="utf-8"?>
 <p:sld xmlns:a="http://schemas.openxmlformats.org/drawingml/2006/main" xmlns:r="http://schemas.openxmlformats.org/officeDocument/2006/relationships" xmlns:p="http://schemas.openxmlformats.org/presentationml/2006/main">
   <p:cSld>
     <p:spTree>
@@ -7412,8 +10351,8 @@
           </a:p>
         </p:txBody>
       </p:sp>
-      <mc:AlternateContent xmlns:mc="http://schemas.openxmlformats.org/markup-compatibility/2006">
-        <mc:Choice xmlns:a14="http://schemas.microsoft.com/office/drawing/2010/main" Requires="a14">
+      <mc:AlternateContent xmlns:mc="http://schemas.openxmlformats.org/markup-compatibility/2006" xmlns:a14="http://schemas.microsoft.com/office/drawing/2010/main">
+        <mc:Choice Requires="a14">
           <p:sp>
             <p:nvSpPr>
               <p:cNvPr id="11" name="コンテンツ プレースホルダ 10"/>
@@ -8263,7 +11202,7 @@
             </p:txBody>
           </p:sp>
         </mc:Choice>
-        <mc:Fallback>
+        <mc:Fallback xmlns="">
           <p:sp>
             <p:nvSpPr>
               <p:cNvPr id="11" name="コンテンツ プレースホルダ 10"/>
@@ -8752,25 +11691,25 @@
           <a:p>
             <a:r>
               <a:rPr lang="en-US" dirty="0"/>
-              <a:t>Dimensions for treatment variable = 1</a:t>
+              <a:t>Dimensions for treatment variable = 1, (binary: +1,-1)</a:t>
             </a:r>
           </a:p>
           <a:p>
             <a:r>
               <a:rPr lang="en-US" dirty="0"/>
-              <a:t>Dimensions for Genes = 20</a:t>
+              <a:t>Dimensions for Genes = 30, 100</a:t>
             </a:r>
           </a:p>
           <a:p>
             <a:r>
               <a:rPr lang="en-US" dirty="0"/>
-              <a:t>30% of 20 gene main effects are non-zero</a:t>
+              <a:t>30% of hierarchical interaction effects are non-zero randomly</a:t>
             </a:r>
           </a:p>
           <a:p>
             <a:r>
               <a:rPr lang="en-US" dirty="0"/>
-              <a:t>20% of 20 hierarchical interaction effects are non-zero </a:t>
+              <a:t>20%~50% of gene main effects are non-zero</a:t>
             </a:r>
           </a:p>
           <a:p>
@@ -8898,7 +11837,7 @@
           <p:cNvPr id="2" name="Title 1">
             <a:extLst>
               <a:ext uri="{FF2B5EF4-FFF2-40B4-BE49-F238E27FC236}">
-                <a16:creationId xmlns:a16="http://schemas.microsoft.com/office/drawing/2014/main" id="{244C3D1B-54B9-4833-91F8-5C1A7EB9F80D}"/>
+                <a16:creationId xmlns:a16="http://schemas.microsoft.com/office/drawing/2014/main" id="{A55E3E7C-7A88-4C8B-A31F-9219AB09B092}"/>
               </a:ext>
             </a:extLst>
           </p:cNvPr>
@@ -8916,17 +11855,255 @@
           <a:p>
             <a:r>
               <a:rPr lang="en-US" dirty="0"/>
-              <a:t>10-fold Cross Validation</a:t>
+              <a:t>Signal/Noise ratio</a:t>
             </a:r>
           </a:p>
         </p:txBody>
       </p:sp>
+      <mc:AlternateContent xmlns:mc="http://schemas.openxmlformats.org/markup-compatibility/2006">
+        <mc:Choice xmlns:a14="http://schemas.microsoft.com/office/drawing/2010/main" Requires="a14">
+          <p:sp>
+            <p:nvSpPr>
+              <p:cNvPr id="3" name="Content Placeholder 2">
+                <a:extLst>
+                  <a:ext uri="{FF2B5EF4-FFF2-40B4-BE49-F238E27FC236}">
+                    <a16:creationId xmlns:a16="http://schemas.microsoft.com/office/drawing/2014/main" id="{CB1BED14-16C4-4C60-B13C-6FAE776570E9}"/>
+                  </a:ext>
+                </a:extLst>
+              </p:cNvPr>
+              <p:cNvSpPr>
+                <a:spLocks noGrp="1"/>
+              </p:cNvSpPr>
+              <p:nvPr>
+                <p:ph idx="1"/>
+              </p:nvPr>
+            </p:nvSpPr>
+            <p:spPr/>
+            <p:txBody>
+              <a:bodyPr/>
+              <a:lstStyle/>
+              <a:p>
+                <a:r>
+                  <a:rPr lang="en-US" dirty="0"/>
+                  <a:t>For 30 genes: 0.5, 1, 5, 10, 100.</a:t>
+                </a:r>
+              </a:p>
+              <a:p>
+                <a:r>
+                  <a:rPr lang="en-US" dirty="0"/>
+                  <a:t>For 100 genes: 1, 10, 100.</a:t>
+                </a:r>
+              </a:p>
+              <a:p>
+                <a:endParaRPr lang="en-US" dirty="0"/>
+              </a:p>
+              <a:p>
+                <a14:m>
+                  <m:oMath xmlns:m="http://schemas.openxmlformats.org/officeDocument/2006/math">
+                    <m:r>
+                      <a:rPr lang="en-US" b="0" i="1" smtClean="0">
+                        <a:latin typeface="Cambria Math" panose="02040503050406030204" pitchFamily="18" charset="0"/>
+                      </a:rPr>
+                      <m:t>𝑆𝑁𝑅</m:t>
+                    </m:r>
+                    <m:r>
+                      <a:rPr lang="en-US" b="0" i="1" smtClean="0">
+                        <a:latin typeface="Cambria Math" panose="02040503050406030204" pitchFamily="18" charset="0"/>
+                      </a:rPr>
+                      <m:t>=</m:t>
+                    </m:r>
+                    <m:f>
+                      <m:fPr>
+                        <m:ctrlPr>
+                          <a:rPr lang="en-US" b="0" i="1" smtClean="0">
+                            <a:latin typeface="Cambria Math" panose="02040503050406030204" pitchFamily="18" charset="0"/>
+                          </a:rPr>
+                        </m:ctrlPr>
+                      </m:fPr>
+                      <m:num>
+                        <m:r>
+                          <a:rPr lang="en-US" b="0" i="1" smtClean="0">
+                            <a:latin typeface="Cambria Math" panose="02040503050406030204" pitchFamily="18" charset="0"/>
+                          </a:rPr>
+                          <m:t>𝑣𝑎𝑟</m:t>
+                        </m:r>
+                        <m:r>
+                          <a:rPr lang="en-US" b="0" i="1" smtClean="0">
+                            <a:latin typeface="Cambria Math" panose="02040503050406030204" pitchFamily="18" charset="0"/>
+                          </a:rPr>
+                          <m:t>(</m:t>
+                        </m:r>
+                        <m:sSub>
+                          <m:sSubPr>
+                            <m:ctrlPr>
+                              <a:rPr lang="en-US" b="0" i="1" smtClean="0">
+                                <a:latin typeface="Cambria Math" panose="02040503050406030204" pitchFamily="18" charset="0"/>
+                              </a:rPr>
+                            </m:ctrlPr>
+                          </m:sSubPr>
+                          <m:e>
+                            <m:r>
+                              <a:rPr lang="en-US" b="0" i="1" smtClean="0">
+                                <a:latin typeface="Cambria Math" panose="02040503050406030204" pitchFamily="18" charset="0"/>
+                              </a:rPr>
+                              <m:t>𝑦</m:t>
+                            </m:r>
+                          </m:e>
+                          <m:sub>
+                            <m:r>
+                              <a:rPr lang="en-US" b="0" i="1" smtClean="0">
+                                <a:latin typeface="Cambria Math" panose="02040503050406030204" pitchFamily="18" charset="0"/>
+                              </a:rPr>
+                              <m:t>0</m:t>
+                            </m:r>
+                          </m:sub>
+                        </m:sSub>
+                        <m:r>
+                          <a:rPr lang="en-US" b="0" i="1" smtClean="0">
+                            <a:latin typeface="Cambria Math" panose="02040503050406030204" pitchFamily="18" charset="0"/>
+                          </a:rPr>
+                          <m:t>)</m:t>
+                        </m:r>
+                      </m:num>
+                      <m:den>
+                        <m:r>
+                          <a:rPr lang="en-US" b="0" i="1" smtClean="0">
+                            <a:latin typeface="Cambria Math" panose="02040503050406030204" pitchFamily="18" charset="0"/>
+                          </a:rPr>
+                          <m:t>𝑣𝑎𝑟</m:t>
+                        </m:r>
+                        <m:r>
+                          <a:rPr lang="en-US" b="0" i="1" smtClean="0">
+                            <a:latin typeface="Cambria Math" panose="02040503050406030204" pitchFamily="18" charset="0"/>
+                          </a:rPr>
+                          <m:t>(</m:t>
+                        </m:r>
+                        <m:r>
+                          <a:rPr lang="en-US" b="0" i="1" smtClean="0">
+                            <a:latin typeface="Cambria Math" panose="02040503050406030204" pitchFamily="18" charset="0"/>
+                            <a:ea typeface="Cambria Math" panose="02040503050406030204" pitchFamily="18" charset="0"/>
+                          </a:rPr>
+                          <m:t>𝜖</m:t>
+                        </m:r>
+                        <m:r>
+                          <a:rPr lang="en-US" b="0" i="1" smtClean="0">
+                            <a:latin typeface="Cambria Math" panose="02040503050406030204" pitchFamily="18" charset="0"/>
+                          </a:rPr>
+                          <m:t>)</m:t>
+                        </m:r>
+                      </m:den>
+                    </m:f>
+                  </m:oMath>
+                </a14:m>
+                <a:r>
+                  <a:rPr lang="en-US" dirty="0"/>
+                  <a:t>, where </a:t>
+                </a:r>
+                <a14:m>
+                  <m:oMath xmlns:m="http://schemas.openxmlformats.org/officeDocument/2006/math">
+                    <m:r>
+                      <a:rPr lang="en-US" b="0" i="1" smtClean="0">
+                        <a:latin typeface="Cambria Math" panose="02040503050406030204" pitchFamily="18" charset="0"/>
+                      </a:rPr>
+                      <m:t>𝑦</m:t>
+                    </m:r>
+                    <m:r>
+                      <a:rPr lang="en-US" b="0" i="1" smtClean="0">
+                        <a:latin typeface="Cambria Math" panose="02040503050406030204" pitchFamily="18" charset="0"/>
+                      </a:rPr>
+                      <m:t>=</m:t>
+                    </m:r>
+                    <m:sSub>
+                      <m:sSubPr>
+                        <m:ctrlPr>
+                          <a:rPr lang="en-US" b="0" i="1" smtClean="0">
+                            <a:latin typeface="Cambria Math" panose="02040503050406030204" pitchFamily="18" charset="0"/>
+                          </a:rPr>
+                        </m:ctrlPr>
+                      </m:sSubPr>
+                      <m:e>
+                        <m:r>
+                          <a:rPr lang="en-US" b="0" i="1" smtClean="0">
+                            <a:latin typeface="Cambria Math" panose="02040503050406030204" pitchFamily="18" charset="0"/>
+                          </a:rPr>
+                          <m:t>𝑦</m:t>
+                        </m:r>
+                      </m:e>
+                      <m:sub>
+                        <m:r>
+                          <a:rPr lang="en-US" b="0" i="1" smtClean="0">
+                            <a:latin typeface="Cambria Math" panose="02040503050406030204" pitchFamily="18" charset="0"/>
+                          </a:rPr>
+                          <m:t>0</m:t>
+                        </m:r>
+                      </m:sub>
+                    </m:sSub>
+                    <m:r>
+                      <a:rPr lang="en-US" b="0" i="1" smtClean="0">
+                        <a:latin typeface="Cambria Math" panose="02040503050406030204" pitchFamily="18" charset="0"/>
+                      </a:rPr>
+                      <m:t>+</m:t>
+                    </m:r>
+                    <m:r>
+                      <a:rPr lang="en-US" b="0" i="1" smtClean="0">
+                        <a:latin typeface="Cambria Math" panose="02040503050406030204" pitchFamily="18" charset="0"/>
+                        <a:ea typeface="Cambria Math" panose="02040503050406030204" pitchFamily="18" charset="0"/>
+                      </a:rPr>
+                      <m:t>𝜖</m:t>
+                    </m:r>
+                  </m:oMath>
+                </a14:m>
+                <a:endParaRPr lang="en-US" dirty="0"/>
+              </a:p>
+            </p:txBody>
+          </p:sp>
+        </mc:Choice>
+        <mc:Fallback>
+          <p:sp>
+            <p:nvSpPr>
+              <p:cNvPr id="3" name="Content Placeholder 2">
+                <a:extLst>
+                  <a:ext uri="{FF2B5EF4-FFF2-40B4-BE49-F238E27FC236}">
+                    <a16:creationId xmlns:a16="http://schemas.microsoft.com/office/drawing/2014/main" id="{CB1BED14-16C4-4C60-B13C-6FAE776570E9}"/>
+                  </a:ext>
+                </a:extLst>
+              </p:cNvPr>
+              <p:cNvSpPr>
+                <a:spLocks noGrp="1" noRot="1" noChangeAspect="1" noMove="1" noResize="1" noEditPoints="1" noAdjustHandles="1" noChangeArrowheads="1" noChangeShapeType="1" noTextEdit="1"/>
+              </p:cNvSpPr>
+              <p:nvPr>
+                <p:ph idx="1"/>
+              </p:nvPr>
+            </p:nvSpPr>
+            <p:spPr>
+              <a:blipFill>
+                <a:blip r:embed="rId2"/>
+                <a:stretch>
+                  <a:fillRect l="-1766" t="-831"/>
+                </a:stretch>
+              </a:blipFill>
+            </p:spPr>
+            <p:txBody>
+              <a:bodyPr/>
+              <a:lstStyle/>
+              <a:p>
+                <a:r>
+                  <a:rPr lang="en-US">
+                    <a:noFill/>
+                  </a:rPr>
+                  <a:t> </a:t>
+                </a:r>
+              </a:p>
+            </p:txBody>
+          </p:sp>
+        </mc:Fallback>
+      </mc:AlternateContent>
       <p:sp>
         <p:nvSpPr>
-          <p:cNvPr id="3" name="Text Placeholder 2">
+          <p:cNvPr id="4" name="Footer Placeholder 3">
             <a:extLst>
               <a:ext uri="{FF2B5EF4-FFF2-40B4-BE49-F238E27FC236}">
-                <a16:creationId xmlns:a16="http://schemas.microsoft.com/office/drawing/2014/main" id="{74FCB7B2-64FD-490A-B387-9CB34A3045EF}"/>
+                <a16:creationId xmlns:a16="http://schemas.microsoft.com/office/drawing/2014/main" id="{896D4A9B-31AF-4EC2-9F47-5F2F9B70E61B}"/>
               </a:ext>
             </a:extLst>
           </p:cNvPr>
@@ -8934,26 +12111,48 @@
             <a:spLocks noGrp="1"/>
           </p:cNvSpPr>
           <p:nvPr>
-            <p:ph type="body" idx="1"/>
+            <p:ph type="ftr" sz="quarter" idx="11"/>
           </p:nvPr>
         </p:nvSpPr>
         <p:spPr/>
         <p:txBody>
-          <a:bodyPr>
-            <a:normAutofit lnSpcReduction="10000"/>
-          </a:bodyPr>
+          <a:bodyPr/>
           <a:lstStyle/>
           <a:p>
-            <a:endParaRPr lang="en-US"/>
+            <a:r>
+              <a:rPr lang="ja-JP" altLang="en-US"/>
+              <a:t>｜</a:t>
+            </a:r>
+            <a:r>
+              <a:rPr lang="en-US" altLang="ja-JP"/>
+              <a:t>0000</a:t>
+            </a:r>
+            <a:r>
+              <a:rPr lang="ja-JP" altLang="en-US"/>
+              <a:t>　</a:t>
+            </a:r>
+            <a:r>
+              <a:rPr lang="en-US" altLang="ja-JP"/>
+              <a:t>|</a:t>
+            </a:r>
+            <a:r>
+              <a:rPr lang="ja-JP" altLang="en-US"/>
+              <a:t>　　</a:t>
+            </a:r>
+            <a:r>
+              <a:rPr lang="en-US" altLang="ja-JP"/>
+              <a:t>DDMMYY</a:t>
+            </a:r>
+            <a:endParaRPr lang="ja-JP" altLang="en-US" dirty="0"/>
           </a:p>
         </p:txBody>
       </p:sp>
       <p:sp>
         <p:nvSpPr>
-          <p:cNvPr id="5" name="Text Placeholder 4">
+          <p:cNvPr id="5" name="Slide Number Placeholder 4">
             <a:extLst>
               <a:ext uri="{FF2B5EF4-FFF2-40B4-BE49-F238E27FC236}">
-                <a16:creationId xmlns:a16="http://schemas.microsoft.com/office/drawing/2014/main" id="{E55700E8-7124-407A-A9EB-210F33D98839}"/>
+                <a16:creationId xmlns:a16="http://schemas.microsoft.com/office/drawing/2014/main" id="{D87DD39C-DFBD-411D-A2CD-463D3D2CDC47}"/>
               </a:ext>
             </a:extLst>
           </p:cNvPr>
@@ -8961,82 +12160,6 @@
             <a:spLocks noGrp="1"/>
           </p:cNvSpPr>
           <p:nvPr>
-            <p:ph type="body" sz="quarter" idx="3"/>
-          </p:nvPr>
-        </p:nvSpPr>
-        <p:spPr/>
-        <p:txBody>
-          <a:bodyPr>
-            <a:normAutofit lnSpcReduction="10000"/>
-          </a:bodyPr>
-          <a:lstStyle/>
-          <a:p>
-            <a:endParaRPr lang="en-US"/>
-          </a:p>
-        </p:txBody>
-      </p:sp>
-      <p:sp>
-        <p:nvSpPr>
-          <p:cNvPr id="7" name="Footer Placeholder 6">
-            <a:extLst>
-              <a:ext uri="{FF2B5EF4-FFF2-40B4-BE49-F238E27FC236}">
-                <a16:creationId xmlns:a16="http://schemas.microsoft.com/office/drawing/2014/main" id="{ACFE0704-17A1-4DF9-9B3F-73560AFF6E59}"/>
-              </a:ext>
-            </a:extLst>
-          </p:cNvPr>
-          <p:cNvSpPr>
-            <a:spLocks noGrp="1"/>
-          </p:cNvSpPr>
-          <p:nvPr>
-            <p:ph type="ftr" sz="quarter" idx="11"/>
-          </p:nvPr>
-        </p:nvSpPr>
-        <p:spPr/>
-        <p:txBody>
-          <a:bodyPr/>
-          <a:lstStyle/>
-          <a:p>
-            <a:r>
-              <a:rPr lang="ja-JP" altLang="en-US"/>
-              <a:t>｜</a:t>
-            </a:r>
-            <a:r>
-              <a:rPr lang="en-US" altLang="ja-JP"/>
-              <a:t>0000</a:t>
-            </a:r>
-            <a:r>
-              <a:rPr lang="ja-JP" altLang="en-US"/>
-              <a:t>　</a:t>
-            </a:r>
-            <a:r>
-              <a:rPr lang="en-US" altLang="ja-JP"/>
-              <a:t>|</a:t>
-            </a:r>
-            <a:r>
-              <a:rPr lang="ja-JP" altLang="en-US"/>
-              <a:t>　　</a:t>
-            </a:r>
-            <a:r>
-              <a:rPr lang="en-US" altLang="ja-JP"/>
-              <a:t>DDMMYY</a:t>
-            </a:r>
-            <a:endParaRPr lang="ja-JP" altLang="en-US" dirty="0"/>
-          </a:p>
-        </p:txBody>
-      </p:sp>
-      <p:sp>
-        <p:nvSpPr>
-          <p:cNvPr id="8" name="Slide Number Placeholder 7">
-            <a:extLst>
-              <a:ext uri="{FF2B5EF4-FFF2-40B4-BE49-F238E27FC236}">
-                <a16:creationId xmlns:a16="http://schemas.microsoft.com/office/drawing/2014/main" id="{EEAFE169-0147-4F0F-8293-E07ECA99F221}"/>
-              </a:ext>
-            </a:extLst>
-          </p:cNvPr>
-          <p:cNvSpPr>
-            <a:spLocks noGrp="1"/>
-          </p:cNvSpPr>
-          <p:nvPr>
             <p:ph type="sldNum" sz="quarter" idx="12"/>
           </p:nvPr>
         </p:nvSpPr>
@@ -9054,80 +12177,10 @@
           </a:p>
         </p:txBody>
       </p:sp>
-      <p:pic>
-        <p:nvPicPr>
-          <p:cNvPr id="13" name="Content Placeholder 5">
-            <a:extLst>
-              <a:ext uri="{FF2B5EF4-FFF2-40B4-BE49-F238E27FC236}">
-                <a16:creationId xmlns:a16="http://schemas.microsoft.com/office/drawing/2014/main" id="{B6FC5516-4A6B-447C-8995-04216D0F6B08}"/>
-              </a:ext>
-            </a:extLst>
-          </p:cNvPr>
-          <p:cNvPicPr>
-            <a:picLocks noGrp="1" noChangeAspect="1"/>
-          </p:cNvPicPr>
-          <p:nvPr>
-            <p:ph sz="half" idx="2"/>
-          </p:nvPr>
-        </p:nvPicPr>
-        <p:blipFill>
-          <a:blip r:embed="rId2">
-            <a:extLst>
-              <a:ext uri="{28A0092B-C50C-407E-A947-70E740481C1C}">
-                <a14:useLocalDpi xmlns:a14="http://schemas.microsoft.com/office/drawing/2010/main" val="0"/>
-              </a:ext>
-            </a:extLst>
-          </a:blip>
-          <a:stretch>
-            <a:fillRect/>
-          </a:stretch>
-        </p:blipFill>
-        <p:spPr>
-          <a:xfrm>
-            <a:off x="969169" y="1403350"/>
-            <a:ext cx="2963863" cy="2963863"/>
-          </a:xfrm>
-        </p:spPr>
-      </p:pic>
-      <p:pic>
-        <p:nvPicPr>
-          <p:cNvPr id="14" name="Content Placeholder 7">
-            <a:extLst>
-              <a:ext uri="{FF2B5EF4-FFF2-40B4-BE49-F238E27FC236}">
-                <a16:creationId xmlns:a16="http://schemas.microsoft.com/office/drawing/2014/main" id="{530BF260-2675-4EE7-B151-B221F0719B9A}"/>
-              </a:ext>
-            </a:extLst>
-          </p:cNvPr>
-          <p:cNvPicPr>
-            <a:picLocks noGrp="1" noChangeAspect="1"/>
-          </p:cNvPicPr>
-          <p:nvPr>
-            <p:ph sz="quarter" idx="4"/>
-          </p:nvPr>
-        </p:nvPicPr>
-        <p:blipFill>
-          <a:blip r:embed="rId3">
-            <a:extLst>
-              <a:ext uri="{28A0092B-C50C-407E-A947-70E740481C1C}">
-                <a14:useLocalDpi xmlns:a14="http://schemas.microsoft.com/office/drawing/2010/main" val="0"/>
-              </a:ext>
-            </a:extLst>
-          </a:blip>
-          <a:stretch>
-            <a:fillRect/>
-          </a:stretch>
-        </p:blipFill>
-        <p:spPr>
-          <a:xfrm>
-            <a:off x="5183981" y="1403350"/>
-            <a:ext cx="2963863" cy="2963863"/>
-          </a:xfrm>
-        </p:spPr>
-      </p:pic>
     </p:spTree>
     <p:extLst>
       <p:ext uri="{BB962C8B-B14F-4D97-AF65-F5344CB8AC3E}">
-        <p14:creationId xmlns:p14="http://schemas.microsoft.com/office/powerpoint/2010/main" val="2345338130"/>
+        <p14:creationId xmlns:p14="http://schemas.microsoft.com/office/powerpoint/2010/main" val="3977275107"/>
       </p:ext>
     </p:extLst>
   </p:cSld>
@@ -9159,7 +12212,7 @@
           <p:cNvPr id="2" name="Title 1">
             <a:extLst>
               <a:ext uri="{FF2B5EF4-FFF2-40B4-BE49-F238E27FC236}">
-                <a16:creationId xmlns:a16="http://schemas.microsoft.com/office/drawing/2014/main" id="{36F29C13-2977-42FE-AD0A-D3A1276BBE09}"/>
+                <a16:creationId xmlns:a16="http://schemas.microsoft.com/office/drawing/2014/main" id="{C172A5A9-1939-435B-8265-3838892A06C0}"/>
               </a:ext>
             </a:extLst>
           </p:cNvPr>
@@ -9177,25 +12230,124 @@
           <a:p>
             <a:r>
               <a:rPr lang="en-US" dirty="0"/>
-              <a:t>FDR and FNR distributions on </a:t>
-            </a:r>
-            <a:r>
-              <a:rPr lang="en-US" b="1" dirty="0"/>
-              <a:t>Interaction Estimation </a:t>
-            </a:r>
-            <a:r>
-              <a:rPr lang="en-US" dirty="0"/>
-              <a:t>after cross validation</a:t>
+              <a:t>Strong/Weak Signals</a:t>
             </a:r>
           </a:p>
         </p:txBody>
       </p:sp>
+      <mc:AlternateContent xmlns:mc="http://schemas.openxmlformats.org/markup-compatibility/2006">
+        <mc:Choice xmlns:a14="http://schemas.microsoft.com/office/drawing/2010/main" Requires="a14">
+          <p:sp>
+            <p:nvSpPr>
+              <p:cNvPr id="3" name="Content Placeholder 2">
+                <a:extLst>
+                  <a:ext uri="{FF2B5EF4-FFF2-40B4-BE49-F238E27FC236}">
+                    <a16:creationId xmlns:a16="http://schemas.microsoft.com/office/drawing/2014/main" id="{0C91EE3E-D371-492B-8FE1-2E7068B00D73}"/>
+                  </a:ext>
+                </a:extLst>
+              </p:cNvPr>
+              <p:cNvSpPr>
+                <a:spLocks noGrp="1"/>
+              </p:cNvSpPr>
+              <p:nvPr>
+                <p:ph idx="1"/>
+              </p:nvPr>
+            </p:nvSpPr>
+            <p:spPr/>
+            <p:txBody>
+              <a:bodyPr/>
+              <a:lstStyle/>
+              <a:p>
+                <a:r>
+                  <a:rPr lang="en-US" dirty="0"/>
+                  <a:t>The absolute of signals are leveled into four groups:</a:t>
+                </a:r>
+              </a:p>
+              <a:p>
+                <a:pPr lvl="1"/>
+                <a:r>
+                  <a:rPr lang="en-US" dirty="0"/>
+                  <a:t>(0, 0.1), (0.1, 0.4), (0.4, 0.85), (0.85, </a:t>
+                </a:r>
+                <a14:m>
+                  <m:oMath xmlns:m="http://schemas.openxmlformats.org/officeDocument/2006/math">
+                    <m:r>
+                      <a:rPr lang="en-US" b="0" i="0" smtClean="0">
+                        <a:latin typeface="Cambria Math" panose="02040503050406030204" pitchFamily="18" charset="0"/>
+                        <a:ea typeface="Cambria Math" panose="02040503050406030204" pitchFamily="18" charset="0"/>
+                      </a:rPr>
+                      <m:t>+</m:t>
+                    </m:r>
+                    <m:r>
+                      <a:rPr lang="en-US" i="1" smtClean="0">
+                        <a:latin typeface="Cambria Math" panose="02040503050406030204" pitchFamily="18" charset="0"/>
+                        <a:ea typeface="Cambria Math" panose="02040503050406030204" pitchFamily="18" charset="0"/>
+                      </a:rPr>
+                      <m:t>∞</m:t>
+                    </m:r>
+                  </m:oMath>
+                </a14:m>
+                <a:r>
+                  <a:rPr lang="en-US" dirty="0"/>
+                  <a:t>)	</a:t>
+                </a:r>
+              </a:p>
+              <a:p>
+                <a:pPr lvl="1"/>
+                <a:r>
+                  <a:rPr lang="en-US" dirty="0"/>
+                  <a:t>The proportion of four groups are: 8%, 22%, 30%, 40%</a:t>
+                </a:r>
+              </a:p>
+            </p:txBody>
+          </p:sp>
+        </mc:Choice>
+        <mc:Fallback>
+          <p:sp>
+            <p:nvSpPr>
+              <p:cNvPr id="3" name="Content Placeholder 2">
+                <a:extLst>
+                  <a:ext uri="{FF2B5EF4-FFF2-40B4-BE49-F238E27FC236}">
+                    <a16:creationId xmlns:a16="http://schemas.microsoft.com/office/drawing/2014/main" id="{0C91EE3E-D371-492B-8FE1-2E7068B00D73}"/>
+                  </a:ext>
+                </a:extLst>
+              </p:cNvPr>
+              <p:cNvSpPr>
+                <a:spLocks noGrp="1" noRot="1" noChangeAspect="1" noMove="1" noResize="1" noEditPoints="1" noAdjustHandles="1" noChangeArrowheads="1" noChangeShapeType="1" noTextEdit="1"/>
+              </p:cNvSpPr>
+              <p:nvPr>
+                <p:ph idx="1"/>
+              </p:nvPr>
+            </p:nvSpPr>
+            <p:spPr>
+              <a:blipFill>
+                <a:blip r:embed="rId2"/>
+                <a:stretch>
+                  <a:fillRect l="-1766" t="-831"/>
+                </a:stretch>
+              </a:blipFill>
+            </p:spPr>
+            <p:txBody>
+              <a:bodyPr/>
+              <a:lstStyle/>
+              <a:p>
+                <a:r>
+                  <a:rPr lang="en-US">
+                    <a:noFill/>
+                  </a:rPr>
+                  <a:t> </a:t>
+                </a:r>
+              </a:p>
+            </p:txBody>
+          </p:sp>
+        </mc:Fallback>
+      </mc:AlternateContent>
       <p:sp>
         <p:nvSpPr>
-          <p:cNvPr id="3" name="Text Placeholder 2">
+          <p:cNvPr id="4" name="Footer Placeholder 3">
             <a:extLst>
               <a:ext uri="{FF2B5EF4-FFF2-40B4-BE49-F238E27FC236}">
-                <a16:creationId xmlns:a16="http://schemas.microsoft.com/office/drawing/2014/main" id="{86970CA7-D371-4ACB-AF79-FD58B7A99A09}"/>
+                <a16:creationId xmlns:a16="http://schemas.microsoft.com/office/drawing/2014/main" id="{B3075A37-2132-4918-B2EE-E239114F3C67}"/>
               </a:ext>
             </a:extLst>
           </p:cNvPr>
@@ -9203,29 +12355,48 @@
             <a:spLocks noGrp="1"/>
           </p:cNvSpPr>
           <p:nvPr>
-            <p:ph type="body" idx="1"/>
+            <p:ph type="ftr" sz="quarter" idx="11"/>
           </p:nvPr>
         </p:nvSpPr>
         <p:spPr/>
         <p:txBody>
-          <a:bodyPr>
-            <a:normAutofit lnSpcReduction="10000"/>
-          </a:bodyPr>
+          <a:bodyPr/>
           <a:lstStyle/>
           <a:p>
             <a:r>
-              <a:rPr lang="en-US" dirty="0"/>
-              <a:t>FDR mean=0.396</a:t>
-            </a:r>
+              <a:rPr lang="ja-JP" altLang="en-US"/>
+              <a:t>｜</a:t>
+            </a:r>
+            <a:r>
+              <a:rPr lang="en-US" altLang="ja-JP"/>
+              <a:t>0000</a:t>
+            </a:r>
+            <a:r>
+              <a:rPr lang="ja-JP" altLang="en-US"/>
+              <a:t>　</a:t>
+            </a:r>
+            <a:r>
+              <a:rPr lang="en-US" altLang="ja-JP"/>
+              <a:t>|</a:t>
+            </a:r>
+            <a:r>
+              <a:rPr lang="ja-JP" altLang="en-US"/>
+              <a:t>　　</a:t>
+            </a:r>
+            <a:r>
+              <a:rPr lang="en-US" altLang="ja-JP"/>
+              <a:t>DDMMYY</a:t>
+            </a:r>
+            <a:endParaRPr lang="ja-JP" altLang="en-US" dirty="0"/>
           </a:p>
         </p:txBody>
       </p:sp>
       <p:sp>
         <p:nvSpPr>
-          <p:cNvPr id="5" name="Text Placeholder 4">
+          <p:cNvPr id="5" name="Slide Number Placeholder 4">
             <a:extLst>
               <a:ext uri="{FF2B5EF4-FFF2-40B4-BE49-F238E27FC236}">
-                <a16:creationId xmlns:a16="http://schemas.microsoft.com/office/drawing/2014/main" id="{F08FC9F3-F69E-4348-BD7D-E0FCAB83AE07}"/>
+                <a16:creationId xmlns:a16="http://schemas.microsoft.com/office/drawing/2014/main" id="{25B4D5E6-9A3B-4131-B4EB-8B1D5049CFDE}"/>
               </a:ext>
             </a:extLst>
           </p:cNvPr>
@@ -9233,85 +12404,6 @@
             <a:spLocks noGrp="1"/>
           </p:cNvSpPr>
           <p:nvPr>
-            <p:ph type="body" sz="quarter" idx="3"/>
-          </p:nvPr>
-        </p:nvSpPr>
-        <p:spPr/>
-        <p:txBody>
-          <a:bodyPr>
-            <a:normAutofit lnSpcReduction="10000"/>
-          </a:bodyPr>
-          <a:lstStyle/>
-          <a:p>
-            <a:r>
-              <a:rPr lang="en-US" dirty="0"/>
-              <a:t>FNR mean=0.196</a:t>
-            </a:r>
-          </a:p>
-        </p:txBody>
-      </p:sp>
-      <p:sp>
-        <p:nvSpPr>
-          <p:cNvPr id="7" name="Footer Placeholder 6">
-            <a:extLst>
-              <a:ext uri="{FF2B5EF4-FFF2-40B4-BE49-F238E27FC236}">
-                <a16:creationId xmlns:a16="http://schemas.microsoft.com/office/drawing/2014/main" id="{44FDA434-48EA-46D4-A5F1-B278BA391F90}"/>
-              </a:ext>
-            </a:extLst>
-          </p:cNvPr>
-          <p:cNvSpPr>
-            <a:spLocks noGrp="1"/>
-          </p:cNvSpPr>
-          <p:nvPr>
-            <p:ph type="ftr" sz="quarter" idx="11"/>
-          </p:nvPr>
-        </p:nvSpPr>
-        <p:spPr/>
-        <p:txBody>
-          <a:bodyPr/>
-          <a:lstStyle/>
-          <a:p>
-            <a:r>
-              <a:rPr lang="ja-JP" altLang="en-US"/>
-              <a:t>｜</a:t>
-            </a:r>
-            <a:r>
-              <a:rPr lang="en-US" altLang="ja-JP"/>
-              <a:t>0000</a:t>
-            </a:r>
-            <a:r>
-              <a:rPr lang="ja-JP" altLang="en-US"/>
-              <a:t>　</a:t>
-            </a:r>
-            <a:r>
-              <a:rPr lang="en-US" altLang="ja-JP"/>
-              <a:t>|</a:t>
-            </a:r>
-            <a:r>
-              <a:rPr lang="ja-JP" altLang="en-US"/>
-              <a:t>　　</a:t>
-            </a:r>
-            <a:r>
-              <a:rPr lang="en-US" altLang="ja-JP"/>
-              <a:t>DDMMYY</a:t>
-            </a:r>
-            <a:endParaRPr lang="ja-JP" altLang="en-US" dirty="0"/>
-          </a:p>
-        </p:txBody>
-      </p:sp>
-      <p:sp>
-        <p:nvSpPr>
-          <p:cNvPr id="8" name="Slide Number Placeholder 7">
-            <a:extLst>
-              <a:ext uri="{FF2B5EF4-FFF2-40B4-BE49-F238E27FC236}">
-                <a16:creationId xmlns:a16="http://schemas.microsoft.com/office/drawing/2014/main" id="{EF84C53B-822D-458A-81BE-7ACDCEEF1CCD}"/>
-              </a:ext>
-            </a:extLst>
-          </p:cNvPr>
-          <p:cNvSpPr>
-            <a:spLocks noGrp="1"/>
-          </p:cNvSpPr>
-          <p:nvPr>
             <p:ph type="sldNum" sz="quarter" idx="12"/>
           </p:nvPr>
         </p:nvSpPr>
@@ -9329,80 +12421,10 @@
           </a:p>
         </p:txBody>
       </p:sp>
-      <p:pic>
-        <p:nvPicPr>
-          <p:cNvPr id="9" name="Content Placeholder 7">
-            <a:extLst>
-              <a:ext uri="{FF2B5EF4-FFF2-40B4-BE49-F238E27FC236}">
-                <a16:creationId xmlns:a16="http://schemas.microsoft.com/office/drawing/2014/main" id="{3177896D-35E3-4323-BC9D-515F9BC9CCA3}"/>
-              </a:ext>
-            </a:extLst>
-          </p:cNvPr>
-          <p:cNvPicPr>
-            <a:picLocks noGrp="1" noChangeAspect="1"/>
-          </p:cNvPicPr>
-          <p:nvPr>
-            <p:ph sz="half" idx="2"/>
-          </p:nvPr>
-        </p:nvPicPr>
-        <p:blipFill>
-          <a:blip r:embed="rId2">
-            <a:extLst>
-              <a:ext uri="{28A0092B-C50C-407E-A947-70E740481C1C}">
-                <a14:useLocalDpi xmlns:a14="http://schemas.microsoft.com/office/drawing/2010/main" val="0"/>
-              </a:ext>
-            </a:extLst>
-          </a:blip>
-          <a:stretch>
-            <a:fillRect/>
-          </a:stretch>
-        </p:blipFill>
-        <p:spPr>
-          <a:xfrm>
-            <a:off x="966941" y="1403350"/>
-            <a:ext cx="2968319" cy="2963863"/>
-          </a:xfrm>
-        </p:spPr>
-      </p:pic>
-      <p:pic>
-        <p:nvPicPr>
-          <p:cNvPr id="10" name="Content Placeholder 9">
-            <a:extLst>
-              <a:ext uri="{FF2B5EF4-FFF2-40B4-BE49-F238E27FC236}">
-                <a16:creationId xmlns:a16="http://schemas.microsoft.com/office/drawing/2014/main" id="{E28A42AC-EFA6-413A-979B-BCA812B79A83}"/>
-              </a:ext>
-            </a:extLst>
-          </p:cNvPr>
-          <p:cNvPicPr>
-            <a:picLocks noGrp="1" noChangeAspect="1"/>
-          </p:cNvPicPr>
-          <p:nvPr>
-            <p:ph sz="quarter" idx="4"/>
-          </p:nvPr>
-        </p:nvPicPr>
-        <p:blipFill>
-          <a:blip r:embed="rId3">
-            <a:extLst>
-              <a:ext uri="{28A0092B-C50C-407E-A947-70E740481C1C}">
-                <a14:useLocalDpi xmlns:a14="http://schemas.microsoft.com/office/drawing/2010/main" val="0"/>
-              </a:ext>
-            </a:extLst>
-          </a:blip>
-          <a:stretch>
-            <a:fillRect/>
-          </a:stretch>
-        </p:blipFill>
-        <p:spPr>
-          <a:xfrm>
-            <a:off x="5181753" y="1403350"/>
-            <a:ext cx="2968319" cy="2963863"/>
-          </a:xfrm>
-        </p:spPr>
-      </p:pic>
     </p:spTree>
     <p:extLst>
       <p:ext uri="{BB962C8B-B14F-4D97-AF65-F5344CB8AC3E}">
-        <p14:creationId xmlns:p14="http://schemas.microsoft.com/office/powerpoint/2010/main" val="3194403021"/>
+        <p14:creationId xmlns:p14="http://schemas.microsoft.com/office/powerpoint/2010/main" val="1571896830"/>
       </p:ext>
     </p:extLst>
   </p:cSld>
@@ -9434,7 +12456,7 @@
           <p:cNvPr id="2" name="Title 1">
             <a:extLst>
               <a:ext uri="{FF2B5EF4-FFF2-40B4-BE49-F238E27FC236}">
-                <a16:creationId xmlns:a16="http://schemas.microsoft.com/office/drawing/2014/main" id="{906C1FF2-FF2B-480F-ADC7-19B2F47A4156}"/>
+                <a16:creationId xmlns:a16="http://schemas.microsoft.com/office/drawing/2014/main" id="{89C10A67-AE18-4C1A-906A-622E2CC97513}"/>
               </a:ext>
             </a:extLst>
           </p:cNvPr>
@@ -9452,25 +12474,17 @@
           <a:p>
             <a:r>
               <a:rPr lang="en-US" dirty="0"/>
-              <a:t>FDR and FNR when </a:t>
-            </a:r>
-            <a:r>
-              <a:rPr lang="el-GR" dirty="0"/>
-              <a:t>λ</a:t>
-            </a:r>
-            <a:r>
-              <a:rPr lang="en-US" dirty="0"/>
-              <a:t>=0.75</a:t>
+              <a:t>Others</a:t>
             </a:r>
           </a:p>
         </p:txBody>
       </p:sp>
       <p:sp>
         <p:nvSpPr>
-          <p:cNvPr id="3" name="Text Placeholder 2">
+          <p:cNvPr id="3" name="Content Placeholder 2">
             <a:extLst>
               <a:ext uri="{FF2B5EF4-FFF2-40B4-BE49-F238E27FC236}">
-                <a16:creationId xmlns:a16="http://schemas.microsoft.com/office/drawing/2014/main" id="{B5063181-390B-4FFF-8C9A-A612D629A510}"/>
+                <a16:creationId xmlns:a16="http://schemas.microsoft.com/office/drawing/2014/main" id="{4AAC5CEB-1426-4F6E-8237-394D8B740994}"/>
               </a:ext>
             </a:extLst>
           </p:cNvPr>
@@ -9478,29 +12492,48 @@
             <a:spLocks noGrp="1"/>
           </p:cNvSpPr>
           <p:nvPr>
-            <p:ph type="body" idx="1"/>
+            <p:ph idx="1"/>
           </p:nvPr>
         </p:nvSpPr>
         <p:spPr/>
         <p:txBody>
-          <a:bodyPr>
-            <a:normAutofit lnSpcReduction="10000"/>
-          </a:bodyPr>
+          <a:bodyPr/>
           <a:lstStyle/>
           <a:p>
             <a:r>
               <a:rPr lang="en-US" dirty="0"/>
-              <a:t>FDR Mean=0.33</a:t>
-            </a:r>
+              <a:t>False Discovery Rate (FDR)</a:t>
+            </a:r>
+          </a:p>
+          <a:p>
+            <a:r>
+              <a:rPr lang="en-US" dirty="0"/>
+              <a:t>False Negative Rate (FNR)</a:t>
+            </a:r>
+          </a:p>
+          <a:p>
+            <a:r>
+              <a:rPr lang="en-US" dirty="0"/>
+              <a:t>Optimal Lambda</a:t>
+            </a:r>
+          </a:p>
+          <a:p>
+            <a:r>
+              <a:rPr lang="en-US" dirty="0"/>
+              <a:t>MSE</a:t>
+            </a:r>
+          </a:p>
+          <a:p>
+            <a:endParaRPr lang="en-US" dirty="0"/>
           </a:p>
         </p:txBody>
       </p:sp>
       <p:sp>
         <p:nvSpPr>
-          <p:cNvPr id="5" name="Text Placeholder 4">
+          <p:cNvPr id="4" name="Footer Placeholder 3">
             <a:extLst>
               <a:ext uri="{FF2B5EF4-FFF2-40B4-BE49-F238E27FC236}">
-                <a16:creationId xmlns:a16="http://schemas.microsoft.com/office/drawing/2014/main" id="{528A90DA-B20C-4BA1-8F68-4A44928CE83D}"/>
+                <a16:creationId xmlns:a16="http://schemas.microsoft.com/office/drawing/2014/main" id="{59CE7BD2-924A-4F7F-82BA-2540051D7E75}"/>
               </a:ext>
             </a:extLst>
           </p:cNvPr>
@@ -9508,29 +12541,48 @@
             <a:spLocks noGrp="1"/>
           </p:cNvSpPr>
           <p:nvPr>
-            <p:ph type="body" sz="quarter" idx="3"/>
+            <p:ph type="ftr" sz="quarter" idx="11"/>
           </p:nvPr>
         </p:nvSpPr>
         <p:spPr/>
         <p:txBody>
-          <a:bodyPr>
-            <a:normAutofit lnSpcReduction="10000"/>
-          </a:bodyPr>
+          <a:bodyPr/>
           <a:lstStyle/>
           <a:p>
             <a:r>
-              <a:rPr lang="en-US" dirty="0"/>
-              <a:t>FNR Mean=0.27</a:t>
-            </a:r>
+              <a:rPr lang="ja-JP" altLang="en-US"/>
+              <a:t>｜</a:t>
+            </a:r>
+            <a:r>
+              <a:rPr lang="en-US" altLang="ja-JP"/>
+              <a:t>0000</a:t>
+            </a:r>
+            <a:r>
+              <a:rPr lang="ja-JP" altLang="en-US"/>
+              <a:t>　</a:t>
+            </a:r>
+            <a:r>
+              <a:rPr lang="en-US" altLang="ja-JP"/>
+              <a:t>|</a:t>
+            </a:r>
+            <a:r>
+              <a:rPr lang="ja-JP" altLang="en-US"/>
+              <a:t>　　</a:t>
+            </a:r>
+            <a:r>
+              <a:rPr lang="en-US" altLang="ja-JP"/>
+              <a:t>DDMMYY</a:t>
+            </a:r>
+            <a:endParaRPr lang="ja-JP" altLang="en-US" dirty="0"/>
           </a:p>
         </p:txBody>
       </p:sp>
       <p:sp>
         <p:nvSpPr>
-          <p:cNvPr id="7" name="Footer Placeholder 6">
+          <p:cNvPr id="5" name="Slide Number Placeholder 4">
             <a:extLst>
               <a:ext uri="{FF2B5EF4-FFF2-40B4-BE49-F238E27FC236}">
-                <a16:creationId xmlns:a16="http://schemas.microsoft.com/office/drawing/2014/main" id="{C8A00736-0195-4538-B301-6A78370C1D2C}"/>
+                <a16:creationId xmlns:a16="http://schemas.microsoft.com/office/drawing/2014/main" id="{BD9579F0-FCB7-4E65-BB45-71B982487D90}"/>
               </a:ext>
             </a:extLst>
           </p:cNvPr>
@@ -9538,55 +12590,6 @@
             <a:spLocks noGrp="1"/>
           </p:cNvSpPr>
           <p:nvPr>
-            <p:ph type="ftr" sz="quarter" idx="11"/>
-          </p:nvPr>
-        </p:nvSpPr>
-        <p:spPr/>
-        <p:txBody>
-          <a:bodyPr/>
-          <a:lstStyle/>
-          <a:p>
-            <a:r>
-              <a:rPr lang="ja-JP" altLang="en-US"/>
-              <a:t>｜</a:t>
-            </a:r>
-            <a:r>
-              <a:rPr lang="en-US" altLang="ja-JP"/>
-              <a:t>0000</a:t>
-            </a:r>
-            <a:r>
-              <a:rPr lang="ja-JP" altLang="en-US"/>
-              <a:t>　</a:t>
-            </a:r>
-            <a:r>
-              <a:rPr lang="en-US" altLang="ja-JP"/>
-              <a:t>|</a:t>
-            </a:r>
-            <a:r>
-              <a:rPr lang="ja-JP" altLang="en-US"/>
-              <a:t>　　</a:t>
-            </a:r>
-            <a:r>
-              <a:rPr lang="en-US" altLang="ja-JP"/>
-              <a:t>DDMMYY</a:t>
-            </a:r>
-            <a:endParaRPr lang="ja-JP" altLang="en-US" dirty="0"/>
-          </a:p>
-        </p:txBody>
-      </p:sp>
-      <p:sp>
-        <p:nvSpPr>
-          <p:cNvPr id="8" name="Slide Number Placeholder 7">
-            <a:extLst>
-              <a:ext uri="{FF2B5EF4-FFF2-40B4-BE49-F238E27FC236}">
-                <a16:creationId xmlns:a16="http://schemas.microsoft.com/office/drawing/2014/main" id="{6BA900CE-FEEE-428C-BF26-CFF8F808EA67}"/>
-              </a:ext>
-            </a:extLst>
-          </p:cNvPr>
-          <p:cNvSpPr>
-            <a:spLocks noGrp="1"/>
-          </p:cNvSpPr>
-          <p:nvPr>
             <p:ph type="sldNum" sz="quarter" idx="12"/>
           </p:nvPr>
         </p:nvSpPr>
@@ -9604,80 +12607,10 @@
           </a:p>
         </p:txBody>
       </p:sp>
-      <p:pic>
-        <p:nvPicPr>
-          <p:cNvPr id="9" name="Content Placeholder 7">
-            <a:extLst>
-              <a:ext uri="{FF2B5EF4-FFF2-40B4-BE49-F238E27FC236}">
-                <a16:creationId xmlns:a16="http://schemas.microsoft.com/office/drawing/2014/main" id="{65A15BC5-03DB-4375-9208-0B007CFDE29F}"/>
-              </a:ext>
-            </a:extLst>
-          </p:cNvPr>
-          <p:cNvPicPr>
-            <a:picLocks noGrp="1" noChangeAspect="1"/>
-          </p:cNvPicPr>
-          <p:nvPr>
-            <p:ph sz="half" idx="2"/>
-          </p:nvPr>
-        </p:nvPicPr>
-        <p:blipFill>
-          <a:blip r:embed="rId2">
-            <a:extLst>
-              <a:ext uri="{28A0092B-C50C-407E-A947-70E740481C1C}">
-                <a14:useLocalDpi xmlns:a14="http://schemas.microsoft.com/office/drawing/2010/main" val="0"/>
-              </a:ext>
-            </a:extLst>
-          </a:blip>
-          <a:stretch>
-            <a:fillRect/>
-          </a:stretch>
-        </p:blipFill>
-        <p:spPr>
-          <a:xfrm>
-            <a:off x="969169" y="1403350"/>
-            <a:ext cx="2963863" cy="2963863"/>
-          </a:xfrm>
-        </p:spPr>
-      </p:pic>
-      <p:pic>
-        <p:nvPicPr>
-          <p:cNvPr id="10" name="Content Placeholder 9">
-            <a:extLst>
-              <a:ext uri="{FF2B5EF4-FFF2-40B4-BE49-F238E27FC236}">
-                <a16:creationId xmlns:a16="http://schemas.microsoft.com/office/drawing/2014/main" id="{8B926A3F-1E21-424A-825C-4EFEC5200A07}"/>
-              </a:ext>
-            </a:extLst>
-          </p:cNvPr>
-          <p:cNvPicPr>
-            <a:picLocks noGrp="1" noChangeAspect="1"/>
-          </p:cNvPicPr>
-          <p:nvPr>
-            <p:ph sz="quarter" idx="4"/>
-          </p:nvPr>
-        </p:nvPicPr>
-        <p:blipFill>
-          <a:blip r:embed="rId3">
-            <a:extLst>
-              <a:ext uri="{28A0092B-C50C-407E-A947-70E740481C1C}">
-                <a14:useLocalDpi xmlns:a14="http://schemas.microsoft.com/office/drawing/2010/main" val="0"/>
-              </a:ext>
-            </a:extLst>
-          </a:blip>
-          <a:stretch>
-            <a:fillRect/>
-          </a:stretch>
-        </p:blipFill>
-        <p:spPr>
-          <a:xfrm>
-            <a:off x="5183981" y="1403350"/>
-            <a:ext cx="2963863" cy="2963863"/>
-          </a:xfrm>
-        </p:spPr>
-      </p:pic>
     </p:spTree>
     <p:extLst>
       <p:ext uri="{BB962C8B-B14F-4D97-AF65-F5344CB8AC3E}">
-        <p14:creationId xmlns:p14="http://schemas.microsoft.com/office/powerpoint/2010/main" val="4181389090"/>
+        <p14:creationId xmlns:p14="http://schemas.microsoft.com/office/powerpoint/2010/main" val="4043343171"/>
       </p:ext>
     </p:extLst>
   </p:cSld>
@@ -9706,10 +12639,10 @@
       </p:grpSpPr>
       <p:sp>
         <p:nvSpPr>
-          <p:cNvPr id="2" name="Title 1">
+          <p:cNvPr id="2" name="Text Placeholder 1">
             <a:extLst>
               <a:ext uri="{FF2B5EF4-FFF2-40B4-BE49-F238E27FC236}">
-                <a16:creationId xmlns:a16="http://schemas.microsoft.com/office/drawing/2014/main" id="{86505D91-1B84-4812-B05A-2B37B5679223}"/>
+                <a16:creationId xmlns:a16="http://schemas.microsoft.com/office/drawing/2014/main" id="{7DC0E089-1CF0-4288-9F91-593E2EF4F9D6}"/>
               </a:ext>
             </a:extLst>
           </p:cNvPr>
@@ -9717,7 +12650,7 @@
             <a:spLocks noGrp="1"/>
           </p:cNvSpPr>
           <p:nvPr>
-            <p:ph type="title"/>
+            <p:ph type="body" sz="quarter" idx="10"/>
           </p:nvPr>
         </p:nvSpPr>
         <p:spPr/>
@@ -9727,134 +12660,15 @@
           <a:p>
             <a:r>
               <a:rPr lang="en-US" dirty="0"/>
-              <a:t>Possible Reasons for Poor Performance</a:t>
-            </a:r>
-          </a:p>
-        </p:txBody>
-      </p:sp>
-      <p:sp>
-        <p:nvSpPr>
-          <p:cNvPr id="3" name="Content Placeholder 2">
-            <a:extLst>
-              <a:ext uri="{FF2B5EF4-FFF2-40B4-BE49-F238E27FC236}">
-                <a16:creationId xmlns:a16="http://schemas.microsoft.com/office/drawing/2014/main" id="{8957D933-4F4B-4D3F-96ED-3BA5464F0625}"/>
-              </a:ext>
-            </a:extLst>
-          </p:cNvPr>
-          <p:cNvSpPr>
-            <a:spLocks noGrp="1"/>
-          </p:cNvSpPr>
-          <p:nvPr>
-            <p:ph idx="1"/>
-          </p:nvPr>
-        </p:nvSpPr>
-        <p:spPr/>
-        <p:txBody>
-          <a:bodyPr/>
-          <a:lstStyle/>
-          <a:p>
-            <a:r>
-              <a:rPr lang="en-US" dirty="0"/>
-              <a:t>Some false discoveries were induced by minor noises, which could be discarded by selecting top main/interaction effects with stronger signals.</a:t>
-            </a:r>
-          </a:p>
-          <a:p>
-            <a:endParaRPr lang="en-US" dirty="0"/>
-          </a:p>
-          <a:p>
-            <a:r>
-              <a:rPr lang="en-US" dirty="0"/>
-              <a:t>Solution: Only keep top non-zero interaction effects ( i.e. 20% out of 20 interactions)</a:t>
-            </a:r>
-          </a:p>
-          <a:p>
-            <a:endParaRPr lang="en-US" dirty="0"/>
-          </a:p>
-        </p:txBody>
-      </p:sp>
-      <p:sp>
-        <p:nvSpPr>
-          <p:cNvPr id="4" name="Footer Placeholder 3">
-            <a:extLst>
-              <a:ext uri="{FF2B5EF4-FFF2-40B4-BE49-F238E27FC236}">
-                <a16:creationId xmlns:a16="http://schemas.microsoft.com/office/drawing/2014/main" id="{7DE24944-CE36-4B1E-8591-9AE3A73FB110}"/>
-              </a:ext>
-            </a:extLst>
-          </p:cNvPr>
-          <p:cNvSpPr>
-            <a:spLocks noGrp="1"/>
-          </p:cNvSpPr>
-          <p:nvPr>
-            <p:ph type="ftr" sz="quarter" idx="11"/>
-          </p:nvPr>
-        </p:nvSpPr>
-        <p:spPr/>
-        <p:txBody>
-          <a:bodyPr/>
-          <a:lstStyle/>
-          <a:p>
-            <a:r>
-              <a:rPr lang="ja-JP" altLang="en-US"/>
-              <a:t>｜</a:t>
-            </a:r>
-            <a:r>
-              <a:rPr lang="en-US" altLang="ja-JP"/>
-              <a:t>0000</a:t>
-            </a:r>
-            <a:r>
-              <a:rPr lang="ja-JP" altLang="en-US"/>
-              <a:t>　</a:t>
-            </a:r>
-            <a:r>
-              <a:rPr lang="en-US" altLang="ja-JP"/>
-              <a:t>|</a:t>
-            </a:r>
-            <a:r>
-              <a:rPr lang="ja-JP" altLang="en-US"/>
-              <a:t>　　</a:t>
-            </a:r>
-            <a:r>
-              <a:rPr lang="en-US" altLang="ja-JP"/>
-              <a:t>DDMMYY</a:t>
-            </a:r>
-            <a:endParaRPr lang="ja-JP" altLang="en-US" dirty="0"/>
-          </a:p>
-        </p:txBody>
-      </p:sp>
-      <p:sp>
-        <p:nvSpPr>
-          <p:cNvPr id="5" name="Slide Number Placeholder 4">
-            <a:extLst>
-              <a:ext uri="{FF2B5EF4-FFF2-40B4-BE49-F238E27FC236}">
-                <a16:creationId xmlns:a16="http://schemas.microsoft.com/office/drawing/2014/main" id="{7C668280-461F-416D-B7AF-1679B2B7CE0F}"/>
-              </a:ext>
-            </a:extLst>
-          </p:cNvPr>
-          <p:cNvSpPr>
-            <a:spLocks noGrp="1"/>
-          </p:cNvSpPr>
-          <p:nvPr>
-            <p:ph type="sldNum" sz="quarter" idx="12"/>
-          </p:nvPr>
-        </p:nvSpPr>
-        <p:spPr/>
-        <p:txBody>
-          <a:bodyPr/>
-          <a:lstStyle/>
-          <a:p>
-            <a:fld id="{E9B57936-92EF-4126-AE48-1D9D36D15E98}" type="slidenum">
-              <a:rPr kumimoji="1" lang="ja-JP" altLang="en-US" smtClean="0"/>
-              <a:pPr/>
-              <a:t>6</a:t>
-            </a:fld>
-            <a:endParaRPr kumimoji="1" lang="ja-JP" altLang="en-US" dirty="0"/>
+              <a:t>30 genes</a:t>
+            </a:r>
           </a:p>
         </p:txBody>
       </p:sp>
     </p:spTree>
     <p:extLst>
       <p:ext uri="{BB962C8B-B14F-4D97-AF65-F5344CB8AC3E}">
-        <p14:creationId xmlns:p14="http://schemas.microsoft.com/office/powerpoint/2010/main" val="2295488633"/>
+        <p14:creationId xmlns:p14="http://schemas.microsoft.com/office/powerpoint/2010/main" val="747403185"/>
       </p:ext>
     </p:extLst>
   </p:cSld>
@@ -9886,7 +12700,7 @@
           <p:cNvPr id="2" name="Title 1">
             <a:extLst>
               <a:ext uri="{FF2B5EF4-FFF2-40B4-BE49-F238E27FC236}">
-                <a16:creationId xmlns:a16="http://schemas.microsoft.com/office/drawing/2014/main" id="{22DF4027-FD21-44CD-AE6D-7CD362C1F1EF}"/>
+                <a16:creationId xmlns:a16="http://schemas.microsoft.com/office/drawing/2014/main" id="{06D5DA9A-9EC9-4ECA-9122-83F63B48B762}"/>
               </a:ext>
             </a:extLst>
           </p:cNvPr>
@@ -9904,7 +12718,7 @@
           <a:p>
             <a:r>
               <a:rPr lang="en-US" dirty="0"/>
-              <a:t>After top selection</a:t>
+              <a:t>FDR</a:t>
             </a:r>
           </a:p>
         </p:txBody>
@@ -9914,7 +12728,7 @@
           <p:cNvPr id="3" name="Text Placeholder 2">
             <a:extLst>
               <a:ext uri="{FF2B5EF4-FFF2-40B4-BE49-F238E27FC236}">
-                <a16:creationId xmlns:a16="http://schemas.microsoft.com/office/drawing/2014/main" id="{3A923E9F-E1F4-4ACE-85DB-A682A852B3D9}"/>
+                <a16:creationId xmlns:a16="http://schemas.microsoft.com/office/drawing/2014/main" id="{783A6151-D98E-4ADD-B8D8-7A80912487F3}"/>
               </a:ext>
             </a:extLst>
           </p:cNvPr>
@@ -9934,126 +12748,17 @@
           <a:p>
             <a:r>
               <a:rPr lang="en-US" dirty="0"/>
-              <a:t>FDR mean=0.27</a:t>
-            </a:r>
-          </a:p>
-        </p:txBody>
-      </p:sp>
-      <p:sp>
-        <p:nvSpPr>
-          <p:cNvPr id="5" name="Text Placeholder 4">
-            <a:extLst>
-              <a:ext uri="{FF2B5EF4-FFF2-40B4-BE49-F238E27FC236}">
-                <a16:creationId xmlns:a16="http://schemas.microsoft.com/office/drawing/2014/main" id="{040CF0D8-E52E-47EE-AA0B-9FFFA989B206}"/>
-              </a:ext>
-            </a:extLst>
-          </p:cNvPr>
-          <p:cNvSpPr>
-            <a:spLocks noGrp="1"/>
-          </p:cNvSpPr>
-          <p:nvPr>
-            <p:ph type="body" sz="quarter" idx="3"/>
-          </p:nvPr>
-        </p:nvSpPr>
-        <p:spPr/>
-        <p:txBody>
-          <a:bodyPr>
-            <a:normAutofit lnSpcReduction="10000"/>
-          </a:bodyPr>
-          <a:lstStyle/>
-          <a:p>
-            <a:r>
-              <a:rPr lang="en-US" dirty="0"/>
-              <a:t>FNR mean=0.2825</a:t>
-            </a:r>
-          </a:p>
-        </p:txBody>
-      </p:sp>
-      <p:sp>
-        <p:nvSpPr>
-          <p:cNvPr id="7" name="Footer Placeholder 6">
-            <a:extLst>
-              <a:ext uri="{FF2B5EF4-FFF2-40B4-BE49-F238E27FC236}">
-                <a16:creationId xmlns:a16="http://schemas.microsoft.com/office/drawing/2014/main" id="{D47C193C-6625-43C2-80FD-3B1633F66A8A}"/>
-              </a:ext>
-            </a:extLst>
-          </p:cNvPr>
-          <p:cNvSpPr>
-            <a:spLocks noGrp="1"/>
-          </p:cNvSpPr>
-          <p:nvPr>
-            <p:ph type="ftr" sz="quarter" idx="11"/>
-          </p:nvPr>
-        </p:nvSpPr>
-        <p:spPr/>
-        <p:txBody>
-          <a:bodyPr/>
-          <a:lstStyle/>
-          <a:p>
-            <a:r>
-              <a:rPr lang="ja-JP" altLang="en-US"/>
-              <a:t>｜</a:t>
-            </a:r>
-            <a:r>
-              <a:rPr lang="en-US" altLang="ja-JP"/>
-              <a:t>0000</a:t>
-            </a:r>
-            <a:r>
-              <a:rPr lang="ja-JP" altLang="en-US"/>
-              <a:t>　</a:t>
-            </a:r>
-            <a:r>
-              <a:rPr lang="en-US" altLang="ja-JP"/>
-              <a:t>|</a:t>
-            </a:r>
-            <a:r>
-              <a:rPr lang="ja-JP" altLang="en-US"/>
-              <a:t>　　</a:t>
-            </a:r>
-            <a:r>
-              <a:rPr lang="en-US" altLang="ja-JP"/>
-              <a:t>DDMMYY</a:t>
-            </a:r>
-            <a:endParaRPr lang="ja-JP" altLang="en-US" dirty="0"/>
-          </a:p>
-        </p:txBody>
-      </p:sp>
-      <p:sp>
-        <p:nvSpPr>
-          <p:cNvPr id="8" name="Slide Number Placeholder 7">
-            <a:extLst>
-              <a:ext uri="{FF2B5EF4-FFF2-40B4-BE49-F238E27FC236}">
-                <a16:creationId xmlns:a16="http://schemas.microsoft.com/office/drawing/2014/main" id="{808116D9-3980-4894-ACD3-E2F50F0A3185}"/>
-              </a:ext>
-            </a:extLst>
-          </p:cNvPr>
-          <p:cNvSpPr>
-            <a:spLocks noGrp="1"/>
-          </p:cNvSpPr>
-          <p:nvPr>
-            <p:ph type="sldNum" sz="quarter" idx="12"/>
-          </p:nvPr>
-        </p:nvSpPr>
-        <p:spPr/>
-        <p:txBody>
-          <a:bodyPr/>
-          <a:lstStyle/>
-          <a:p>
-            <a:fld id="{E9B57936-92EF-4126-AE48-1D9D36D15E98}" type="slidenum">
-              <a:rPr kumimoji="1" lang="ja-JP" altLang="en-US" smtClean="0"/>
-              <a:pPr/>
-              <a:t>7</a:t>
-            </a:fld>
-            <a:endParaRPr kumimoji="1" lang="ja-JP" altLang="en-US" dirty="0"/>
+              <a:t>Main</a:t>
+            </a:r>
           </a:p>
         </p:txBody>
       </p:sp>
       <p:pic>
         <p:nvPicPr>
-          <p:cNvPr id="9" name="Content Placeholder 7">
+          <p:cNvPr id="10" name="Content Placeholder 9">
             <a:extLst>
               <a:ext uri="{FF2B5EF4-FFF2-40B4-BE49-F238E27FC236}">
-                <a16:creationId xmlns:a16="http://schemas.microsoft.com/office/drawing/2014/main" id="{9D55C437-1AC6-4450-A60F-7DF43A41D167}"/>
+                <a16:creationId xmlns:a16="http://schemas.microsoft.com/office/drawing/2014/main" id="{E438DB2E-C0F4-4456-BB2C-CF0B5ECE2600}"/>
               </a:ext>
             </a:extLst>
           </p:cNvPr>
@@ -10078,17 +12783,47 @@
         </p:blipFill>
         <p:spPr>
           <a:xfrm>
-            <a:off x="969169" y="1403350"/>
-            <a:ext cx="2963863" cy="2963863"/>
+            <a:off x="404813" y="1732077"/>
+            <a:ext cx="4092575" cy="2306408"/>
           </a:xfrm>
         </p:spPr>
       </p:pic>
+      <p:sp>
+        <p:nvSpPr>
+          <p:cNvPr id="5" name="Text Placeholder 4">
+            <a:extLst>
+              <a:ext uri="{FF2B5EF4-FFF2-40B4-BE49-F238E27FC236}">
+                <a16:creationId xmlns:a16="http://schemas.microsoft.com/office/drawing/2014/main" id="{F25B34C4-4E30-4652-8309-EBCAB1918F85}"/>
+              </a:ext>
+            </a:extLst>
+          </p:cNvPr>
+          <p:cNvSpPr>
+            <a:spLocks noGrp="1"/>
+          </p:cNvSpPr>
+          <p:nvPr>
+            <p:ph type="body" sz="quarter" idx="3"/>
+          </p:nvPr>
+        </p:nvSpPr>
+        <p:spPr/>
+        <p:txBody>
+          <a:bodyPr>
+            <a:normAutofit lnSpcReduction="10000"/>
+          </a:bodyPr>
+          <a:lstStyle/>
+          <a:p>
+            <a:r>
+              <a:rPr lang="en-US" dirty="0"/>
+              <a:t>Interaction</a:t>
+            </a:r>
+          </a:p>
+        </p:txBody>
+      </p:sp>
       <p:pic>
         <p:nvPicPr>
-          <p:cNvPr id="10" name="Content Placeholder 9">
+          <p:cNvPr id="12" name="Content Placeholder 11">
             <a:extLst>
               <a:ext uri="{FF2B5EF4-FFF2-40B4-BE49-F238E27FC236}">
-                <a16:creationId xmlns:a16="http://schemas.microsoft.com/office/drawing/2014/main" id="{7D42CAA9-4CA6-49EE-8A67-EE843909677C}"/>
+                <a16:creationId xmlns:a16="http://schemas.microsoft.com/office/drawing/2014/main" id="{FE8E0B34-51DE-4C9D-9BF6-3F0BD01C829E}"/>
               </a:ext>
             </a:extLst>
           </p:cNvPr>
@@ -10113,15 +12848,94 @@
         </p:blipFill>
         <p:spPr>
           <a:xfrm>
-            <a:off x="5183981" y="1403350"/>
-            <a:ext cx="2963863" cy="2963863"/>
+            <a:off x="4645025" y="1746392"/>
+            <a:ext cx="4041775" cy="2277779"/>
           </a:xfrm>
         </p:spPr>
       </p:pic>
+      <p:sp>
+        <p:nvSpPr>
+          <p:cNvPr id="7" name="Footer Placeholder 6">
+            <a:extLst>
+              <a:ext uri="{FF2B5EF4-FFF2-40B4-BE49-F238E27FC236}">
+                <a16:creationId xmlns:a16="http://schemas.microsoft.com/office/drawing/2014/main" id="{0A46F92B-BA66-4A4F-A8F1-8F6A06CE1F87}"/>
+              </a:ext>
+            </a:extLst>
+          </p:cNvPr>
+          <p:cNvSpPr>
+            <a:spLocks noGrp="1"/>
+          </p:cNvSpPr>
+          <p:nvPr>
+            <p:ph type="ftr" sz="quarter" idx="11"/>
+          </p:nvPr>
+        </p:nvSpPr>
+        <p:spPr/>
+        <p:txBody>
+          <a:bodyPr/>
+          <a:lstStyle/>
+          <a:p>
+            <a:r>
+              <a:rPr lang="ja-JP" altLang="en-US"/>
+              <a:t>｜</a:t>
+            </a:r>
+            <a:r>
+              <a:rPr lang="en-US" altLang="ja-JP"/>
+              <a:t>0000</a:t>
+            </a:r>
+            <a:r>
+              <a:rPr lang="ja-JP" altLang="en-US"/>
+              <a:t>　</a:t>
+            </a:r>
+            <a:r>
+              <a:rPr lang="en-US" altLang="ja-JP"/>
+              <a:t>|</a:t>
+            </a:r>
+            <a:r>
+              <a:rPr lang="ja-JP" altLang="en-US"/>
+              <a:t>　　</a:t>
+            </a:r>
+            <a:r>
+              <a:rPr lang="en-US" altLang="ja-JP"/>
+              <a:t>DDMMYY</a:t>
+            </a:r>
+            <a:endParaRPr lang="ja-JP" altLang="en-US" dirty="0"/>
+          </a:p>
+        </p:txBody>
+      </p:sp>
+      <p:sp>
+        <p:nvSpPr>
+          <p:cNvPr id="8" name="Slide Number Placeholder 7">
+            <a:extLst>
+              <a:ext uri="{FF2B5EF4-FFF2-40B4-BE49-F238E27FC236}">
+                <a16:creationId xmlns:a16="http://schemas.microsoft.com/office/drawing/2014/main" id="{16D4CC7B-BFE7-46A0-B159-52F158EC7311}"/>
+              </a:ext>
+            </a:extLst>
+          </p:cNvPr>
+          <p:cNvSpPr>
+            <a:spLocks noGrp="1"/>
+          </p:cNvSpPr>
+          <p:nvPr>
+            <p:ph type="sldNum" sz="quarter" idx="12"/>
+          </p:nvPr>
+        </p:nvSpPr>
+        <p:spPr/>
+        <p:txBody>
+          <a:bodyPr/>
+          <a:lstStyle/>
+          <a:p>
+            <a:fld id="{E9B57936-92EF-4126-AE48-1D9D36D15E98}" type="slidenum">
+              <a:rPr kumimoji="1" lang="ja-JP" altLang="en-US" smtClean="0"/>
+              <a:pPr/>
+              <a:t>7</a:t>
+            </a:fld>
+            <a:endParaRPr kumimoji="1" lang="ja-JP" altLang="en-US" dirty="0"/>
+          </a:p>
+        </p:txBody>
+      </p:sp>
     </p:spTree>
     <p:extLst>
       <p:ext uri="{BB962C8B-B14F-4D97-AF65-F5344CB8AC3E}">
-        <p14:creationId xmlns:p14="http://schemas.microsoft.com/office/powerpoint/2010/main" val="932869694"/>
+        <p14:creationId xmlns:p14="http://schemas.microsoft.com/office/powerpoint/2010/main" val="1729304369"/>
       </p:ext>
     </p:extLst>
   </p:cSld>
@@ -10153,7 +12967,7 @@
           <p:cNvPr id="2" name="Title 1">
             <a:extLst>
               <a:ext uri="{FF2B5EF4-FFF2-40B4-BE49-F238E27FC236}">
-                <a16:creationId xmlns:a16="http://schemas.microsoft.com/office/drawing/2014/main" id="{8F62E188-8E15-4391-9B9A-EFED55FFAA46}"/>
+                <a16:creationId xmlns:a16="http://schemas.microsoft.com/office/drawing/2014/main" id="{06D5DA9A-9EC9-4ECA-9122-83F63B48B762}"/>
               </a:ext>
             </a:extLst>
           </p:cNvPr>
@@ -10171,17 +12985,17 @@
           <a:p>
             <a:r>
               <a:rPr lang="en-US" dirty="0"/>
-              <a:t>Possible Reason for Poor Performance</a:t>
+              <a:t>FNR</a:t>
             </a:r>
           </a:p>
         </p:txBody>
       </p:sp>
       <p:sp>
         <p:nvSpPr>
-          <p:cNvPr id="3" name="Content Placeholder 2">
+          <p:cNvPr id="3" name="Text Placeholder 2">
             <a:extLst>
               <a:ext uri="{FF2B5EF4-FFF2-40B4-BE49-F238E27FC236}">
-                <a16:creationId xmlns:a16="http://schemas.microsoft.com/office/drawing/2014/main" id="{844E76FD-C84D-4035-9D3F-E95C9A9361A1}"/>
+                <a16:creationId xmlns:a16="http://schemas.microsoft.com/office/drawing/2014/main" id="{783A6151-D98E-4ADD-B8D8-7A80912487F3}"/>
               </a:ext>
             </a:extLst>
           </p:cNvPr>
@@ -10189,27 +13003,64 @@
             <a:spLocks noGrp="1"/>
           </p:cNvSpPr>
           <p:nvPr>
-            <p:ph idx="1"/>
+            <p:ph type="body" idx="1"/>
           </p:nvPr>
         </p:nvSpPr>
         <p:spPr/>
         <p:txBody>
-          <a:bodyPr/>
+          <a:bodyPr>
+            <a:normAutofit lnSpcReduction="10000"/>
+          </a:bodyPr>
           <a:lstStyle/>
           <a:p>
             <a:r>
               <a:rPr lang="en-US" dirty="0"/>
-              <a:t>Example (Next slide)</a:t>
+              <a:t>Main</a:t>
             </a:r>
           </a:p>
         </p:txBody>
       </p:sp>
+      <p:pic>
+        <p:nvPicPr>
+          <p:cNvPr id="10" name="Content Placeholder 9">
+            <a:extLst>
+              <a:ext uri="{FF2B5EF4-FFF2-40B4-BE49-F238E27FC236}">
+                <a16:creationId xmlns:a16="http://schemas.microsoft.com/office/drawing/2014/main" id="{82457C63-3786-4BF1-8740-43FED14C7C1E}"/>
+              </a:ext>
+            </a:extLst>
+          </p:cNvPr>
+          <p:cNvPicPr>
+            <a:picLocks noGrp="1" noChangeAspect="1"/>
+          </p:cNvPicPr>
+          <p:nvPr>
+            <p:ph sz="half" idx="2"/>
+          </p:nvPr>
+        </p:nvPicPr>
+        <p:blipFill>
+          <a:blip r:embed="rId2">
+            <a:extLst>
+              <a:ext uri="{28A0092B-C50C-407E-A947-70E740481C1C}">
+                <a14:useLocalDpi xmlns:a14="http://schemas.microsoft.com/office/drawing/2010/main" val="0"/>
+              </a:ext>
+            </a:extLst>
+          </a:blip>
+          <a:stretch>
+            <a:fillRect/>
+          </a:stretch>
+        </p:blipFill>
+        <p:spPr>
+          <a:xfrm>
+            <a:off x="404813" y="1732077"/>
+            <a:ext cx="4092575" cy="2306408"/>
+          </a:xfrm>
+        </p:spPr>
+      </p:pic>
       <p:sp>
         <p:nvSpPr>
-          <p:cNvPr id="4" name="Footer Placeholder 3">
+          <p:cNvPr id="5" name="Text Placeholder 4">
             <a:extLst>
               <a:ext uri="{FF2B5EF4-FFF2-40B4-BE49-F238E27FC236}">
-                <a16:creationId xmlns:a16="http://schemas.microsoft.com/office/drawing/2014/main" id="{E3E8D5F2-BED2-4348-9D2D-7C9EA9619B10}"/>
+                <a16:creationId xmlns:a16="http://schemas.microsoft.com/office/drawing/2014/main" id="{F25B34C4-4E30-4652-8309-EBCAB1918F85}"/>
               </a:ext>
             </a:extLst>
           </p:cNvPr>
@@ -10217,48 +13068,64 @@
             <a:spLocks noGrp="1"/>
           </p:cNvSpPr>
           <p:nvPr>
-            <p:ph type="ftr" sz="quarter" idx="11"/>
+            <p:ph type="body" sz="quarter" idx="3"/>
           </p:nvPr>
         </p:nvSpPr>
         <p:spPr/>
         <p:txBody>
-          <a:bodyPr/>
+          <a:bodyPr>
+            <a:normAutofit lnSpcReduction="10000"/>
+          </a:bodyPr>
           <a:lstStyle/>
           <a:p>
             <a:r>
-              <a:rPr lang="ja-JP" altLang="en-US"/>
-              <a:t>｜</a:t>
-            </a:r>
-            <a:r>
-              <a:rPr lang="en-US" altLang="ja-JP"/>
-              <a:t>0000</a:t>
-            </a:r>
-            <a:r>
-              <a:rPr lang="ja-JP" altLang="en-US"/>
-              <a:t>　</a:t>
-            </a:r>
-            <a:r>
-              <a:rPr lang="en-US" altLang="ja-JP"/>
-              <a:t>|</a:t>
-            </a:r>
-            <a:r>
-              <a:rPr lang="ja-JP" altLang="en-US"/>
-              <a:t>　　</a:t>
-            </a:r>
-            <a:r>
-              <a:rPr lang="en-US" altLang="ja-JP"/>
-              <a:t>DDMMYY</a:t>
-            </a:r>
-            <a:endParaRPr lang="ja-JP" altLang="en-US" dirty="0"/>
+              <a:rPr lang="en-US" dirty="0"/>
+              <a:t>Interaction</a:t>
+            </a:r>
           </a:p>
         </p:txBody>
       </p:sp>
+      <p:pic>
+        <p:nvPicPr>
+          <p:cNvPr id="12" name="Content Placeholder 11">
+            <a:extLst>
+              <a:ext uri="{FF2B5EF4-FFF2-40B4-BE49-F238E27FC236}">
+                <a16:creationId xmlns:a16="http://schemas.microsoft.com/office/drawing/2014/main" id="{F0568633-8D68-4A67-8FCC-BB8BB4E5990F}"/>
+              </a:ext>
+            </a:extLst>
+          </p:cNvPr>
+          <p:cNvPicPr>
+            <a:picLocks noGrp="1" noChangeAspect="1"/>
+          </p:cNvPicPr>
+          <p:nvPr>
+            <p:ph sz="quarter" idx="4"/>
+          </p:nvPr>
+        </p:nvPicPr>
+        <p:blipFill>
+          <a:blip r:embed="rId3">
+            <a:extLst>
+              <a:ext uri="{28A0092B-C50C-407E-A947-70E740481C1C}">
+                <a14:useLocalDpi xmlns:a14="http://schemas.microsoft.com/office/drawing/2010/main" val="0"/>
+              </a:ext>
+            </a:extLst>
+          </a:blip>
+          <a:stretch>
+            <a:fillRect/>
+          </a:stretch>
+        </p:blipFill>
+        <p:spPr>
+          <a:xfrm>
+            <a:off x="4645025" y="1746392"/>
+            <a:ext cx="4041775" cy="2277779"/>
+          </a:xfrm>
+        </p:spPr>
+      </p:pic>
       <p:sp>
         <p:nvSpPr>
-          <p:cNvPr id="5" name="Slide Number Placeholder 4">
+          <p:cNvPr id="7" name="Footer Placeholder 6">
             <a:extLst>
               <a:ext uri="{FF2B5EF4-FFF2-40B4-BE49-F238E27FC236}">
-                <a16:creationId xmlns:a16="http://schemas.microsoft.com/office/drawing/2014/main" id="{AE162108-68F1-4196-8130-9899CACCB7A0}"/>
+                <a16:creationId xmlns:a16="http://schemas.microsoft.com/office/drawing/2014/main" id="{0A46F92B-BA66-4A4F-A8F1-8F6A06CE1F87}"/>
               </a:ext>
             </a:extLst>
           </p:cNvPr>
@@ -10266,6 +13133,55 @@
             <a:spLocks noGrp="1"/>
           </p:cNvSpPr>
           <p:nvPr>
+            <p:ph type="ftr" sz="quarter" idx="11"/>
+          </p:nvPr>
+        </p:nvSpPr>
+        <p:spPr/>
+        <p:txBody>
+          <a:bodyPr/>
+          <a:lstStyle/>
+          <a:p>
+            <a:r>
+              <a:rPr lang="ja-JP" altLang="en-US"/>
+              <a:t>｜</a:t>
+            </a:r>
+            <a:r>
+              <a:rPr lang="en-US" altLang="ja-JP"/>
+              <a:t>0000</a:t>
+            </a:r>
+            <a:r>
+              <a:rPr lang="ja-JP" altLang="en-US"/>
+              <a:t>　</a:t>
+            </a:r>
+            <a:r>
+              <a:rPr lang="en-US" altLang="ja-JP"/>
+              <a:t>|</a:t>
+            </a:r>
+            <a:r>
+              <a:rPr lang="ja-JP" altLang="en-US"/>
+              <a:t>　　</a:t>
+            </a:r>
+            <a:r>
+              <a:rPr lang="en-US" altLang="ja-JP"/>
+              <a:t>DDMMYY</a:t>
+            </a:r>
+            <a:endParaRPr lang="ja-JP" altLang="en-US" dirty="0"/>
+          </a:p>
+        </p:txBody>
+      </p:sp>
+      <p:sp>
+        <p:nvSpPr>
+          <p:cNvPr id="8" name="Slide Number Placeholder 7">
+            <a:extLst>
+              <a:ext uri="{FF2B5EF4-FFF2-40B4-BE49-F238E27FC236}">
+                <a16:creationId xmlns:a16="http://schemas.microsoft.com/office/drawing/2014/main" id="{16D4CC7B-BFE7-46A0-B159-52F158EC7311}"/>
+              </a:ext>
+            </a:extLst>
+          </p:cNvPr>
+          <p:cNvSpPr>
+            <a:spLocks noGrp="1"/>
+          </p:cNvSpPr>
+          <p:nvPr>
             <p:ph type="sldNum" sz="quarter" idx="12"/>
           </p:nvPr>
         </p:nvSpPr>
@@ -10286,7 +13202,7 @@
     </p:spTree>
     <p:extLst>
       <p:ext uri="{BB962C8B-B14F-4D97-AF65-F5344CB8AC3E}">
-        <p14:creationId xmlns:p14="http://schemas.microsoft.com/office/powerpoint/2010/main" val="3539826162"/>
+        <p14:creationId xmlns:p14="http://schemas.microsoft.com/office/powerpoint/2010/main" val="1459006633"/>
       </p:ext>
     </p:extLst>
   </p:cSld>
